--- a/答辩ppt-李慧奇.pptx
+++ b/答辩ppt-李慧奇.pptx
@@ -1,24 +1,24 @@
 
 <file path=ppt/presentation.xml><?xml version="1.0" encoding="utf-8"?>
-<p:presentation xmlns:a="http://schemas.openxmlformats.org/drawingml/2006/main" xmlns:r="http://schemas.openxmlformats.org/officeDocument/2006/relationships" xmlns:p="http://schemas.openxmlformats.org/presentationml/2006/main" saveSubsetFonts="1">
+<p:presentation xmlns:a="http://schemas.openxmlformats.org/drawingml/2006/main" xmlns:r="http://schemas.openxmlformats.org/officeDocument/2006/relationships" xmlns:p="http://schemas.openxmlformats.org/presentationml/2006/main">
   <p:sldMasterIdLst>
-    <p:sldMasterId id="2147483744" r:id="rId1"/>
-    <p:sldMasterId id="2147483758" r:id="rId2"/>
-    <p:sldMasterId id="2147483706" r:id="rId3"/>
+    <p:sldMasterId id="2147483648" r:id="rId1"/>
+    <p:sldMasterId id="2147483650" r:id="rId3"/>
+    <p:sldMasterId id="2147483652" r:id="rId4"/>
   </p:sldMasterIdLst>
   <p:notesMasterIdLst>
-    <p:notesMasterId r:id="rId13"/>
+    <p:notesMasterId r:id="rId6"/>
   </p:notesMasterIdLst>
   <p:sldIdLst>
-    <p:sldId id="259" r:id="rId4"/>
-    <p:sldId id="261" r:id="rId5"/>
-    <p:sldId id="258" r:id="rId6"/>
-    <p:sldId id="262" r:id="rId7"/>
-    <p:sldId id="264" r:id="rId8"/>
-    <p:sldId id="265" r:id="rId9"/>
-    <p:sldId id="263" r:id="rId10"/>
-    <p:sldId id="266" r:id="rId11"/>
-    <p:sldId id="267" r:id="rId12"/>
+    <p:sldId id="259" r:id="rId5"/>
+    <p:sldId id="261" r:id="rId7"/>
+    <p:sldId id="258" r:id="rId8"/>
+    <p:sldId id="262" r:id="rId9"/>
+    <p:sldId id="264" r:id="rId10"/>
+    <p:sldId id="265" r:id="rId11"/>
+    <p:sldId id="263" r:id="rId12"/>
+    <p:sldId id="266" r:id="rId13"/>
+    <p:sldId id="267" r:id="rId14"/>
   </p:sldIdLst>
   <p:sldSz cx="12192000" cy="6858000"/>
   <p:notesSz cx="6858000" cy="9144000"/>
@@ -143,9 +143,6 @@
         </p14:section>
       </p14:sectionLst>
     </p:ext>
-    <p:ext uri="{EFAFB233-063F-42B5-8137-9DF3F51BA10A}">
-      <p15:sldGuideLst xmlns:p15="http://schemas.microsoft.com/office/powerpoint/2012/main"/>
-    </p:ext>
   </p:extLst>
 </p:presentation>
 </file>
@@ -232,7 +229,6 @@
           <a:p>
             <a:fld id="{FAD1B95E-B8CE-4460-A709-75E164D1C581}" type="datetimeFigureOut">
               <a:rPr lang="zh-CN" altLang="en-US" smtClean="0"/>
-              <a:t>2022/10/14</a:t>
             </a:fld>
             <a:endParaRPr lang="zh-CN" altLang="en-US"/>
           </a:p>
@@ -299,6 +295,7 @@
               <a:rPr lang="zh-CN" altLang="en-US" smtClean="0"/>
               <a:t>单击此处编辑母版文本样式</a:t>
             </a:r>
+            <a:endParaRPr lang="zh-CN" altLang="en-US" smtClean="0"/>
           </a:p>
           <a:p>
             <a:pPr lvl="1"/>
@@ -306,6 +303,7 @@
               <a:rPr lang="zh-CN" altLang="en-US" smtClean="0"/>
               <a:t>第二级</a:t>
             </a:r>
+            <a:endParaRPr lang="zh-CN" altLang="en-US" smtClean="0"/>
           </a:p>
           <a:p>
             <a:pPr lvl="2"/>
@@ -313,6 +311,7 @@
               <a:rPr lang="zh-CN" altLang="en-US" smtClean="0"/>
               <a:t>第三级</a:t>
             </a:r>
+            <a:endParaRPr lang="zh-CN" altLang="en-US" smtClean="0"/>
           </a:p>
           <a:p>
             <a:pPr lvl="3"/>
@@ -320,6 +319,7 @@
               <a:rPr lang="zh-CN" altLang="en-US" smtClean="0"/>
               <a:t>第四级</a:t>
             </a:r>
+            <a:endParaRPr lang="zh-CN" altLang="en-US" smtClean="0"/>
           </a:p>
           <a:p>
             <a:pPr lvl="4"/>
@@ -391,18 +391,12 @@
           <a:p>
             <a:fld id="{BCCCF45C-4342-43BE-9723-E1507C2FFB84}" type="slidenum">
               <a:rPr lang="zh-CN" altLang="en-US" smtClean="0"/>
-              <a:t>‹#›</a:t>
             </a:fld>
             <a:endParaRPr lang="zh-CN" altLang="en-US"/>
           </a:p>
         </p:txBody>
       </p:sp>
     </p:spTree>
-    <p:extLst>
-      <p:ext uri="{BB962C8B-B14F-4D97-AF65-F5344CB8AC3E}">
-        <p14:creationId xmlns:p14="http://schemas.microsoft.com/office/powerpoint/2010/main" val="6775164"/>
-      </p:ext>
-    </p:extLst>
   </p:cSld>
   <p:clrMap bg1="lt1" tx1="dk1" bg2="lt2" tx2="dk2" accent1="accent1" accent2="accent2" accent3="accent3" accent4="accent4" accent5="accent5" accent6="accent6" hlink="hlink" folHlink="folHlink"/>
   <p:notesStyle>
@@ -565,18 +559,12 @@
           <a:p>
             <a:fld id="{AA8C5229-267F-4A77-96B3-01EB3F7BE8C8}" type="slidenum">
               <a:rPr lang="zh-CN" altLang="en-US" smtClean="0"/>
-              <a:t>1</a:t>
             </a:fld>
             <a:endParaRPr lang="zh-CN" altLang="en-US"/>
           </a:p>
         </p:txBody>
       </p:sp>
     </p:spTree>
-    <p:extLst>
-      <p:ext uri="{BB962C8B-B14F-4D97-AF65-F5344CB8AC3E}">
-        <p14:creationId xmlns:p14="http://schemas.microsoft.com/office/powerpoint/2010/main" val="181756363"/>
-      </p:ext>
-    </p:extLst>
   </p:cSld>
   <p:clrMapOvr>
     <a:masterClrMapping/>
@@ -649,18 +637,12 @@
           <a:p>
             <a:fld id="{AA8C5229-267F-4A77-96B3-01EB3F7BE8C8}" type="slidenum">
               <a:rPr lang="zh-CN" altLang="en-US" smtClean="0"/>
-              <a:t>2</a:t>
             </a:fld>
             <a:endParaRPr lang="zh-CN" altLang="en-US"/>
           </a:p>
         </p:txBody>
       </p:sp>
     </p:spTree>
-    <p:extLst>
-      <p:ext uri="{BB962C8B-B14F-4D97-AF65-F5344CB8AC3E}">
-        <p14:creationId xmlns:p14="http://schemas.microsoft.com/office/powerpoint/2010/main" val="1360026217"/>
-      </p:ext>
-    </p:extLst>
   </p:cSld>
   <p:clrMapOvr>
     <a:masterClrMapping/>
@@ -733,18 +715,12 @@
           <a:p>
             <a:fld id="{AA8C5229-267F-4A77-96B3-01EB3F7BE8C8}" type="slidenum">
               <a:rPr lang="zh-CN" altLang="en-US" smtClean="0"/>
-              <a:t>5</a:t>
             </a:fld>
             <a:endParaRPr lang="zh-CN" altLang="en-US"/>
           </a:p>
         </p:txBody>
       </p:sp>
     </p:spTree>
-    <p:extLst>
-      <p:ext uri="{BB962C8B-B14F-4D97-AF65-F5344CB8AC3E}">
-        <p14:creationId xmlns:p14="http://schemas.microsoft.com/office/powerpoint/2010/main" val="1545824855"/>
-      </p:ext>
-    </p:extLst>
   </p:cSld>
   <p:clrMapOvr>
     <a:masterClrMapping/>
@@ -817,18 +793,12 @@
           <a:p>
             <a:fld id="{AA8C5229-267F-4A77-96B3-01EB3F7BE8C8}" type="slidenum">
               <a:rPr lang="zh-CN" altLang="en-US" smtClean="0"/>
-              <a:t>6</a:t>
             </a:fld>
             <a:endParaRPr lang="zh-CN" altLang="en-US"/>
           </a:p>
         </p:txBody>
       </p:sp>
     </p:spTree>
-    <p:extLst>
-      <p:ext uri="{BB962C8B-B14F-4D97-AF65-F5344CB8AC3E}">
-        <p14:creationId xmlns:p14="http://schemas.microsoft.com/office/powerpoint/2010/main" val="1003182069"/>
-      </p:ext>
-    </p:extLst>
   </p:cSld>
   <p:clrMapOvr>
     <a:masterClrMapping/>
@@ -902,8 +872,6 @@
                   </a:prstClr>
                 </a:solidFill>
               </a:rPr>
-              <a:pPr/>
-              <a:t>‹#›</a:t>
             </a:fld>
             <a:endParaRPr lang="zh-CN" altLang="en-US">
               <a:solidFill>
@@ -1582,11 +1550,6 @@
         </p:sp>
       </p:grpSp>
     </p:spTree>
-    <p:extLst>
-      <p:ext uri="{BB962C8B-B14F-4D97-AF65-F5344CB8AC3E}">
-        <p14:creationId xmlns:p14="http://schemas.microsoft.com/office/powerpoint/2010/main" val="1011084650"/>
-      </p:ext>
-    </p:extLst>
   </p:cSld>
   <p:clrMapOvr>
     <a:masterClrMapping/>
@@ -1777,6 +1740,7 @@
               <a:rPr lang="zh-CN" altLang="en-US" smtClean="0"/>
               <a:t>单击此处编辑母版文本样式</a:t>
             </a:r>
+            <a:endParaRPr lang="zh-CN" altLang="en-US" smtClean="0"/>
           </a:p>
         </p:txBody>
       </p:sp>
@@ -2163,15 +2127,11 @@
               <a:rPr lang="zh-CN" altLang="en-US" dirty="0" smtClean="0"/>
               <a:t>单击此处编辑母版文本样式</a:t>
             </a:r>
+            <a:endParaRPr lang="zh-CN" altLang="en-US" dirty="0" smtClean="0"/>
           </a:p>
         </p:txBody>
       </p:sp>
     </p:spTree>
-    <p:extLst>
-      <p:ext uri="{BB962C8B-B14F-4D97-AF65-F5344CB8AC3E}">
-        <p14:creationId xmlns:p14="http://schemas.microsoft.com/office/powerpoint/2010/main" val="3747125262"/>
-      </p:ext>
-    </p:extLst>
   </p:cSld>
   <p:clrMapOvr>
     <a:masterClrMapping/>
@@ -2239,6 +2199,7 @@
               <a:rPr lang="zh-CN" altLang="en-US" smtClean="0"/>
               <a:t>单击此处编辑母版文本样式</a:t>
             </a:r>
+            <a:endParaRPr lang="zh-CN" altLang="en-US" smtClean="0"/>
           </a:p>
           <a:p>
             <a:pPr lvl="1"/>
@@ -2246,6 +2207,7 @@
               <a:rPr lang="zh-CN" altLang="en-US" smtClean="0"/>
               <a:t>第二级</a:t>
             </a:r>
+            <a:endParaRPr lang="zh-CN" altLang="en-US" smtClean="0"/>
           </a:p>
           <a:p>
             <a:pPr lvl="2"/>
@@ -2253,6 +2215,7 @@
               <a:rPr lang="zh-CN" altLang="en-US" smtClean="0"/>
               <a:t>第三级</a:t>
             </a:r>
+            <a:endParaRPr lang="zh-CN" altLang="en-US" smtClean="0"/>
           </a:p>
           <a:p>
             <a:pPr lvl="3"/>
@@ -2260,6 +2223,7 @@
               <a:rPr lang="zh-CN" altLang="en-US" smtClean="0"/>
               <a:t>第四级</a:t>
             </a:r>
+            <a:endParaRPr lang="zh-CN" altLang="en-US" smtClean="0"/>
           </a:p>
           <a:p>
             <a:pPr lvl="4"/>
@@ -2654,15 +2618,11 @@
               <a:rPr lang="zh-CN" altLang="en-US" dirty="0" smtClean="0"/>
               <a:t>单击此处编辑母版文本样式</a:t>
             </a:r>
+            <a:endParaRPr lang="zh-CN" altLang="en-US" dirty="0" smtClean="0"/>
           </a:p>
         </p:txBody>
       </p:sp>
     </p:spTree>
-    <p:extLst>
-      <p:ext uri="{BB962C8B-B14F-4D97-AF65-F5344CB8AC3E}">
-        <p14:creationId xmlns:p14="http://schemas.microsoft.com/office/powerpoint/2010/main" val="3040095644"/>
-      </p:ext>
-    </p:extLst>
   </p:cSld>
   <p:clrMapOvr>
     <a:masterClrMapping/>
@@ -2740,6 +2700,7 @@
               <a:rPr lang="zh-CN" altLang="en-US" smtClean="0"/>
               <a:t>单击此处编辑母版文本样式</a:t>
             </a:r>
+            <a:endParaRPr lang="zh-CN" altLang="en-US" smtClean="0"/>
           </a:p>
           <a:p>
             <a:pPr lvl="1"/>
@@ -2747,6 +2708,7 @@
               <a:rPr lang="zh-CN" altLang="en-US" smtClean="0"/>
               <a:t>第二级</a:t>
             </a:r>
+            <a:endParaRPr lang="zh-CN" altLang="en-US" smtClean="0"/>
           </a:p>
           <a:p>
             <a:pPr lvl="2"/>
@@ -2754,6 +2716,7 @@
               <a:rPr lang="zh-CN" altLang="en-US" smtClean="0"/>
               <a:t>第三级</a:t>
             </a:r>
+            <a:endParaRPr lang="zh-CN" altLang="en-US" smtClean="0"/>
           </a:p>
           <a:p>
             <a:pPr lvl="3"/>
@@ -2761,6 +2724,7 @@
               <a:rPr lang="zh-CN" altLang="en-US" smtClean="0"/>
               <a:t>第四级</a:t>
             </a:r>
+            <a:endParaRPr lang="zh-CN" altLang="en-US" smtClean="0"/>
           </a:p>
           <a:p>
             <a:pPr lvl="4"/>
@@ -3155,15 +3119,11 @@
               <a:rPr lang="zh-CN" altLang="en-US" dirty="0" smtClean="0"/>
               <a:t>单击此处编辑母版文本样式</a:t>
             </a:r>
+            <a:endParaRPr lang="zh-CN" altLang="en-US" dirty="0" smtClean="0"/>
           </a:p>
         </p:txBody>
       </p:sp>
     </p:spTree>
-    <p:extLst>
-      <p:ext uri="{BB962C8B-B14F-4D97-AF65-F5344CB8AC3E}">
-        <p14:creationId xmlns:p14="http://schemas.microsoft.com/office/powerpoint/2010/main" val="4212611094"/>
-      </p:ext>
-    </p:extLst>
   </p:cSld>
   <p:clrMapOvr>
     <a:masterClrMapping/>
@@ -3231,7 +3191,6 @@
           <a:p>
             <a:fld id="{FE23E628-1F21-4529-9077-4992BA5035AF}" type="slidenum">
               <a:rPr lang="zh-CN" altLang="en-US" smtClean="0"/>
-              <a:t>‹#›</a:t>
             </a:fld>
             <a:endParaRPr lang="zh-CN" altLang="en-US"/>
           </a:p>
@@ -4007,11 +3966,6 @@
         </p:txBody>
       </p:sp>
     </p:spTree>
-    <p:extLst>
-      <p:ext uri="{BB962C8B-B14F-4D97-AF65-F5344CB8AC3E}">
-        <p14:creationId xmlns:p14="http://schemas.microsoft.com/office/powerpoint/2010/main" val="1077541728"/>
-      </p:ext>
-    </p:extLst>
   </p:cSld>
   <p:clrMapOvr>
     <a:masterClrMapping/>
@@ -4091,6 +4045,7 @@
               <a:rPr lang="zh-CN" altLang="en-US" smtClean="0"/>
               <a:t>单击此处编辑母版文本样式</a:t>
             </a:r>
+            <a:endParaRPr lang="zh-CN" altLang="en-US" smtClean="0"/>
           </a:p>
           <a:p>
             <a:pPr lvl="1"/>
@@ -4098,6 +4053,7 @@
               <a:rPr lang="zh-CN" altLang="en-US" smtClean="0"/>
               <a:t>第二级</a:t>
             </a:r>
+            <a:endParaRPr lang="zh-CN" altLang="en-US" smtClean="0"/>
           </a:p>
           <a:p>
             <a:pPr lvl="2"/>
@@ -4105,6 +4061,7 @@
               <a:rPr lang="zh-CN" altLang="en-US" smtClean="0"/>
               <a:t>第三级</a:t>
             </a:r>
+            <a:endParaRPr lang="zh-CN" altLang="en-US" smtClean="0"/>
           </a:p>
           <a:p>
             <a:pPr lvl="3"/>
@@ -4112,6 +4069,7 @@
               <a:rPr lang="zh-CN" altLang="en-US" smtClean="0"/>
               <a:t>第四级</a:t>
             </a:r>
+            <a:endParaRPr lang="zh-CN" altLang="en-US" smtClean="0"/>
           </a:p>
           <a:p>
             <a:pPr lvl="4"/>
@@ -4140,7 +4098,6 @@
           <a:p>
             <a:fld id="{EB75792A-B8EE-4130-A892-9E17CBD66B49}" type="datetimeFigureOut">
               <a:rPr lang="zh-CN" altLang="en-US" smtClean="0"/>
-              <a:t>2022/10/14</a:t>
             </a:fld>
             <a:endParaRPr lang="zh-CN" altLang="en-US"/>
           </a:p>
@@ -4182,18 +4139,12 @@
           <a:p>
             <a:fld id="{FE23E628-1F21-4529-9077-4992BA5035AF}" type="slidenum">
               <a:rPr lang="zh-CN" altLang="en-US" smtClean="0"/>
-              <a:t>‹#›</a:t>
             </a:fld>
             <a:endParaRPr lang="zh-CN" altLang="en-US"/>
           </a:p>
         </p:txBody>
       </p:sp>
     </p:spTree>
-    <p:extLst>
-      <p:ext uri="{BB962C8B-B14F-4D97-AF65-F5344CB8AC3E}">
-        <p14:creationId xmlns:p14="http://schemas.microsoft.com/office/powerpoint/2010/main" val="603381141"/>
-      </p:ext>
-    </p:extLst>
   </p:cSld>
   <p:clrMapOvr>
     <a:masterClrMapping/>
@@ -4541,9 +4492,7 @@
       <p:sp>
         <p:nvSpPr>
           <p:cNvPr id="11" name="标题 9"/>
-          <p:cNvSpPr txBox="1">
-            <a:spLocks/>
-          </p:cNvSpPr>
+          <p:cNvSpPr txBox="1"/>
           <p:nvPr userDrawn="1"/>
         </p:nvSpPr>
         <p:spPr>
@@ -4674,15 +4623,14 @@
               <a:rPr lang="zh-CN" altLang="en-US" dirty="0" smtClean="0"/>
               <a:t>第一部分</a:t>
             </a:r>
+            <a:endParaRPr lang="zh-CN" altLang="en-US" dirty="0" smtClean="0"/>
           </a:p>
         </p:txBody>
       </p:sp>
       <p:sp>
         <p:nvSpPr>
           <p:cNvPr id="20" name="标题 1"/>
-          <p:cNvSpPr txBox="1">
-            <a:spLocks/>
-          </p:cNvSpPr>
+          <p:cNvSpPr txBox="1"/>
           <p:nvPr userDrawn="1"/>
         </p:nvSpPr>
         <p:spPr>
@@ -4813,6 +4761,7 @@
               <a:rPr lang="zh-CN" altLang="en-US" dirty="0" smtClean="0"/>
               <a:t>第一部分</a:t>
             </a:r>
+            <a:endParaRPr lang="zh-CN" altLang="en-US" dirty="0" smtClean="0"/>
           </a:p>
         </p:txBody>
       </p:sp>
@@ -4890,6 +4839,7 @@
               <a:rPr lang="zh-CN" altLang="en-US" dirty="0" smtClean="0"/>
               <a:t>第一部分</a:t>
             </a:r>
+            <a:endParaRPr lang="zh-CN" altLang="en-US" dirty="0" smtClean="0"/>
           </a:p>
         </p:txBody>
       </p:sp>
@@ -4967,15 +4917,11 @@
               <a:rPr lang="zh-CN" altLang="en-US" dirty="0" smtClean="0"/>
               <a:t>第一部分</a:t>
             </a:r>
+            <a:endParaRPr lang="zh-CN" altLang="en-US" dirty="0" smtClean="0"/>
           </a:p>
         </p:txBody>
       </p:sp>
     </p:spTree>
-    <p:extLst>
-      <p:ext uri="{BB962C8B-B14F-4D97-AF65-F5344CB8AC3E}">
-        <p14:creationId xmlns:p14="http://schemas.microsoft.com/office/powerpoint/2010/main" val="3199654397"/>
-      </p:ext>
-    </p:extLst>
   </p:cSld>
   <p:clrMapOvr>
     <a:masterClrMapping/>
@@ -4987,22 +4933,6 @@
       </p:par>
     </p:tnLst>
   </p:timing>
-  <p:extLst mod="1">
-    <p:ext uri="{DCECCB84-F9BA-43D5-87BE-67443E8EF086}">
-      <p15:sldGuideLst xmlns:p15="http://schemas.microsoft.com/office/powerpoint/2012/main">
-        <p15:guide id="1" orient="horz" pos="2160">
-          <p15:clr>
-            <a:srgbClr val="FBAE40"/>
-          </p15:clr>
-        </p15:guide>
-        <p15:guide id="2" pos="3840">
-          <p15:clr>
-            <a:srgbClr val="FBAE40"/>
-          </p15:clr>
-        </p15:guide>
-      </p15:sldGuideLst>
-    </p:ext>
-  </p:extLst>
 </p:sldLayout>
 </file>
 
@@ -5058,6 +4988,7 @@
               <a:rPr lang="zh-CN" altLang="en-US" dirty="0" smtClean="0"/>
               <a:t>单击此处编辑母版文本样式</a:t>
             </a:r>
+            <a:endParaRPr lang="zh-CN" altLang="en-US" dirty="0" smtClean="0"/>
           </a:p>
         </p:txBody>
       </p:sp>
@@ -5410,11 +5341,6 @@
         </p:sp>
       </p:grpSp>
     </p:spTree>
-    <p:extLst>
-      <p:ext uri="{BB962C8B-B14F-4D97-AF65-F5344CB8AC3E}">
-        <p14:creationId xmlns:p14="http://schemas.microsoft.com/office/powerpoint/2010/main" val="2518987997"/>
-      </p:ext>
-    </p:extLst>
   </p:cSld>
   <p:clrMapOvr>
     <a:masterClrMapping/>
@@ -5822,15 +5748,11 @@
               <a:rPr lang="zh-CN" altLang="en-US" dirty="0" smtClean="0"/>
               <a:t>单击此处编辑母版文本样式</a:t>
             </a:r>
+            <a:endParaRPr lang="zh-CN" altLang="en-US" dirty="0" smtClean="0"/>
           </a:p>
         </p:txBody>
       </p:sp>
     </p:spTree>
-    <p:extLst>
-      <p:ext uri="{BB962C8B-B14F-4D97-AF65-F5344CB8AC3E}">
-        <p14:creationId xmlns:p14="http://schemas.microsoft.com/office/powerpoint/2010/main" val="2148639042"/>
-      </p:ext>
-    </p:extLst>
   </p:cSld>
   <p:clrMapOvr>
     <a:masterClrMapping/>
@@ -6268,15 +6190,11 @@
               <a:rPr lang="zh-CN" altLang="en-US" dirty="0" smtClean="0"/>
               <a:t>单击此处编辑母版文本样式</a:t>
             </a:r>
+            <a:endParaRPr lang="zh-CN" altLang="en-US" dirty="0" smtClean="0"/>
           </a:p>
         </p:txBody>
       </p:sp>
     </p:spTree>
-    <p:extLst>
-      <p:ext uri="{BB962C8B-B14F-4D97-AF65-F5344CB8AC3E}">
-        <p14:creationId xmlns:p14="http://schemas.microsoft.com/office/powerpoint/2010/main" val="1475111998"/>
-      </p:ext>
-    </p:extLst>
   </p:cSld>
   <p:clrMapOvr>
     <a:masterClrMapping/>
@@ -6349,6 +6267,7 @@
               <a:rPr lang="zh-CN" altLang="en-US" smtClean="0"/>
               <a:t>单击此处编辑母版文本样式</a:t>
             </a:r>
+            <a:endParaRPr lang="zh-CN" altLang="en-US" smtClean="0"/>
           </a:p>
           <a:p>
             <a:pPr lvl="1"/>
@@ -6356,6 +6275,7 @@
               <a:rPr lang="zh-CN" altLang="en-US" smtClean="0"/>
               <a:t>第二级</a:t>
             </a:r>
+            <a:endParaRPr lang="zh-CN" altLang="en-US" smtClean="0"/>
           </a:p>
           <a:p>
             <a:pPr lvl="2"/>
@@ -6363,6 +6283,7 @@
               <a:rPr lang="zh-CN" altLang="en-US" smtClean="0"/>
               <a:t>第三级</a:t>
             </a:r>
+            <a:endParaRPr lang="zh-CN" altLang="en-US" smtClean="0"/>
           </a:p>
           <a:p>
             <a:pPr lvl="3"/>
@@ -6370,6 +6291,7 @@
               <a:rPr lang="zh-CN" altLang="en-US" smtClean="0"/>
               <a:t>第四级</a:t>
             </a:r>
+            <a:endParaRPr lang="zh-CN" altLang="en-US" smtClean="0"/>
           </a:p>
           <a:p>
             <a:pPr lvl="4"/>
@@ -6732,9 +6654,7 @@
       <p:sp>
         <p:nvSpPr>
           <p:cNvPr id="12" name="标题 1"/>
-          <p:cNvSpPr txBox="1">
-            <a:spLocks/>
-          </p:cNvSpPr>
+          <p:cNvSpPr txBox="1"/>
           <p:nvPr userDrawn="1"/>
         </p:nvSpPr>
         <p:spPr>
@@ -6819,15 +6739,11 @@
               <a:rPr lang="zh-CN" altLang="en-US" dirty="0" smtClean="0"/>
               <a:t>单击此处编辑母版文本样式</a:t>
             </a:r>
+            <a:endParaRPr lang="zh-CN" altLang="en-US" dirty="0" smtClean="0"/>
           </a:p>
         </p:txBody>
       </p:sp>
     </p:spTree>
-    <p:extLst>
-      <p:ext uri="{BB962C8B-B14F-4D97-AF65-F5344CB8AC3E}">
-        <p14:creationId xmlns:p14="http://schemas.microsoft.com/office/powerpoint/2010/main" val="4269575983"/>
-      </p:ext>
-    </p:extLst>
   </p:cSld>
   <p:clrMapOvr>
     <a:masterClrMapping/>
@@ -6907,6 +6823,7 @@
               <a:rPr lang="zh-CN" altLang="en-US" smtClean="0"/>
               <a:t>单击此处编辑母版文本样式</a:t>
             </a:r>
+            <a:endParaRPr lang="zh-CN" altLang="en-US" smtClean="0"/>
           </a:p>
           <a:p>
             <a:pPr lvl="1"/>
@@ -6914,6 +6831,7 @@
               <a:rPr lang="zh-CN" altLang="en-US" smtClean="0"/>
               <a:t>第二级</a:t>
             </a:r>
+            <a:endParaRPr lang="zh-CN" altLang="en-US" smtClean="0"/>
           </a:p>
           <a:p>
             <a:pPr lvl="2"/>
@@ -6921,6 +6839,7 @@
               <a:rPr lang="zh-CN" altLang="en-US" smtClean="0"/>
               <a:t>第三级</a:t>
             </a:r>
+            <a:endParaRPr lang="zh-CN" altLang="en-US" smtClean="0"/>
           </a:p>
           <a:p>
             <a:pPr lvl="3"/>
@@ -6928,6 +6847,7 @@
               <a:rPr lang="zh-CN" altLang="en-US" smtClean="0"/>
               <a:t>第四级</a:t>
             </a:r>
+            <a:endParaRPr lang="zh-CN" altLang="en-US" smtClean="0"/>
           </a:p>
           <a:p>
             <a:pPr lvl="4"/>
@@ -6964,6 +6884,7 @@
               <a:rPr lang="zh-CN" altLang="en-US" smtClean="0"/>
               <a:t>单击此处编辑母版文本样式</a:t>
             </a:r>
+            <a:endParaRPr lang="zh-CN" altLang="en-US" smtClean="0"/>
           </a:p>
           <a:p>
             <a:pPr lvl="1"/>
@@ -6971,6 +6892,7 @@
               <a:rPr lang="zh-CN" altLang="en-US" smtClean="0"/>
               <a:t>第二级</a:t>
             </a:r>
+            <a:endParaRPr lang="zh-CN" altLang="en-US" smtClean="0"/>
           </a:p>
           <a:p>
             <a:pPr lvl="2"/>
@@ -6978,6 +6900,7 @@
               <a:rPr lang="zh-CN" altLang="en-US" smtClean="0"/>
               <a:t>第三级</a:t>
             </a:r>
+            <a:endParaRPr lang="zh-CN" altLang="en-US" smtClean="0"/>
           </a:p>
           <a:p>
             <a:pPr lvl="3"/>
@@ -6985,6 +6908,7 @@
               <a:rPr lang="zh-CN" altLang="en-US" smtClean="0"/>
               <a:t>第四级</a:t>
             </a:r>
+            <a:endParaRPr lang="zh-CN" altLang="en-US" smtClean="0"/>
           </a:p>
           <a:p>
             <a:pPr lvl="4"/>
@@ -7379,15 +7303,11 @@
               <a:rPr lang="zh-CN" altLang="en-US" dirty="0" smtClean="0"/>
               <a:t>单击此处编辑母版文本样式</a:t>
             </a:r>
+            <a:endParaRPr lang="zh-CN" altLang="en-US" dirty="0" smtClean="0"/>
           </a:p>
         </p:txBody>
       </p:sp>
     </p:spTree>
-    <p:extLst>
-      <p:ext uri="{BB962C8B-B14F-4D97-AF65-F5344CB8AC3E}">
-        <p14:creationId xmlns:p14="http://schemas.microsoft.com/office/powerpoint/2010/main" val="854014894"/>
-      </p:ext>
-    </p:extLst>
   </p:cSld>
   <p:clrMapOvr>
     <a:masterClrMapping/>
@@ -7509,6 +7429,7 @@
               <a:rPr lang="zh-CN" altLang="en-US" smtClean="0"/>
               <a:t>单击此处编辑母版文本样式</a:t>
             </a:r>
+            <a:endParaRPr lang="zh-CN" altLang="en-US" smtClean="0"/>
           </a:p>
         </p:txBody>
       </p:sp>
@@ -7537,6 +7458,7 @@
               <a:rPr lang="zh-CN" altLang="en-US" smtClean="0"/>
               <a:t>单击此处编辑母版文本样式</a:t>
             </a:r>
+            <a:endParaRPr lang="zh-CN" altLang="en-US" smtClean="0"/>
           </a:p>
           <a:p>
             <a:pPr lvl="1"/>
@@ -7544,6 +7466,7 @@
               <a:rPr lang="zh-CN" altLang="en-US" smtClean="0"/>
               <a:t>第二级</a:t>
             </a:r>
+            <a:endParaRPr lang="zh-CN" altLang="en-US" smtClean="0"/>
           </a:p>
           <a:p>
             <a:pPr lvl="2"/>
@@ -7551,6 +7474,7 @@
               <a:rPr lang="zh-CN" altLang="en-US" smtClean="0"/>
               <a:t>第三级</a:t>
             </a:r>
+            <a:endParaRPr lang="zh-CN" altLang="en-US" smtClean="0"/>
           </a:p>
           <a:p>
             <a:pPr lvl="3"/>
@@ -7558,6 +7482,7 @@
               <a:rPr lang="zh-CN" altLang="en-US" smtClean="0"/>
               <a:t>第四级</a:t>
             </a:r>
+            <a:endParaRPr lang="zh-CN" altLang="en-US" smtClean="0"/>
           </a:p>
           <a:p>
             <a:pPr lvl="4"/>
@@ -7631,6 +7556,7 @@
               <a:rPr lang="zh-CN" altLang="en-US" smtClean="0"/>
               <a:t>单击此处编辑母版文本样式</a:t>
             </a:r>
+            <a:endParaRPr lang="zh-CN" altLang="en-US" smtClean="0"/>
           </a:p>
         </p:txBody>
       </p:sp>
@@ -7659,6 +7585,7 @@
               <a:rPr lang="zh-CN" altLang="en-US" smtClean="0"/>
               <a:t>单击此处编辑母版文本样式</a:t>
             </a:r>
+            <a:endParaRPr lang="zh-CN" altLang="en-US" smtClean="0"/>
           </a:p>
           <a:p>
             <a:pPr lvl="1"/>
@@ -7666,6 +7593,7 @@
               <a:rPr lang="zh-CN" altLang="en-US" smtClean="0"/>
               <a:t>第二级</a:t>
             </a:r>
+            <a:endParaRPr lang="zh-CN" altLang="en-US" smtClean="0"/>
           </a:p>
           <a:p>
             <a:pPr lvl="2"/>
@@ -7673,6 +7601,7 @@
               <a:rPr lang="zh-CN" altLang="en-US" smtClean="0"/>
               <a:t>第三级</a:t>
             </a:r>
+            <a:endParaRPr lang="zh-CN" altLang="en-US" smtClean="0"/>
           </a:p>
           <a:p>
             <a:pPr lvl="3"/>
@@ -7680,6 +7609,7 @@
               <a:rPr lang="zh-CN" altLang="en-US" smtClean="0"/>
               <a:t>第四级</a:t>
             </a:r>
+            <a:endParaRPr lang="zh-CN" altLang="en-US" smtClean="0"/>
           </a:p>
           <a:p>
             <a:pPr lvl="4"/>
@@ -8074,15 +8004,11 @@
               <a:rPr lang="zh-CN" altLang="en-US" dirty="0" smtClean="0"/>
               <a:t>单击此处编辑母版文本样式</a:t>
             </a:r>
+            <a:endParaRPr lang="zh-CN" altLang="en-US" dirty="0" smtClean="0"/>
           </a:p>
         </p:txBody>
       </p:sp>
     </p:spTree>
-    <p:extLst>
-      <p:ext uri="{BB962C8B-B14F-4D97-AF65-F5344CB8AC3E}">
-        <p14:creationId xmlns:p14="http://schemas.microsoft.com/office/powerpoint/2010/main" val="1220829015"/>
-      </p:ext>
-    </p:extLst>
   </p:cSld>
   <p:clrMapOvr>
     <a:masterClrMapping/>
@@ -8199,6 +8125,7 @@
               <a:rPr lang="zh-CN" altLang="en-US" smtClean="0"/>
               <a:t>单击此处编辑母版文本样式</a:t>
             </a:r>
+            <a:endParaRPr lang="zh-CN" altLang="en-US" smtClean="0"/>
           </a:p>
           <a:p>
             <a:pPr lvl="1"/>
@@ -8206,6 +8133,7 @@
               <a:rPr lang="zh-CN" altLang="en-US" smtClean="0"/>
               <a:t>第二级</a:t>
             </a:r>
+            <a:endParaRPr lang="zh-CN" altLang="en-US" smtClean="0"/>
           </a:p>
           <a:p>
             <a:pPr lvl="2"/>
@@ -8213,6 +8141,7 @@
               <a:rPr lang="zh-CN" altLang="en-US" smtClean="0"/>
               <a:t>第三级</a:t>
             </a:r>
+            <a:endParaRPr lang="zh-CN" altLang="en-US" smtClean="0"/>
           </a:p>
           <a:p>
             <a:pPr lvl="3"/>
@@ -8220,6 +8149,7 @@
               <a:rPr lang="zh-CN" altLang="en-US" smtClean="0"/>
               <a:t>第四级</a:t>
             </a:r>
+            <a:endParaRPr lang="zh-CN" altLang="en-US" smtClean="0"/>
           </a:p>
           <a:p>
             <a:pPr lvl="4"/>
@@ -8293,6 +8223,7 @@
               <a:rPr lang="zh-CN" altLang="en-US" smtClean="0"/>
               <a:t>单击此处编辑母版文本样式</a:t>
             </a:r>
+            <a:endParaRPr lang="zh-CN" altLang="en-US" smtClean="0"/>
           </a:p>
         </p:txBody>
       </p:sp>
@@ -8679,15 +8610,11 @@
               <a:rPr lang="zh-CN" altLang="en-US" dirty="0" smtClean="0"/>
               <a:t>单击此处编辑母版文本样式</a:t>
             </a:r>
+            <a:endParaRPr lang="zh-CN" altLang="en-US" dirty="0" smtClean="0"/>
           </a:p>
         </p:txBody>
       </p:sp>
     </p:spTree>
-    <p:extLst>
-      <p:ext uri="{BB962C8B-B14F-4D97-AF65-F5344CB8AC3E}">
-        <p14:creationId xmlns:p14="http://schemas.microsoft.com/office/powerpoint/2010/main" val="175546453"/>
-      </p:ext>
-    </p:extLst>
   </p:cSld>
   <p:clrMapOvr>
     <a:masterClrMapping/>
@@ -8794,6 +8721,7 @@
               <a:rPr lang="zh-CN" altLang="en-US" smtClean="0"/>
               <a:t>单击此处编辑母版文本样式</a:t>
             </a:r>
+            <a:endParaRPr lang="zh-CN" altLang="en-US" smtClean="0"/>
           </a:p>
           <a:p>
             <a:pPr lvl="1"/>
@@ -8801,6 +8729,7 @@
               <a:rPr lang="zh-CN" altLang="en-US" smtClean="0"/>
               <a:t>第二级</a:t>
             </a:r>
+            <a:endParaRPr lang="zh-CN" altLang="en-US" smtClean="0"/>
           </a:p>
           <a:p>
             <a:pPr lvl="2"/>
@@ -8808,6 +8737,7 @@
               <a:rPr lang="zh-CN" altLang="en-US" smtClean="0"/>
               <a:t>第三级</a:t>
             </a:r>
+            <a:endParaRPr lang="zh-CN" altLang="en-US" smtClean="0"/>
           </a:p>
           <a:p>
             <a:pPr lvl="3"/>
@@ -8815,6 +8745,7 @@
               <a:rPr lang="zh-CN" altLang="en-US" smtClean="0"/>
               <a:t>第四级</a:t>
             </a:r>
+            <a:endParaRPr lang="zh-CN" altLang="en-US" smtClean="0"/>
           </a:p>
           <a:p>
             <a:pPr lvl="4"/>
@@ -8867,8 +8798,6 @@
                   </a:prstClr>
                 </a:solidFill>
               </a:rPr>
-              <a:pPr/>
-              <a:t>2022/10/14</a:t>
             </a:fld>
             <a:endParaRPr lang="zh-CN" altLang="en-US">
               <a:solidFill>
@@ -8964,8 +8893,6 @@
                   </a:prstClr>
                 </a:solidFill>
               </a:rPr>
-              <a:pPr/>
-              <a:t>‹#›</a:t>
             </a:fld>
             <a:endParaRPr lang="zh-CN" altLang="en-US">
               <a:solidFill>
@@ -8978,15 +8905,10 @@
         </p:txBody>
       </p:sp>
     </p:spTree>
-    <p:extLst>
-      <p:ext uri="{BB962C8B-B14F-4D97-AF65-F5344CB8AC3E}">
-        <p14:creationId xmlns:p14="http://schemas.microsoft.com/office/powerpoint/2010/main" val="382341113"/>
-      </p:ext>
-    </p:extLst>
   </p:cSld>
   <p:clrMap bg1="lt1" tx1="dk1" bg2="lt2" tx2="dk2" accent1="accent1" accent2="accent2" accent3="accent3" accent4="accent4" accent5="accent5" accent6="accent6" hlink="hlink" folHlink="folHlink"/>
   <p:sldLayoutIdLst>
-    <p:sldLayoutId id="2147483745" r:id="rId1"/>
+    <p:sldLayoutId id="2147483649" r:id="rId1"/>
   </p:sldLayoutIdLst>
   <p:timing>
     <p:tnLst>
@@ -9377,6 +9299,7 @@
               <a:rPr lang="zh-CN" altLang="en-US" smtClean="0"/>
               <a:t>单击此处编辑母版文本样式</a:t>
             </a:r>
+            <a:endParaRPr lang="zh-CN" altLang="en-US" smtClean="0"/>
           </a:p>
           <a:p>
             <a:pPr lvl="1"/>
@@ -9384,6 +9307,7 @@
               <a:rPr lang="zh-CN" altLang="en-US" smtClean="0"/>
               <a:t>第二级</a:t>
             </a:r>
+            <a:endParaRPr lang="zh-CN" altLang="en-US" smtClean="0"/>
           </a:p>
           <a:p>
             <a:pPr lvl="2"/>
@@ -9391,6 +9315,7 @@
               <a:rPr lang="zh-CN" altLang="en-US" smtClean="0"/>
               <a:t>第三级</a:t>
             </a:r>
+            <a:endParaRPr lang="zh-CN" altLang="en-US" smtClean="0"/>
           </a:p>
           <a:p>
             <a:pPr lvl="3"/>
@@ -9398,6 +9323,7 @@
               <a:rPr lang="zh-CN" altLang="en-US" smtClean="0"/>
               <a:t>第四级</a:t>
             </a:r>
+            <a:endParaRPr lang="zh-CN" altLang="en-US" smtClean="0"/>
           </a:p>
           <a:p>
             <a:pPr lvl="4"/>
@@ -9444,7 +9370,6 @@
           <a:p>
             <a:fld id="{EB75792A-B8EE-4130-A892-9E17CBD66B49}" type="datetimeFigureOut">
               <a:rPr lang="zh-CN" altLang="en-US" smtClean="0"/>
-              <a:t>2022/10/14</a:t>
             </a:fld>
             <a:endParaRPr lang="zh-CN" altLang="en-US"/>
           </a:p>
@@ -9522,22 +9447,16 @@
           <a:p>
             <a:fld id="{FE23E628-1F21-4529-9077-4992BA5035AF}" type="slidenum">
               <a:rPr lang="zh-CN" altLang="en-US" smtClean="0"/>
-              <a:t>‹#›</a:t>
             </a:fld>
             <a:endParaRPr lang="zh-CN" altLang="en-US"/>
           </a:p>
         </p:txBody>
       </p:sp>
     </p:spTree>
-    <p:extLst>
-      <p:ext uri="{BB962C8B-B14F-4D97-AF65-F5344CB8AC3E}">
-        <p14:creationId xmlns:p14="http://schemas.microsoft.com/office/powerpoint/2010/main" val="2700401749"/>
-      </p:ext>
-    </p:extLst>
   </p:cSld>
   <p:clrMap bg1="lt1" tx1="dk1" bg2="lt2" tx2="dk2" accent1="accent1" accent2="accent2" accent3="accent3" accent4="accent4" accent5="accent5" accent6="accent6" hlink="hlink" folHlink="folHlink"/>
   <p:sldLayoutIdLst>
-    <p:sldLayoutId id="2147483760" r:id="rId1"/>
+    <p:sldLayoutId id="2147483651" r:id="rId1"/>
   </p:sldLayoutIdLst>
   <p:timing>
     <p:tnLst>
@@ -9928,6 +9847,7 @@
               <a:rPr lang="zh-CN" altLang="en-US" smtClean="0"/>
               <a:t>单击此处编辑母版文本样式</a:t>
             </a:r>
+            <a:endParaRPr lang="zh-CN" altLang="en-US" smtClean="0"/>
           </a:p>
           <a:p>
             <a:pPr lvl="1"/>
@@ -9935,6 +9855,7 @@
               <a:rPr lang="zh-CN" altLang="en-US" smtClean="0"/>
               <a:t>第二级</a:t>
             </a:r>
+            <a:endParaRPr lang="zh-CN" altLang="en-US" smtClean="0"/>
           </a:p>
           <a:p>
             <a:pPr lvl="2"/>
@@ -9942,6 +9863,7 @@
               <a:rPr lang="zh-CN" altLang="en-US" smtClean="0"/>
               <a:t>第三级</a:t>
             </a:r>
+            <a:endParaRPr lang="zh-CN" altLang="en-US" smtClean="0"/>
           </a:p>
           <a:p>
             <a:pPr lvl="3"/>
@@ -9949,6 +9871,7 @@
               <a:rPr lang="zh-CN" altLang="en-US" smtClean="0"/>
               <a:t>第四级</a:t>
             </a:r>
+            <a:endParaRPr lang="zh-CN" altLang="en-US" smtClean="0"/>
           </a:p>
           <a:p>
             <a:pPr lvl="4"/>
@@ -9995,7 +9918,6 @@
           <a:p>
             <a:fld id="{EB75792A-B8EE-4130-A892-9E17CBD66B49}" type="datetimeFigureOut">
               <a:rPr lang="zh-CN" altLang="en-US" smtClean="0"/>
-              <a:t>2022/10/14</a:t>
             </a:fld>
             <a:endParaRPr lang="zh-CN" altLang="en-US"/>
           </a:p>
@@ -10073,33 +9995,27 @@
           <a:p>
             <a:fld id="{FE23E628-1F21-4529-9077-4992BA5035AF}" type="slidenum">
               <a:rPr lang="zh-CN" altLang="en-US" smtClean="0"/>
-              <a:t>‹#›</a:t>
             </a:fld>
             <a:endParaRPr lang="zh-CN" altLang="en-US"/>
           </a:p>
         </p:txBody>
       </p:sp>
     </p:spTree>
-    <p:extLst>
-      <p:ext uri="{BB962C8B-B14F-4D97-AF65-F5344CB8AC3E}">
-        <p14:creationId xmlns:p14="http://schemas.microsoft.com/office/powerpoint/2010/main" val="1174983567"/>
-      </p:ext>
-    </p:extLst>
   </p:cSld>
   <p:clrMap bg1="lt1" tx1="dk1" bg2="lt2" tx2="dk2" accent1="accent1" accent2="accent2" accent3="accent3" accent4="accent4" accent5="accent5" accent6="accent6" hlink="hlink" folHlink="folHlink"/>
   <p:sldLayoutIdLst>
-    <p:sldLayoutId id="2147483719" r:id="rId1"/>
-    <p:sldLayoutId id="2147483713" r:id="rId2"/>
-    <p:sldLayoutId id="2147483712" r:id="rId3"/>
-    <p:sldLayoutId id="2147483709" r:id="rId4"/>
-    <p:sldLayoutId id="2147483710" r:id="rId5"/>
-    <p:sldLayoutId id="2147483711" r:id="rId6"/>
-    <p:sldLayoutId id="2147483714" r:id="rId7"/>
-    <p:sldLayoutId id="2147483715" r:id="rId8"/>
-    <p:sldLayoutId id="2147483716" r:id="rId9"/>
-    <p:sldLayoutId id="2147483717" r:id="rId10"/>
-    <p:sldLayoutId id="2147483718" r:id="rId11"/>
-    <p:sldLayoutId id="2147483761" r:id="rId12"/>
+    <p:sldLayoutId id="2147483653" r:id="rId1"/>
+    <p:sldLayoutId id="2147483654" r:id="rId2"/>
+    <p:sldLayoutId id="2147483655" r:id="rId3"/>
+    <p:sldLayoutId id="2147483656" r:id="rId4"/>
+    <p:sldLayoutId id="2147483657" r:id="rId5"/>
+    <p:sldLayoutId id="2147483658" r:id="rId6"/>
+    <p:sldLayoutId id="2147483659" r:id="rId7"/>
+    <p:sldLayoutId id="2147483660" r:id="rId8"/>
+    <p:sldLayoutId id="2147483661" r:id="rId9"/>
+    <p:sldLayoutId id="2147483662" r:id="rId10"/>
+    <p:sldLayoutId id="2147483663" r:id="rId11"/>
+    <p:sldLayoutId id="2147483664" r:id="rId12"/>
   </p:sldLayoutIdLst>
   <p:timing>
     <p:tnLst>
@@ -10546,7 +10462,7 @@
           <p:nvPr/>
         </p:nvPicPr>
         <p:blipFill>
-          <a:blip r:embed="rId3" cstate="print">
+          <a:blip r:embed="rId1" cstate="print">
             <a:extLst>
               <a:ext uri="{28A0092B-C50C-407E-A947-70E740481C1C}">
                 <a14:useLocalDpi xmlns:a14="http://schemas.microsoft.com/office/drawing/2010/main" val="0"/>
@@ -10582,7 +10498,7 @@
             <a:avLst/>
           </a:prstGeom>
           <a:blipFill dpi="0" rotWithShape="1">
-            <a:blip r:embed="rId4"/>
+            <a:blip r:embed="rId2"/>
             <a:srcRect/>
             <a:tile tx="0" ty="0" sx="100000" sy="100000" flip="none" algn="tl"/>
           </a:blipFill>
@@ -10637,7 +10553,7 @@
             <a:avLst/>
           </a:prstGeom>
           <a:blipFill dpi="0" rotWithShape="1">
-            <a:blip r:embed="rId5"/>
+            <a:blip r:embed="rId3"/>
             <a:srcRect/>
             <a:tile tx="2692400" ty="2393950" sx="100000" sy="100000" flip="none" algn="br"/>
           </a:blipFill>
@@ -11611,11 +11527,6 @@
         </p:sp>
       </p:grpSp>
     </p:spTree>
-    <p:extLst>
-      <p:ext uri="{BB962C8B-B14F-4D97-AF65-F5344CB8AC3E}">
-        <p14:creationId xmlns:p14="http://schemas.microsoft.com/office/powerpoint/2010/main" val="1079058626"/>
-      </p:ext>
-    </p:extLst>
   </p:cSld>
   <p:clrMapOvr>
     <a:masterClrMapping/>
@@ -11816,7 +11727,7 @@
           <p:nvPr/>
         </p:nvPicPr>
         <p:blipFill>
-          <a:blip r:embed="rId3"/>
+          <a:blip r:embed="rId1"/>
           <a:stretch>
             <a:fillRect/>
           </a:stretch>
@@ -12006,9 +11917,7 @@
       <p:sp>
         <p:nvSpPr>
           <p:cNvPr id="16" name="标题 9"/>
-          <p:cNvSpPr txBox="1">
-            <a:spLocks/>
-          </p:cNvSpPr>
+          <p:cNvSpPr txBox="1"/>
           <p:nvPr/>
         </p:nvSpPr>
         <p:spPr>
@@ -12068,9 +11977,7 @@
       <p:sp>
         <p:nvSpPr>
           <p:cNvPr id="19" name="标题 1"/>
-          <p:cNvSpPr txBox="1">
-            <a:spLocks/>
-          </p:cNvSpPr>
+          <p:cNvSpPr txBox="1"/>
           <p:nvPr/>
         </p:nvSpPr>
         <p:spPr>
@@ -12139,9 +12046,7 @@
       <p:sp>
         <p:nvSpPr>
           <p:cNvPr id="21" name="标题 1"/>
-          <p:cNvSpPr txBox="1">
-            <a:spLocks/>
-          </p:cNvSpPr>
+          <p:cNvSpPr txBox="1"/>
           <p:nvPr/>
         </p:nvSpPr>
         <p:spPr>
@@ -12210,9 +12115,7 @@
       <p:sp>
         <p:nvSpPr>
           <p:cNvPr id="22" name="标题 1"/>
-          <p:cNvSpPr txBox="1">
-            <a:spLocks/>
-          </p:cNvSpPr>
+          <p:cNvSpPr txBox="1"/>
           <p:nvPr/>
         </p:nvSpPr>
         <p:spPr>
@@ -12312,11 +12215,6 @@
         </p:style>
       </p:cxnSp>
     </p:spTree>
-    <p:extLst>
-      <p:ext uri="{BB962C8B-B14F-4D97-AF65-F5344CB8AC3E}">
-        <p14:creationId xmlns:p14="http://schemas.microsoft.com/office/powerpoint/2010/main" val="2641250292"/>
-      </p:ext>
-    </p:extLst>
   </p:cSld>
   <p:clrMapOvr>
     <a:masterClrMapping/>
@@ -12445,7 +12343,7 @@
           <p:nvPr/>
         </p:nvPicPr>
         <p:blipFill>
-          <a:blip r:embed="rId2" cstate="print">
+          <a:blip r:embed="rId1" cstate="print">
             <a:extLst>
               <a:ext uri="{28A0092B-C50C-407E-A947-70E740481C1C}">
                 <a14:useLocalDpi xmlns:a14="http://schemas.microsoft.com/office/drawing/2010/main" val="0"/>
@@ -12475,7 +12373,7 @@
           <p:nvPr/>
         </p:nvPicPr>
         <p:blipFill>
-          <a:blip r:embed="rId3" cstate="print">
+          <a:blip r:embed="rId2" cstate="print">
             <a:extLst>
               <a:ext uri="{28A0092B-C50C-407E-A947-70E740481C1C}">
                 <a14:useLocalDpi xmlns:a14="http://schemas.microsoft.com/office/drawing/2010/main" val="0"/>
@@ -12584,11 +12482,6 @@
         </p:txBody>
       </p:sp>
     </p:spTree>
-    <p:extLst>
-      <p:ext uri="{BB962C8B-B14F-4D97-AF65-F5344CB8AC3E}">
-        <p14:creationId xmlns:p14="http://schemas.microsoft.com/office/powerpoint/2010/main" val="1096398043"/>
-      </p:ext>
-    </p:extLst>
   </p:cSld>
   <p:clrMapOvr>
     <a:masterClrMapping/>
@@ -12733,13 +12626,7 @@
           <p:cNvGraphicFramePr>
             <a:graphicFrameLocks noGrp="1"/>
           </p:cNvGraphicFramePr>
-          <p:nvPr>
-            <p:extLst>
-              <p:ext uri="{D42A27DB-BD31-4B8C-83A1-F6EECF244321}">
-                <p14:modId xmlns:p14="http://schemas.microsoft.com/office/powerpoint/2010/main" val="3370668923"/>
-              </p:ext>
-            </p:extLst>
-          </p:nvPr>
+          <p:nvPr/>
         </p:nvGraphicFramePr>
         <p:xfrm>
           <a:off x="3225331" y="2410679"/>
@@ -12752,34 +12639,10 @@
                 <a:tableStyleId>{5C22544A-7EE6-4342-B048-85BDC9FD1C3A}</a:tableStyleId>
               </a:tblPr>
               <a:tblGrid>
-                <a:gridCol w="1813491">
-                  <a:extLst>
-                    <a:ext uri="{9D8B030D-6E8A-4147-A177-3AD203B41FA5}">
-                      <a16:colId xmlns:a16="http://schemas.microsoft.com/office/drawing/2014/main" val="2605883593"/>
-                    </a:ext>
-                  </a:extLst>
-                </a:gridCol>
-                <a:gridCol w="1315233">
-                  <a:extLst>
-                    <a:ext uri="{9D8B030D-6E8A-4147-A177-3AD203B41FA5}">
-                      <a16:colId xmlns:a16="http://schemas.microsoft.com/office/drawing/2014/main" val="847055851"/>
-                    </a:ext>
-                  </a:extLst>
-                </a:gridCol>
-                <a:gridCol w="1227551">
-                  <a:extLst>
-                    <a:ext uri="{9D8B030D-6E8A-4147-A177-3AD203B41FA5}">
-                      <a16:colId xmlns:a16="http://schemas.microsoft.com/office/drawing/2014/main" val="3826139779"/>
-                    </a:ext>
-                  </a:extLst>
-                </a:gridCol>
-                <a:gridCol w="1227550">
-                  <a:extLst>
-                    <a:ext uri="{9D8B030D-6E8A-4147-A177-3AD203B41FA5}">
-                      <a16:colId xmlns:a16="http://schemas.microsoft.com/office/drawing/2014/main" val="1664966160"/>
-                    </a:ext>
-                  </a:extLst>
-                </a:gridCol>
+                <a:gridCol w="1813491"/>
+                <a:gridCol w="1315233"/>
+                <a:gridCol w="1227551"/>
+                <a:gridCol w="1227550"/>
               </a:tblGrid>
               <a:tr h="602960">
                 <a:tc>
@@ -12838,11 +12701,6 @@
                   </a:txBody>
                   <a:tcPr/>
                 </a:tc>
-                <a:extLst>
-                  <a:ext uri="{0D108BD9-81ED-4DB2-BD59-A6C34878D82A}">
-                    <a16:rowId xmlns:a16="http://schemas.microsoft.com/office/drawing/2014/main" val="2779915508"/>
-                  </a:ext>
-                </a:extLst>
               </a:tr>
               <a:tr h="602960">
                 <a:tc>
@@ -12915,11 +12773,6 @@
                   </a:txBody>
                   <a:tcPr anchor="ctr"/>
                 </a:tc>
-                <a:extLst>
-                  <a:ext uri="{0D108BD9-81ED-4DB2-BD59-A6C34878D82A}">
-                    <a16:rowId xmlns:a16="http://schemas.microsoft.com/office/drawing/2014/main" val="962747696"/>
-                  </a:ext>
-                </a:extLst>
               </a:tr>
               <a:tr h="602960">
                 <a:tc>
@@ -12992,11 +12845,6 @@
                   </a:txBody>
                   <a:tcPr anchor="ctr"/>
                 </a:tc>
-                <a:extLst>
-                  <a:ext uri="{0D108BD9-81ED-4DB2-BD59-A6C34878D82A}">
-                    <a16:rowId xmlns:a16="http://schemas.microsoft.com/office/drawing/2014/main" val="1487388221"/>
-                  </a:ext>
-                </a:extLst>
               </a:tr>
               <a:tr h="602960">
                 <a:tc>
@@ -13069,22 +12917,12 @@
                   </a:txBody>
                   <a:tcPr anchor="ctr"/>
                 </a:tc>
-                <a:extLst>
-                  <a:ext uri="{0D108BD9-81ED-4DB2-BD59-A6C34878D82A}">
-                    <a16:rowId xmlns:a16="http://schemas.microsoft.com/office/drawing/2014/main" val="1990789736"/>
-                  </a:ext>
-                </a:extLst>
               </a:tr>
             </a:tbl>
           </a:graphicData>
         </a:graphic>
       </p:graphicFrame>
     </p:spTree>
-    <p:extLst>
-      <p:ext uri="{BB962C8B-B14F-4D97-AF65-F5344CB8AC3E}">
-        <p14:creationId xmlns:p14="http://schemas.microsoft.com/office/powerpoint/2010/main" val="2229311330"/>
-      </p:ext>
-    </p:extLst>
   </p:cSld>
   <p:clrMapOvr>
     <a:masterClrMapping/>
@@ -13266,7 +13104,7 @@
           <p:nvPr/>
         </p:nvPicPr>
         <p:blipFill>
-          <a:blip r:embed="rId3"/>
+          <a:blip r:embed="rId1"/>
           <a:stretch>
             <a:fillRect/>
           </a:stretch>
@@ -13456,9 +13294,7 @@
       <p:sp>
         <p:nvSpPr>
           <p:cNvPr id="16" name="标题 9"/>
-          <p:cNvSpPr txBox="1">
-            <a:spLocks/>
-          </p:cNvSpPr>
+          <p:cNvSpPr txBox="1"/>
           <p:nvPr/>
         </p:nvSpPr>
         <p:spPr>
@@ -13518,9 +13354,7 @@
       <p:sp>
         <p:nvSpPr>
           <p:cNvPr id="19" name="标题 1"/>
-          <p:cNvSpPr txBox="1">
-            <a:spLocks/>
-          </p:cNvSpPr>
+          <p:cNvSpPr txBox="1"/>
           <p:nvPr/>
         </p:nvSpPr>
         <p:spPr>
@@ -13589,9 +13423,7 @@
       <p:sp>
         <p:nvSpPr>
           <p:cNvPr id="21" name="标题 1"/>
-          <p:cNvSpPr txBox="1">
-            <a:spLocks/>
-          </p:cNvSpPr>
+          <p:cNvSpPr txBox="1"/>
           <p:nvPr/>
         </p:nvSpPr>
         <p:spPr>
@@ -13660,9 +13492,7 @@
       <p:sp>
         <p:nvSpPr>
           <p:cNvPr id="22" name="标题 1"/>
-          <p:cNvSpPr txBox="1">
-            <a:spLocks/>
-          </p:cNvSpPr>
+          <p:cNvSpPr txBox="1"/>
           <p:nvPr/>
         </p:nvSpPr>
         <p:spPr>
@@ -13762,11 +13592,6 @@
         </p:style>
       </p:cxnSp>
     </p:spTree>
-    <p:extLst>
-      <p:ext uri="{BB962C8B-B14F-4D97-AF65-F5344CB8AC3E}">
-        <p14:creationId xmlns:p14="http://schemas.microsoft.com/office/powerpoint/2010/main" val="825467956"/>
-      </p:ext>
-    </p:extLst>
   </p:cSld>
   <p:clrMapOvr>
     <a:masterClrMapping/>
@@ -13948,7 +13773,7 @@
           <p:nvPr/>
         </p:nvPicPr>
         <p:blipFill>
-          <a:blip r:embed="rId3"/>
+          <a:blip r:embed="rId1"/>
           <a:stretch>
             <a:fillRect/>
           </a:stretch>
@@ -14138,9 +13963,7 @@
       <p:sp>
         <p:nvSpPr>
           <p:cNvPr id="16" name="标题 9"/>
-          <p:cNvSpPr txBox="1">
-            <a:spLocks/>
-          </p:cNvSpPr>
+          <p:cNvSpPr txBox="1"/>
           <p:nvPr/>
         </p:nvSpPr>
         <p:spPr>
@@ -14200,9 +14023,7 @@
       <p:sp>
         <p:nvSpPr>
           <p:cNvPr id="19" name="标题 1"/>
-          <p:cNvSpPr txBox="1">
-            <a:spLocks/>
-          </p:cNvSpPr>
+          <p:cNvSpPr txBox="1"/>
           <p:nvPr/>
         </p:nvSpPr>
         <p:spPr>
@@ -14291,9 +14112,7 @@
       <p:sp>
         <p:nvSpPr>
           <p:cNvPr id="21" name="标题 1"/>
-          <p:cNvSpPr txBox="1">
-            <a:spLocks/>
-          </p:cNvSpPr>
+          <p:cNvSpPr txBox="1"/>
           <p:nvPr/>
         </p:nvSpPr>
         <p:spPr>
@@ -14372,9 +14191,7 @@
       <p:sp>
         <p:nvSpPr>
           <p:cNvPr id="22" name="标题 1"/>
-          <p:cNvSpPr txBox="1">
-            <a:spLocks/>
-          </p:cNvSpPr>
+          <p:cNvSpPr txBox="1"/>
           <p:nvPr/>
         </p:nvSpPr>
         <p:spPr>
@@ -14484,11 +14301,6 @@
         </p:style>
       </p:cxnSp>
     </p:spTree>
-    <p:extLst>
-      <p:ext uri="{BB962C8B-B14F-4D97-AF65-F5344CB8AC3E}">
-        <p14:creationId xmlns:p14="http://schemas.microsoft.com/office/powerpoint/2010/main" val="215639286"/>
-      </p:ext>
-    </p:extLst>
   </p:cSld>
   <p:clrMapOvr>
     <a:masterClrMapping/>
@@ -14547,9 +14359,120 @@
           </a:p>
         </p:txBody>
       </p:sp>
+      <p:pic>
+        <p:nvPicPr>
+          <p:cNvPr id="7" name="图片 6" descr="长按卡片流程"/>
+          <p:cNvPicPr>
+            <a:picLocks noChangeAspect="1"/>
+          </p:cNvPicPr>
+          <p:nvPr/>
+        </p:nvPicPr>
+        <p:blipFill>
+          <a:blip r:embed="rId1"/>
+          <a:stretch>
+            <a:fillRect/>
+          </a:stretch>
+        </p:blipFill>
+        <p:spPr>
+          <a:xfrm>
+            <a:off x="3493770" y="1329055"/>
+            <a:ext cx="7947025" cy="4982845"/>
+          </a:xfrm>
+          <a:prstGeom prst="rect">
+            <a:avLst/>
+          </a:prstGeom>
+        </p:spPr>
+      </p:pic>
       <p:sp>
         <p:nvSpPr>
-          <p:cNvPr id="4" name="椭圆 3"/>
+          <p:cNvPr id="13" name="圆角矩形 12"/>
+          <p:cNvSpPr/>
+          <p:nvPr/>
+        </p:nvSpPr>
+        <p:spPr>
+          <a:xfrm>
+            <a:off x="1046480" y="2724785"/>
+            <a:ext cx="2447290" cy="2259330"/>
+          </a:xfrm>
+          <a:prstGeom prst="roundRect">
+            <a:avLst/>
+          </a:prstGeom>
+        </p:spPr>
+        <p:style>
+          <a:lnRef idx="2">
+            <a:schemeClr val="accent6"/>
+          </a:lnRef>
+          <a:fillRef idx="1">
+            <a:schemeClr val="lt1"/>
+          </a:fillRef>
+          <a:effectRef idx="0">
+            <a:schemeClr val="accent6"/>
+          </a:effectRef>
+          <a:fontRef idx="minor">
+            <a:schemeClr val="dk1"/>
+          </a:fontRef>
+        </p:style>
+        <p:txBody>
+          <a:bodyPr rtlCol="0" anchor="ctr"/>
+          <a:p>
+            <a:pPr algn="ctr"/>
+            <a:endParaRPr lang="zh-CN" altLang="en-US"/>
+          </a:p>
+        </p:txBody>
+      </p:sp>
+      <p:sp>
+        <p:nvSpPr>
+          <p:cNvPr id="14" name="文本框 13"/>
+          <p:cNvSpPr txBox="1"/>
+          <p:nvPr/>
+        </p:nvSpPr>
+        <p:spPr>
+          <a:xfrm>
+            <a:off x="1134745" y="2769870"/>
+            <a:ext cx="2272030" cy="2168525"/>
+          </a:xfrm>
+          <a:prstGeom prst="rect">
+            <a:avLst/>
+          </a:prstGeom>
+          <a:noFill/>
+        </p:spPr>
+        <p:txBody>
+          <a:bodyPr wrap="square" rtlCol="0">
+            <a:spAutoFit/>
+          </a:bodyPr>
+          <a:p>
+            <a:pPr algn="just">
+              <a:lnSpc>
+                <a:spcPct val="150000"/>
+              </a:lnSpc>
+            </a:pPr>
+            <a:r>
+              <a:rPr lang="en-US" altLang="zh-CN"/>
+              <a:t>MenuView</a:t>
+            </a:r>
+            <a:r>
+              <a:rPr lang="zh-CN" altLang="en-US"/>
+              <a:t>是封装好的一个控件，之后会对</a:t>
+            </a:r>
+            <a:r>
+              <a:rPr lang="en-US" altLang="zh-CN"/>
+              <a:t>MenuView</a:t>
+            </a:r>
+            <a:r>
+              <a:rPr lang="zh-CN" altLang="en-US"/>
+              <a:t>这个控件提供的外部接口进行</a:t>
+            </a:r>
+            <a:r>
+              <a:rPr lang="zh-CN" altLang="en-US"/>
+              <a:t>说明</a:t>
+            </a:r>
+            <a:endParaRPr lang="zh-CN" altLang="en-US"/>
+          </a:p>
+        </p:txBody>
+      </p:sp>
+      <p:sp>
+        <p:nvSpPr>
+          <p:cNvPr id="15" name="椭圆 14"/>
           <p:cNvSpPr/>
           <p:nvPr/>
         </p:nvSpPr>
@@ -14580,7 +14503,6 @@
         </p:style>
         <p:txBody>
           <a:bodyPr rtlCol="0" anchor="ctr"/>
-          <a:lstStyle/>
           <a:p>
             <a:pPr algn="ctr"/>
             <a:endParaRPr lang="zh-CN" altLang="en-US"/>
@@ -14589,7 +14511,7 @@
       </p:sp>
       <p:sp>
         <p:nvSpPr>
-          <p:cNvPr id="5" name="文本框 4"/>
+          <p:cNvPr id="16" name="文本框 15"/>
           <p:cNvSpPr txBox="1"/>
           <p:nvPr/>
         </p:nvSpPr>
@@ -14607,7 +14529,6 @@
           <a:bodyPr wrap="none" rtlCol="0">
             <a:spAutoFit/>
           </a:bodyPr>
-          <a:lstStyle/>
           <a:p>
             <a:r>
               <a:rPr lang="en-US" altLang="zh-CN" sz="2400" dirty="0" smtClean="0">
@@ -14630,235 +14551,7 @@
           </a:p>
         </p:txBody>
       </p:sp>
-      <p:sp>
-        <p:nvSpPr>
-          <p:cNvPr id="6" name="圆角矩形 5"/>
-          <p:cNvSpPr/>
-          <p:nvPr/>
-        </p:nvSpPr>
-        <p:spPr>
-          <a:xfrm>
-            <a:off x="2731719" y="3006247"/>
-            <a:ext cx="1678487" cy="914400"/>
-          </a:xfrm>
-          <a:prstGeom prst="roundRect">
-            <a:avLst/>
-          </a:prstGeom>
-        </p:spPr>
-        <p:style>
-          <a:lnRef idx="2">
-            <a:schemeClr val="accent1">
-              <a:shade val="50000"/>
-            </a:schemeClr>
-          </a:lnRef>
-          <a:fillRef idx="1">
-            <a:schemeClr val="accent1"/>
-          </a:fillRef>
-          <a:effectRef idx="0">
-            <a:schemeClr val="accent1"/>
-          </a:effectRef>
-          <a:fontRef idx="minor">
-            <a:schemeClr val="lt1"/>
-          </a:fontRef>
-        </p:style>
-        <p:txBody>
-          <a:bodyPr rtlCol="0" anchor="ctr"/>
-          <a:lstStyle/>
-          <a:p>
-            <a:pPr algn="ctr"/>
-            <a:r>
-              <a:rPr lang="zh-CN" altLang="en-US" dirty="0" smtClean="0"/>
-              <a:t>相册</a:t>
-            </a:r>
-            <a:endParaRPr lang="zh-CN" altLang="en-US" dirty="0"/>
-          </a:p>
-        </p:txBody>
-      </p:sp>
-      <p:sp>
-        <p:nvSpPr>
-          <p:cNvPr id="8" name="圆角矩形 7"/>
-          <p:cNvSpPr/>
-          <p:nvPr/>
-        </p:nvSpPr>
-        <p:spPr>
-          <a:xfrm>
-            <a:off x="5152373" y="3006247"/>
-            <a:ext cx="1874728" cy="914400"/>
-          </a:xfrm>
-          <a:prstGeom prst="roundRect">
-            <a:avLst/>
-          </a:prstGeom>
-        </p:spPr>
-        <p:style>
-          <a:lnRef idx="2">
-            <a:schemeClr val="accent1">
-              <a:shade val="50000"/>
-            </a:schemeClr>
-          </a:lnRef>
-          <a:fillRef idx="1">
-            <a:schemeClr val="accent1"/>
-          </a:fillRef>
-          <a:effectRef idx="0">
-            <a:schemeClr val="accent1"/>
-          </a:effectRef>
-          <a:fontRef idx="minor">
-            <a:schemeClr val="lt1"/>
-          </a:fontRef>
-        </p:style>
-        <p:txBody>
-          <a:bodyPr rtlCol="0" anchor="ctr"/>
-          <a:lstStyle/>
-          <a:p>
-            <a:pPr algn="ctr"/>
-            <a:r>
-              <a:rPr lang="zh-CN" altLang="en-US" dirty="0" smtClean="0"/>
-              <a:t>高斯模糊背景以及大卡片，和功能键出现</a:t>
-            </a:r>
-            <a:endParaRPr lang="zh-CN" altLang="en-US" dirty="0"/>
-          </a:p>
-        </p:txBody>
-      </p:sp>
-      <p:sp>
-        <p:nvSpPr>
-          <p:cNvPr id="9" name="圆角矩形 8"/>
-          <p:cNvSpPr/>
-          <p:nvPr/>
-        </p:nvSpPr>
-        <p:spPr>
-          <a:xfrm>
-            <a:off x="631254" y="3006247"/>
-            <a:ext cx="1678487" cy="914400"/>
-          </a:xfrm>
-          <a:prstGeom prst="roundRect">
-            <a:avLst/>
-          </a:prstGeom>
-        </p:spPr>
-        <p:style>
-          <a:lnRef idx="2">
-            <a:schemeClr val="accent1">
-              <a:shade val="50000"/>
-            </a:schemeClr>
-          </a:lnRef>
-          <a:fillRef idx="1">
-            <a:schemeClr val="accent1"/>
-          </a:fillRef>
-          <a:effectRef idx="0">
-            <a:schemeClr val="accent1"/>
-          </a:effectRef>
-          <a:fontRef idx="minor">
-            <a:schemeClr val="lt1"/>
-          </a:fontRef>
-        </p:style>
-        <p:txBody>
-          <a:bodyPr rtlCol="0" anchor="ctr"/>
-          <a:lstStyle/>
-          <a:p>
-            <a:pPr algn="ctr"/>
-            <a:r>
-              <a:rPr lang="zh-CN" altLang="en-US" dirty="0"/>
-              <a:t>外界</a:t>
-            </a:r>
-          </a:p>
-        </p:txBody>
-      </p:sp>
-      <p:sp>
-        <p:nvSpPr>
-          <p:cNvPr id="10" name="圆角矩形 9"/>
-          <p:cNvSpPr/>
-          <p:nvPr/>
-        </p:nvSpPr>
-        <p:spPr>
-          <a:xfrm>
-            <a:off x="5250493" y="1405003"/>
-            <a:ext cx="1678487" cy="914400"/>
-          </a:xfrm>
-          <a:prstGeom prst="roundRect">
-            <a:avLst/>
-          </a:prstGeom>
-        </p:spPr>
-        <p:style>
-          <a:lnRef idx="2">
-            <a:schemeClr val="accent1">
-              <a:shade val="50000"/>
-            </a:schemeClr>
-          </a:lnRef>
-          <a:fillRef idx="1">
-            <a:schemeClr val="accent1"/>
-          </a:fillRef>
-          <a:effectRef idx="0">
-            <a:schemeClr val="accent1"/>
-          </a:effectRef>
-          <a:fontRef idx="minor">
-            <a:schemeClr val="lt1"/>
-          </a:fontRef>
-        </p:style>
-        <p:txBody>
-          <a:bodyPr rtlCol="0" anchor="ctr"/>
-          <a:lstStyle/>
-          <a:p>
-            <a:pPr algn="ctr"/>
-            <a:r>
-              <a:rPr lang="zh-CN" altLang="en-US" dirty="0" smtClean="0"/>
-              <a:t>封装成了一个</a:t>
-            </a:r>
-            <a:r>
-              <a:rPr lang="en-US" altLang="zh-CN" dirty="0" smtClean="0"/>
-              <a:t>View</a:t>
-            </a:r>
-            <a:endParaRPr lang="zh-CN" altLang="en-US" dirty="0"/>
-          </a:p>
-        </p:txBody>
-      </p:sp>
-      <p:sp>
-        <p:nvSpPr>
-          <p:cNvPr id="11" name="圆角矩形 10"/>
-          <p:cNvSpPr/>
-          <p:nvPr/>
-        </p:nvSpPr>
-        <p:spPr>
-          <a:xfrm>
-            <a:off x="7593905" y="1398740"/>
-            <a:ext cx="1678487" cy="914400"/>
-          </a:xfrm>
-          <a:prstGeom prst="roundRect">
-            <a:avLst/>
-          </a:prstGeom>
-        </p:spPr>
-        <p:style>
-          <a:lnRef idx="2">
-            <a:schemeClr val="accent1">
-              <a:shade val="50000"/>
-            </a:schemeClr>
-          </a:lnRef>
-          <a:fillRef idx="1">
-            <a:schemeClr val="accent1"/>
-          </a:fillRef>
-          <a:effectRef idx="0">
-            <a:schemeClr val="accent1"/>
-          </a:effectRef>
-          <a:fontRef idx="minor">
-            <a:schemeClr val="lt1"/>
-          </a:fontRef>
-        </p:style>
-        <p:txBody>
-          <a:bodyPr rtlCol="0" anchor="ctr"/>
-          <a:lstStyle/>
-          <a:p>
-            <a:pPr algn="ctr"/>
-            <a:r>
-              <a:rPr lang="zh-CN" altLang="en-US" dirty="0" smtClean="0"/>
-              <a:t>提供四个接口</a:t>
-            </a:r>
-            <a:endParaRPr lang="zh-CN" altLang="en-US" dirty="0"/>
-          </a:p>
-        </p:txBody>
-      </p:sp>
     </p:spTree>
-    <p:extLst>
-      <p:ext uri="{BB962C8B-B14F-4D97-AF65-F5344CB8AC3E}">
-        <p14:creationId xmlns:p14="http://schemas.microsoft.com/office/powerpoint/2010/main" val="1833318981"/>
-      </p:ext>
-    </p:extLst>
   </p:cSld>
   <p:clrMapOvr>
     <a:masterClrMapping/>
@@ -15001,8 +14694,148 @@
         </p:nvSpPr>
         <p:spPr>
           <a:xfrm>
-            <a:off x="1139868" y="2968668"/>
+            <a:off x="8305843" y="782998"/>
             <a:ext cx="1961178" cy="1477328"/>
+          </a:xfrm>
+          <a:prstGeom prst="rect">
+            <a:avLst/>
+          </a:prstGeom>
+        </p:spPr>
+        <p:style>
+          <a:lnRef idx="2">
+            <a:schemeClr val="accent1"/>
+          </a:lnRef>
+          <a:fillRef idx="1">
+            <a:schemeClr val="lt1"/>
+          </a:fillRef>
+          <a:effectRef idx="0">
+            <a:schemeClr val="accent1"/>
+          </a:effectRef>
+          <a:fontRef idx="minor">
+            <a:schemeClr val="dk1"/>
+          </a:fontRef>
+        </p:style>
+        <p:txBody>
+          <a:bodyPr wrap="none" rtlCol="0">
+            <a:spAutoFit/>
+          </a:bodyPr>
+          <a:lstStyle/>
+          <a:p>
+            <a:r>
+              <a:rPr lang="zh-CN" altLang="en-US" dirty="0" smtClean="0"/>
+              <a:t>接口介绍</a:t>
+            </a:r>
+            <a:endParaRPr lang="en-US" altLang="zh-CN" dirty="0" smtClean="0"/>
+          </a:p>
+          <a:p>
+            <a:r>
+              <a:rPr lang="en-US" altLang="zh-CN" dirty="0" err="1" smtClean="0"/>
+              <a:t>Init</a:t>
+            </a:r>
+            <a:r>
+              <a:rPr lang="en-US" altLang="zh-CN" dirty="0" smtClean="0"/>
+              <a:t>()</a:t>
+            </a:r>
+            <a:r>
+              <a:rPr lang="zh-CN" altLang="en-US" dirty="0" smtClean="0"/>
+              <a:t>接口</a:t>
+            </a:r>
+            <a:endParaRPr lang="en-US" altLang="zh-CN" dirty="0" smtClean="0"/>
+          </a:p>
+          <a:p>
+            <a:r>
+              <a:rPr lang="en-US" altLang="zh-CN" dirty="0" err="1" smtClean="0"/>
+              <a:t>addStruct</a:t>
+            </a:r>
+            <a:r>
+              <a:rPr lang="en-US" altLang="zh-CN" dirty="0" smtClean="0"/>
+              <a:t>()</a:t>
+            </a:r>
+            <a:r>
+              <a:rPr lang="zh-CN" altLang="en-US" dirty="0" smtClean="0"/>
+              <a:t>接口</a:t>
+            </a:r>
+            <a:endParaRPr lang="en-US" altLang="zh-CN" dirty="0" smtClean="0"/>
+          </a:p>
+          <a:p>
+            <a:r>
+              <a:rPr lang="en-US" altLang="zh-CN" dirty="0" err="1" smtClean="0"/>
+              <a:t>addStructs</a:t>
+            </a:r>
+            <a:r>
+              <a:rPr lang="en-US" altLang="zh-CN" dirty="0" smtClean="0"/>
+              <a:t>()</a:t>
+            </a:r>
+            <a:r>
+              <a:rPr lang="zh-CN" altLang="en-US" dirty="0" smtClean="0"/>
+              <a:t>接口</a:t>
+            </a:r>
+            <a:endParaRPr lang="en-US" altLang="zh-CN" dirty="0" smtClean="0"/>
+          </a:p>
+          <a:p>
+            <a:r>
+              <a:rPr lang="en-US" altLang="zh-CN" dirty="0" err="1" smtClean="0"/>
+              <a:t>setupStructs</a:t>
+            </a:r>
+            <a:r>
+              <a:rPr lang="en-US" altLang="zh-CN" dirty="0" smtClean="0"/>
+              <a:t>()</a:t>
+            </a:r>
+            <a:r>
+              <a:rPr lang="zh-CN" altLang="en-US" dirty="0" smtClean="0"/>
+              <a:t>接口</a:t>
+            </a:r>
+            <a:endParaRPr lang="zh-CN" altLang="en-US" dirty="0"/>
+          </a:p>
+        </p:txBody>
+      </p:sp>
+      <p:sp>
+        <p:nvSpPr>
+          <p:cNvPr id="6" name="圆角矩形 5"/>
+          <p:cNvSpPr/>
+          <p:nvPr/>
+        </p:nvSpPr>
+        <p:spPr>
+          <a:xfrm>
+            <a:off x="6000750" y="966470"/>
+            <a:ext cx="2091055" cy="1109980"/>
+          </a:xfrm>
+          <a:prstGeom prst="roundRect">
+            <a:avLst/>
+          </a:prstGeom>
+        </p:spPr>
+        <p:style>
+          <a:lnRef idx="2">
+            <a:schemeClr val="accent6"/>
+          </a:lnRef>
+          <a:fillRef idx="1">
+            <a:schemeClr val="lt1"/>
+          </a:fillRef>
+          <a:effectRef idx="0">
+            <a:schemeClr val="accent6"/>
+          </a:effectRef>
+          <a:fontRef idx="minor">
+            <a:schemeClr val="dk1"/>
+          </a:fontRef>
+        </p:style>
+        <p:txBody>
+          <a:bodyPr rtlCol="0" anchor="ctr"/>
+          <a:p>
+            <a:pPr algn="ctr"/>
+            <a:endParaRPr lang="zh-CN" altLang="en-US"/>
+          </a:p>
+        </p:txBody>
+      </p:sp>
+      <p:sp>
+        <p:nvSpPr>
+          <p:cNvPr id="7" name="文本框 6"/>
+          <p:cNvSpPr txBox="1"/>
+          <p:nvPr/>
+        </p:nvSpPr>
+        <p:spPr>
+          <a:xfrm>
+            <a:off x="6140450" y="1198880"/>
+            <a:ext cx="1859280" cy="645160"/>
           </a:xfrm>
           <a:prstGeom prst="rect">
             <a:avLst/>
@@ -15010,85 +14843,316 @@
           <a:noFill/>
         </p:spPr>
         <p:txBody>
-          <a:bodyPr wrap="none" rtlCol="0">
+          <a:bodyPr wrap="square" rtlCol="0">
             <a:spAutoFit/>
           </a:bodyPr>
-          <a:lstStyle/>
-          <a:p>
-            <a:r>
-              <a:rPr lang="zh-CN" altLang="en-US" dirty="0" smtClean="0"/>
-              <a:t>接口介绍</a:t>
-            </a:r>
-            <a:endParaRPr lang="en-US" altLang="zh-CN" dirty="0" smtClean="0"/>
-          </a:p>
-          <a:p>
-            <a:r>
-              <a:rPr lang="en-US" altLang="zh-CN" dirty="0" err="1" smtClean="0"/>
-              <a:t>Init</a:t>
-            </a:r>
-            <a:r>
-              <a:rPr lang="en-US" altLang="zh-CN" dirty="0" smtClean="0"/>
-              <a:t>()</a:t>
-            </a:r>
-            <a:r>
-              <a:rPr lang="zh-CN" altLang="en-US" dirty="0" smtClean="0"/>
+          <a:p>
+            <a:pPr algn="ctr"/>
+            <a:r>
+              <a:rPr lang="en-US" altLang="zh-CN"/>
+              <a:t>MenuView</a:t>
+            </a:r>
+            <a:endParaRPr lang="en-US" altLang="zh-CN"/>
+          </a:p>
+          <a:p>
+            <a:pPr algn="ctr"/>
+            <a:r>
+              <a:rPr lang="zh-CN" altLang="en-US"/>
               <a:t>接口</a:t>
             </a:r>
-            <a:endParaRPr lang="en-US" altLang="zh-CN" dirty="0" smtClean="0"/>
-          </a:p>
-          <a:p>
-            <a:r>
-              <a:rPr lang="en-US" altLang="zh-CN" dirty="0" err="1" smtClean="0"/>
-              <a:t>addStruct</a:t>
-            </a:r>
-            <a:r>
-              <a:rPr lang="en-US" altLang="zh-CN" dirty="0" smtClean="0"/>
-              <a:t>()</a:t>
-            </a:r>
-            <a:r>
-              <a:rPr lang="zh-CN" altLang="en-US" dirty="0" smtClean="0"/>
+            <a:r>
+              <a:rPr lang="zh-CN" altLang="en-US"/>
+              <a:t>介绍</a:t>
+            </a:r>
+            <a:endParaRPr lang="zh-CN" altLang="en-US"/>
+          </a:p>
+        </p:txBody>
+      </p:sp>
+      <p:sp>
+        <p:nvSpPr>
+          <p:cNvPr id="8" name="圆角矩形 7"/>
+          <p:cNvSpPr/>
+          <p:nvPr/>
+        </p:nvSpPr>
+        <p:spPr>
+          <a:xfrm>
+            <a:off x="1169670" y="3041650"/>
+            <a:ext cx="2261870" cy="2366645"/>
+          </a:xfrm>
+          <a:prstGeom prst="roundRect">
+            <a:avLst/>
+          </a:prstGeom>
+        </p:spPr>
+        <p:style>
+          <a:lnRef idx="2">
+            <a:schemeClr val="accent1"/>
+          </a:lnRef>
+          <a:fillRef idx="1">
+            <a:schemeClr val="lt1"/>
+          </a:fillRef>
+          <a:effectRef idx="0">
+            <a:schemeClr val="accent1"/>
+          </a:effectRef>
+          <a:fontRef idx="minor">
+            <a:schemeClr val="dk1"/>
+          </a:fontRef>
+        </p:style>
+        <p:txBody>
+          <a:bodyPr rtlCol="0" anchor="ctr"/>
+          <a:p>
+            <a:pPr algn="ctr"/>
+            <a:endParaRPr lang="zh-CN" altLang="en-US"/>
+          </a:p>
+        </p:txBody>
+      </p:sp>
+      <p:sp>
+        <p:nvSpPr>
+          <p:cNvPr id="9" name="文本框 8"/>
+          <p:cNvSpPr txBox="1"/>
+          <p:nvPr/>
+        </p:nvSpPr>
+        <p:spPr>
+          <a:xfrm>
+            <a:off x="1477010" y="3359150"/>
+            <a:ext cx="1651635" cy="368300"/>
+          </a:xfrm>
+          <a:prstGeom prst="rect">
+            <a:avLst/>
+          </a:prstGeom>
+          <a:noFill/>
+        </p:spPr>
+        <p:txBody>
+          <a:bodyPr wrap="square" rtlCol="0">
+            <a:spAutoFit/>
+          </a:bodyPr>
+          <a:p>
+            <a:r>
+              <a:rPr lang="zh-CN" altLang="en-US"/>
+              <a:t>初始化</a:t>
+            </a:r>
+            <a:r>
+              <a:rPr lang="zh-CN" altLang="en-US"/>
               <a:t>接口</a:t>
             </a:r>
-            <a:endParaRPr lang="en-US" altLang="zh-CN" dirty="0" smtClean="0"/>
-          </a:p>
-          <a:p>
-            <a:r>
-              <a:rPr lang="en-US" altLang="zh-CN" dirty="0" err="1" smtClean="0"/>
-              <a:t>addStructs</a:t>
-            </a:r>
-            <a:r>
-              <a:rPr lang="en-US" altLang="zh-CN" dirty="0" smtClean="0"/>
-              <a:t>()</a:t>
-            </a:r>
-            <a:r>
-              <a:rPr lang="zh-CN" altLang="en-US" dirty="0" smtClean="0"/>
+            <a:endParaRPr lang="zh-CN" altLang="en-US"/>
+          </a:p>
+        </p:txBody>
+      </p:sp>
+      <p:sp>
+        <p:nvSpPr>
+          <p:cNvPr id="16" name="圆角矩形 15"/>
+          <p:cNvSpPr/>
+          <p:nvPr/>
+        </p:nvSpPr>
+        <p:spPr>
+          <a:xfrm>
+            <a:off x="3878580" y="3041650"/>
+            <a:ext cx="2261870" cy="2366645"/>
+          </a:xfrm>
+          <a:prstGeom prst="roundRect">
+            <a:avLst/>
+          </a:prstGeom>
+        </p:spPr>
+        <p:style>
+          <a:lnRef idx="2">
+            <a:schemeClr val="accent1"/>
+          </a:lnRef>
+          <a:fillRef idx="1">
+            <a:schemeClr val="lt1"/>
+          </a:fillRef>
+          <a:effectRef idx="0">
+            <a:schemeClr val="accent1"/>
+          </a:effectRef>
+          <a:fontRef idx="minor">
+            <a:schemeClr val="dk1"/>
+          </a:fontRef>
+        </p:style>
+        <p:txBody>
+          <a:bodyPr rtlCol="0" anchor="ctr"/>
+          <a:p>
+            <a:pPr algn="ctr"/>
+            <a:endParaRPr lang="zh-CN" altLang="en-US"/>
+          </a:p>
+        </p:txBody>
+      </p:sp>
+      <p:sp>
+        <p:nvSpPr>
+          <p:cNvPr id="17" name="文本框 16"/>
+          <p:cNvSpPr txBox="1"/>
+          <p:nvPr/>
+        </p:nvSpPr>
+        <p:spPr>
+          <a:xfrm>
+            <a:off x="4185920" y="3359150"/>
+            <a:ext cx="1651000" cy="645160"/>
+          </a:xfrm>
+          <a:prstGeom prst="rect">
+            <a:avLst/>
+          </a:prstGeom>
+          <a:noFill/>
+        </p:spPr>
+        <p:txBody>
+          <a:bodyPr wrap="square" rtlCol="0">
+            <a:spAutoFit/>
+          </a:bodyPr>
+          <a:p>
+            <a:r>
+              <a:rPr lang="zh-CN" altLang="en-US"/>
+              <a:t>添加</a:t>
+            </a:r>
+            <a:r>
+              <a:rPr lang="zh-CN" altLang="en-US"/>
+              <a:t>单个功能</a:t>
+            </a:r>
+            <a:r>
+              <a:rPr lang="zh-CN" altLang="en-US"/>
               <a:t>接口</a:t>
             </a:r>
-            <a:endParaRPr lang="en-US" altLang="zh-CN" dirty="0" smtClean="0"/>
-          </a:p>
-          <a:p>
-            <a:r>
-              <a:rPr lang="en-US" altLang="zh-CN" dirty="0" err="1" smtClean="0"/>
-              <a:t>setupStructs</a:t>
-            </a:r>
-            <a:r>
-              <a:rPr lang="en-US" altLang="zh-CN" dirty="0" smtClean="0"/>
-              <a:t>()</a:t>
-            </a:r>
-            <a:r>
-              <a:rPr lang="zh-CN" altLang="en-US" dirty="0" smtClean="0"/>
+            <a:endParaRPr lang="zh-CN" altLang="en-US"/>
+          </a:p>
+        </p:txBody>
+      </p:sp>
+      <p:sp>
+        <p:nvSpPr>
+          <p:cNvPr id="18" name="圆角矩形 17"/>
+          <p:cNvSpPr/>
+          <p:nvPr/>
+        </p:nvSpPr>
+        <p:spPr>
+          <a:xfrm>
+            <a:off x="6538595" y="3041650"/>
+            <a:ext cx="2261870" cy="2366645"/>
+          </a:xfrm>
+          <a:prstGeom prst="roundRect">
+            <a:avLst/>
+          </a:prstGeom>
+        </p:spPr>
+        <p:style>
+          <a:lnRef idx="2">
+            <a:schemeClr val="accent1"/>
+          </a:lnRef>
+          <a:fillRef idx="1">
+            <a:schemeClr val="lt1"/>
+          </a:fillRef>
+          <a:effectRef idx="0">
+            <a:schemeClr val="accent1"/>
+          </a:effectRef>
+          <a:fontRef idx="minor">
+            <a:schemeClr val="dk1"/>
+          </a:fontRef>
+        </p:style>
+        <p:txBody>
+          <a:bodyPr rtlCol="0" anchor="ctr"/>
+          <a:p>
+            <a:pPr algn="ctr"/>
+            <a:endParaRPr lang="zh-CN" altLang="en-US"/>
+          </a:p>
+        </p:txBody>
+      </p:sp>
+      <p:sp>
+        <p:nvSpPr>
+          <p:cNvPr id="19" name="文本框 18"/>
+          <p:cNvSpPr txBox="1"/>
+          <p:nvPr/>
+        </p:nvSpPr>
+        <p:spPr>
+          <a:xfrm>
+            <a:off x="6844030" y="3359150"/>
+            <a:ext cx="1586230" cy="645160"/>
+          </a:xfrm>
+          <a:prstGeom prst="rect">
+            <a:avLst/>
+          </a:prstGeom>
+          <a:noFill/>
+        </p:spPr>
+        <p:txBody>
+          <a:bodyPr wrap="square" rtlCol="0">
+            <a:spAutoFit/>
+          </a:bodyPr>
+          <a:p>
+            <a:r>
+              <a:rPr lang="zh-CN" altLang="en-US"/>
+              <a:t>添加多个功能</a:t>
+            </a:r>
+            <a:r>
+              <a:rPr lang="zh-CN" altLang="en-US"/>
               <a:t>接口</a:t>
             </a:r>
-            <a:endParaRPr lang="zh-CN" altLang="en-US" dirty="0"/>
+            <a:endParaRPr lang="zh-CN" altLang="en-US"/>
+          </a:p>
+        </p:txBody>
+      </p:sp>
+      <p:sp>
+        <p:nvSpPr>
+          <p:cNvPr id="20" name="圆角矩形 19"/>
+          <p:cNvSpPr/>
+          <p:nvPr/>
+        </p:nvSpPr>
+        <p:spPr>
+          <a:xfrm>
+            <a:off x="9198610" y="3041650"/>
+            <a:ext cx="2261235" cy="2366010"/>
+          </a:xfrm>
+          <a:prstGeom prst="roundRect">
+            <a:avLst/>
+          </a:prstGeom>
+        </p:spPr>
+        <p:style>
+          <a:lnRef idx="2">
+            <a:schemeClr val="accent1"/>
+          </a:lnRef>
+          <a:fillRef idx="1">
+            <a:schemeClr val="lt1"/>
+          </a:fillRef>
+          <a:effectRef idx="0">
+            <a:schemeClr val="accent1"/>
+          </a:effectRef>
+          <a:fontRef idx="minor">
+            <a:schemeClr val="dk1"/>
+          </a:fontRef>
+        </p:style>
+        <p:txBody>
+          <a:bodyPr rtlCol="0" anchor="ctr"/>
+          <a:p>
+            <a:pPr algn="ctr"/>
+            <a:endParaRPr lang="zh-CN" altLang="en-US"/>
+          </a:p>
+        </p:txBody>
+      </p:sp>
+      <p:sp>
+        <p:nvSpPr>
+          <p:cNvPr id="21" name="文本框 20"/>
+          <p:cNvSpPr txBox="1"/>
+          <p:nvPr/>
+        </p:nvSpPr>
+        <p:spPr>
+          <a:xfrm>
+            <a:off x="9502140" y="3358515"/>
+            <a:ext cx="1586865" cy="645160"/>
+          </a:xfrm>
+          <a:prstGeom prst="rect">
+            <a:avLst/>
+          </a:prstGeom>
+          <a:noFill/>
+        </p:spPr>
+        <p:txBody>
+          <a:bodyPr wrap="square" rtlCol="0">
+            <a:spAutoFit/>
+          </a:bodyPr>
+          <a:p>
+            <a:r>
+              <a:rPr lang="zh-CN" altLang="en-US"/>
+              <a:t>一键设置功能</a:t>
+            </a:r>
+            <a:r>
+              <a:rPr lang="zh-CN" altLang="en-US"/>
+              <a:t>接口</a:t>
+            </a:r>
+            <a:endParaRPr lang="zh-CN" altLang="en-US"/>
           </a:p>
         </p:txBody>
       </p:sp>
     </p:spTree>
-    <p:extLst>
-      <p:ext uri="{BB962C8B-B14F-4D97-AF65-F5344CB8AC3E}">
-        <p14:creationId xmlns:p14="http://schemas.microsoft.com/office/powerpoint/2010/main" val="1757445829"/>
-      </p:ext>
-    </p:extLst>
   </p:cSld>
   <p:clrMapOvr>
     <a:masterClrMapping/>
@@ -15254,11 +15318,6 @@
         </p:txBody>
       </p:sp>
     </p:spTree>
-    <p:extLst>
-      <p:ext uri="{BB962C8B-B14F-4D97-AF65-F5344CB8AC3E}">
-        <p14:creationId xmlns:p14="http://schemas.microsoft.com/office/powerpoint/2010/main" val="4286248816"/>
-      </p:ext>
-    </p:extLst>
   </p:cSld>
   <p:clrMapOvr>
     <a:masterClrMapping/>
@@ -15309,7 +15368,7 @@
     </a:clrScheme>
     <a:fontScheme name="Office">
       <a:majorFont>
-        <a:latin typeface="Calibri Light" panose="020F0302020204030204"/>
+        <a:latin typeface="Calibri Light"/>
         <a:ea typeface=""/>
         <a:cs typeface=""/>
         <a:font script="Jpan" typeface="ＭＳ Ｐゴシック"/>
@@ -15344,7 +15403,7 @@
         <a:font script="Geor" typeface="Sylfaen"/>
       </a:majorFont>
       <a:minorFont>
-        <a:latin typeface="Calibri" panose="020F0502020204030204"/>
+        <a:latin typeface="Calibri"/>
         <a:ea typeface=""/>
         <a:cs typeface=""/>
         <a:font script="Jpan" typeface="ＭＳ Ｐゴシック"/>
@@ -15517,11 +15576,9 @@
       </a:bgFillStyleLst>
     </a:fmtScheme>
   </a:themeElements>
-  <a:objectDefaults/>
-  <a:extraClrSchemeLst/>
   <a:extLst>
     <a:ext uri="{05A4C25C-085E-4340-85A3-A5531E510DB2}">
-      <thm15:themeFamily xmlns:thm15="http://schemas.microsoft.com/office/thememl/2012/main" name="PPT模板更新0727" id="{576653EC-837B-44E2-8304-E6EBCA872295}" vid="{865547DC-FC53-43EC-9AA0-C5606E954469}"/>
+      <thm15:themeFamily xmlns:thm15="http://schemas.microsoft.com/office/thememl/2012/main" name="Office Theme" id="{62F939B6-93AF-4DB8-9C6B-D6C7DFDC589F}" vid="{4A3C46E8-61CC-4603-A589-7422A47A8E4A}"/>
     </a:ext>
   </a:extLst>
 </a:theme>
@@ -15570,7 +15627,7 @@
     </a:clrScheme>
     <a:fontScheme name="Office">
       <a:majorFont>
-        <a:latin typeface="Calibri Light" panose="020F0302020204030204"/>
+        <a:latin typeface="Calibri Light"/>
         <a:ea typeface=""/>
         <a:cs typeface=""/>
         <a:font script="Jpan" typeface="ＭＳ Ｐゴシック"/>
@@ -15605,7 +15662,7 @@
         <a:font script="Geor" typeface="Sylfaen"/>
       </a:majorFont>
       <a:minorFont>
-        <a:latin typeface="Calibri" panose="020F0502020204030204"/>
+        <a:latin typeface="Calibri"/>
         <a:ea typeface=""/>
         <a:cs typeface=""/>
         <a:font script="Jpan" typeface="ＭＳ Ｐゴシック"/>
@@ -15778,11 +15835,9 @@
       </a:bgFillStyleLst>
     </a:fmtScheme>
   </a:themeElements>
-  <a:objectDefaults/>
-  <a:extraClrSchemeLst/>
   <a:extLst>
     <a:ext uri="{05A4C25C-085E-4340-85A3-A5531E510DB2}">
-      <thm15:themeFamily xmlns:thm15="http://schemas.microsoft.com/office/thememl/2012/main" name="PPT模板更新0727" id="{576653EC-837B-44E2-8304-E6EBCA872295}" vid="{B494C91F-DB06-4181-B2AB-48E5056DCD88}"/>
+      <thm15:themeFamily xmlns:thm15="http://schemas.microsoft.com/office/thememl/2012/main" name="Office Theme" id="{62F939B6-93AF-4DB8-9C6B-D6C7DFDC589F}" vid="{4A3C46E8-61CC-4603-A589-7422A47A8E4A}"/>
     </a:ext>
   </a:extLst>
 </a:theme>
@@ -15831,7 +15886,7 @@
     </a:clrScheme>
     <a:fontScheme name="Office">
       <a:majorFont>
-        <a:latin typeface="Calibri Light" panose="020F0302020204030204"/>
+        <a:latin typeface="Calibri Light"/>
         <a:ea typeface=""/>
         <a:cs typeface=""/>
         <a:font script="Jpan" typeface="ＭＳ Ｐゴシック"/>
@@ -15866,7 +15921,7 @@
         <a:font script="Geor" typeface="Sylfaen"/>
       </a:majorFont>
       <a:minorFont>
-        <a:latin typeface="Calibri" panose="020F0502020204030204"/>
+        <a:latin typeface="Calibri"/>
         <a:ea typeface=""/>
         <a:cs typeface=""/>
         <a:font script="Jpan" typeface="ＭＳ Ｐゴシック"/>
@@ -16039,11 +16094,9 @@
       </a:bgFillStyleLst>
     </a:fmtScheme>
   </a:themeElements>
-  <a:objectDefaults/>
-  <a:extraClrSchemeLst/>
   <a:extLst>
     <a:ext uri="{05A4C25C-085E-4340-85A3-A5531E510DB2}">
-      <thm15:themeFamily xmlns:thm15="http://schemas.microsoft.com/office/thememl/2012/main" name="PPT模板更新0727" id="{576653EC-837B-44E2-8304-E6EBCA872295}" vid="{91BFD4CB-4AB9-444D-B4DF-6C250D7815EF}"/>
+      <thm15:themeFamily xmlns:thm15="http://schemas.microsoft.com/office/thememl/2012/main" name="Office Theme" id="{62F939B6-93AF-4DB8-9C6B-D6C7DFDC589F}" vid="{4A3C46E8-61CC-4603-A589-7422A47A8E4A}"/>
     </a:ext>
   </a:extLst>
 </a:theme>
@@ -16092,7 +16145,7 @@
     </a:clrScheme>
     <a:fontScheme name="Office">
       <a:majorFont>
-        <a:latin typeface="Calibri Light" panose="020F0302020204030204"/>
+        <a:latin typeface="Calibri Light"/>
         <a:ea typeface=""/>
         <a:cs typeface=""/>
         <a:font script="Jpan" typeface="ＭＳ Ｐゴシック"/>
@@ -16127,7 +16180,7 @@
         <a:font script="Geor" typeface="Sylfaen"/>
       </a:majorFont>
       <a:minorFont>
-        <a:latin typeface="Calibri" panose="020F0502020204030204"/>
+        <a:latin typeface="Calibri"/>
         <a:ea typeface=""/>
         <a:cs typeface=""/>
         <a:font script="Jpan" typeface="ＭＳ Ｐゴシック"/>
@@ -16300,8 +16353,6 @@
       </a:bgFillStyleLst>
     </a:fmtScheme>
   </a:themeElements>
-  <a:objectDefaults/>
-  <a:extraClrSchemeLst/>
   <a:extLst>
     <a:ext uri="{05A4C25C-085E-4340-85A3-A5531E510DB2}">
       <thm15:themeFamily xmlns:thm15="http://schemas.microsoft.com/office/thememl/2012/main" name="Office Theme" id="{62F939B6-93AF-4DB8-9C6B-D6C7DFDC589F}" vid="{4A3C46E8-61CC-4603-A589-7422A47A8E4A}"/>

--- a/答辩ppt-李慧奇.pptx
+++ b/答辩ppt-李慧奇.pptx
@@ -32,8 +32,7 @@
     <p:sldId id="282" r:id="rId25"/>
     <p:sldId id="275" r:id="rId26"/>
     <p:sldId id="283" r:id="rId27"/>
-    <p:sldId id="267" r:id="rId28"/>
-    <p:sldId id="285" r:id="rId29"/>
+    <p:sldId id="285" r:id="rId28"/>
   </p:sldIdLst>
   <p:sldSz cx="12192000" cy="6858000"/>
   <p:notesSz cx="6858000" cy="9144000"/>
@@ -138,15 +137,7 @@
         <p14:section name="默认节" id="{5892D6EE-9759-4BE7-876F-DBDACF410BD7}">
           <p14:sldIdLst>
             <p14:sldId id="259"/>
-          </p14:sldIdLst>
-        </p14:section>
-        <p14:section name="无标题节" id="{F2B1A121-A6D4-4701-9D20-CC7E03873137}">
-          <p14:sldIdLst>
             <p14:sldId id="261"/>
-          </p14:sldIdLst>
-        </p14:section>
-        <p14:section name="无标题节" id="{9815C5CF-8C03-4ACE-971B-7076A1FB48FF}">
-          <p14:sldIdLst>
             <p14:sldId id="258"/>
             <p14:sldId id="262"/>
             <p14:sldId id="264"/>
@@ -167,7 +158,6 @@
             <p14:sldId id="282"/>
             <p14:sldId id="275"/>
             <p14:sldId id="283"/>
-            <p14:sldId id="267"/>
             <p14:sldId id="285"/>
           </p14:sldIdLst>
         </p14:section>
@@ -19879,416 +19869,6 @@
 </file>
 
 <file path=ppt/slides/slide23.xml><?xml version="1.0" encoding="utf-8"?>
-<p:sld xmlns:a="http://schemas.openxmlformats.org/drawingml/2006/main" xmlns:r="http://schemas.openxmlformats.org/officeDocument/2006/relationships" xmlns:p="http://schemas.openxmlformats.org/presentationml/2006/main">
-  <p:cSld>
-    <p:spTree>
-      <p:nvGrpSpPr>
-        <p:cNvPr id="1" name=""/>
-        <p:cNvGrpSpPr/>
-        <p:nvPr/>
-      </p:nvGrpSpPr>
-      <p:grpSpPr>
-        <a:xfrm>
-          <a:off x="0" y="0"/>
-          <a:ext cx="0" cy="0"/>
-          <a:chOff x="0" y="0"/>
-          <a:chExt cx="0" cy="0"/>
-        </a:xfrm>
-      </p:grpSpPr>
-      <p:sp>
-        <p:nvSpPr>
-          <p:cNvPr id="2" name="文本占位符 1"/>
-          <p:cNvSpPr>
-            <a:spLocks noGrp="1"/>
-          </p:cNvSpPr>
-          <p:nvPr>
-            <p:ph type="body" sz="quarter" idx="13"/>
-          </p:nvPr>
-        </p:nvSpPr>
-        <p:spPr/>
-        <p:txBody>
-          <a:bodyPr/>
-          <a:lstStyle/>
-          <a:p>
-            <a:r>
-              <a:rPr lang="en-US" altLang="zh-CN" dirty="0" smtClean="0"/>
-              <a:t>02 </a:t>
-            </a:r>
-            <a:r>
-              <a:rPr lang="zh-CN" altLang="en-US" dirty="0" smtClean="0"/>
-              <a:t>主要工作</a:t>
-            </a:r>
-            <a:endParaRPr lang="zh-CN" altLang="en-US" dirty="0"/>
-          </a:p>
-        </p:txBody>
-      </p:sp>
-      <p:sp>
-        <p:nvSpPr>
-          <p:cNvPr id="3" name="椭圆 2"/>
-          <p:cNvSpPr/>
-          <p:nvPr/>
-        </p:nvSpPr>
-        <p:spPr>
-          <a:xfrm>
-            <a:off x="483662" y="949018"/>
-            <a:ext cx="3812765" cy="1127343"/>
-          </a:xfrm>
-          <a:prstGeom prst="ellipse">
-            <a:avLst/>
-          </a:prstGeom>
-        </p:spPr>
-        <p:style>
-          <a:lnRef idx="2">
-            <a:schemeClr val="accent1">
-              <a:shade val="50000"/>
-            </a:schemeClr>
-          </a:lnRef>
-          <a:fillRef idx="1">
-            <a:schemeClr val="accent1"/>
-          </a:fillRef>
-          <a:effectRef idx="0">
-            <a:schemeClr val="accent1"/>
-          </a:effectRef>
-          <a:fontRef idx="minor">
-            <a:schemeClr val="lt1"/>
-          </a:fontRef>
-        </p:style>
-        <p:txBody>
-          <a:bodyPr rtlCol="0" anchor="ctr"/>
-          <a:lstStyle/>
-          <a:p>
-            <a:pPr algn="ctr"/>
-            <a:endParaRPr lang="zh-CN" altLang="en-US"/>
-          </a:p>
-        </p:txBody>
-      </p:sp>
-      <p:sp>
-        <p:nvSpPr>
-          <p:cNvPr id="4" name="文本框 3"/>
-          <p:cNvSpPr txBox="1"/>
-          <p:nvPr/>
-        </p:nvSpPr>
-        <p:spPr>
-          <a:xfrm>
-            <a:off x="802910" y="1281856"/>
-            <a:ext cx="3174267" cy="461665"/>
-          </a:xfrm>
-          <a:prstGeom prst="rect">
-            <a:avLst/>
-          </a:prstGeom>
-          <a:noFill/>
-        </p:spPr>
-        <p:txBody>
-          <a:bodyPr wrap="none" rtlCol="0">
-            <a:spAutoFit/>
-          </a:bodyPr>
-          <a:lstStyle/>
-          <a:p>
-            <a:r>
-              <a:rPr lang="en-US" altLang="zh-CN" sz="2400" dirty="0" smtClean="0">
-                <a:latin typeface="微软雅黑" panose="020B0503020204020204" pitchFamily="34" charset="-122"/>
-                <a:ea typeface="微软雅黑" panose="020B0503020204020204" pitchFamily="34" charset="-122"/>
-              </a:rPr>
-              <a:t>2.1 </a:t>
-            </a:r>
-            <a:r>
-              <a:rPr lang="zh-CN" altLang="en-US" sz="2400" dirty="0" smtClean="0">
-                <a:latin typeface="微软雅黑" panose="020B0503020204020204" pitchFamily="34" charset="-122"/>
-                <a:ea typeface="微软雅黑" panose="020B0503020204020204" pitchFamily="34" charset="-122"/>
-              </a:rPr>
-              <a:t>长按卡片动画设计</a:t>
-            </a:r>
-            <a:endParaRPr lang="zh-CN" altLang="en-US" sz="2400" dirty="0">
-              <a:latin typeface="微软雅黑" panose="020B0503020204020204" pitchFamily="34" charset="-122"/>
-              <a:ea typeface="微软雅黑" panose="020B0503020204020204" pitchFamily="34" charset="-122"/>
-            </a:endParaRPr>
-          </a:p>
-        </p:txBody>
-      </p:sp>
-      <p:sp>
-        <p:nvSpPr>
-          <p:cNvPr id="6" name="圆角矩形 5"/>
-          <p:cNvSpPr/>
-          <p:nvPr/>
-        </p:nvSpPr>
-        <p:spPr>
-          <a:xfrm>
-            <a:off x="6000750" y="966470"/>
-            <a:ext cx="2091055" cy="1109980"/>
-          </a:xfrm>
-          <a:prstGeom prst="roundRect">
-            <a:avLst/>
-          </a:prstGeom>
-        </p:spPr>
-        <p:style>
-          <a:lnRef idx="2">
-            <a:schemeClr val="accent6"/>
-          </a:lnRef>
-          <a:fillRef idx="1">
-            <a:schemeClr val="lt1"/>
-          </a:fillRef>
-          <a:effectRef idx="0">
-            <a:schemeClr val="accent6"/>
-          </a:effectRef>
-          <a:fontRef idx="minor">
-            <a:schemeClr val="dk1"/>
-          </a:fontRef>
-        </p:style>
-        <p:txBody>
-          <a:bodyPr rtlCol="0" anchor="ctr"/>
-          <a:p>
-            <a:pPr algn="ctr"/>
-            <a:endParaRPr lang="zh-CN" altLang="en-US"/>
-          </a:p>
-        </p:txBody>
-      </p:sp>
-      <p:sp>
-        <p:nvSpPr>
-          <p:cNvPr id="7" name="文本框 6"/>
-          <p:cNvSpPr txBox="1"/>
-          <p:nvPr/>
-        </p:nvSpPr>
-        <p:spPr>
-          <a:xfrm>
-            <a:off x="6140450" y="1198880"/>
-            <a:ext cx="1859280" cy="645160"/>
-          </a:xfrm>
-          <a:prstGeom prst="rect">
-            <a:avLst/>
-          </a:prstGeom>
-          <a:noFill/>
-        </p:spPr>
-        <p:txBody>
-          <a:bodyPr wrap="square" rtlCol="0">
-            <a:spAutoFit/>
-          </a:bodyPr>
-          <a:p>
-            <a:pPr algn="ctr"/>
-            <a:r>
-              <a:rPr lang="zh-CN" altLang="en-US"/>
-              <a:t>长按</a:t>
-            </a:r>
-            <a:r>
-              <a:rPr lang="zh-CN" altLang="en-US"/>
-              <a:t>卡片动画</a:t>
-            </a:r>
-            <a:r>
-              <a:rPr lang="zh-CN" altLang="en-US"/>
-              <a:t>实现思路</a:t>
-            </a:r>
-            <a:endParaRPr lang="zh-CN" altLang="en-US"/>
-          </a:p>
-        </p:txBody>
-      </p:sp>
-    </p:spTree>
-  </p:cSld>
-  <p:clrMapOvr>
-    <a:masterClrMapping/>
-  </p:clrMapOvr>
-  <p:timing>
-    <p:tnLst>
-      <p:par>
-        <p:cTn id="1" dur="indefinite" restart="never" nodeType="tmRoot">
-          <p:childTnLst>
-            <p:seq concurrent="1" nextAc="seek">
-              <p:cTn id="2" dur="indefinite" nodeType="mainSeq">
-                <p:childTnLst>
-                  <p:par>
-                    <p:cTn id="3" fill="hold">
-                      <p:stCondLst>
-                        <p:cond delay="indefinite"/>
-                      </p:stCondLst>
-                      <p:childTnLst>
-                        <p:par>
-                          <p:cTn id="4" fill="hold">
-                            <p:stCondLst>
-                              <p:cond delay="0"/>
-                            </p:stCondLst>
-                            <p:childTnLst>
-                              <p:par>
-                                <p:cTn id="5" presetID="22" presetClass="entr" presetSubtype="8" fill="hold" grpId="0" nodeType="clickEffect">
-                                  <p:stCondLst>
-                                    <p:cond delay="0"/>
-                                  </p:stCondLst>
-                                  <p:childTnLst>
-                                    <p:set>
-                                      <p:cBhvr>
-                                        <p:cTn id="6" dur="1" fill="hold">
-                                          <p:stCondLst>
-                                            <p:cond delay="0"/>
-                                          </p:stCondLst>
-                                        </p:cTn>
-                                        <p:tgtEl>
-                                          <p:spTgt spid="3"/>
-                                        </p:tgtEl>
-                                        <p:attrNameLst>
-                                          <p:attrName>style.visibility</p:attrName>
-                                        </p:attrNameLst>
-                                      </p:cBhvr>
-                                      <p:to>
-                                        <p:strVal val="visible"/>
-                                      </p:to>
-                                    </p:set>
-                                    <p:animEffect transition="in" filter="wipe(left)">
-                                      <p:cBhvr>
-                                        <p:cTn id="7" dur="500"/>
-                                        <p:tgtEl>
-                                          <p:spTgt spid="3"/>
-                                        </p:tgtEl>
-                                      </p:cBhvr>
-                                    </p:animEffect>
-                                  </p:childTnLst>
-                                </p:cTn>
-                              </p:par>
-                              <p:par>
-                                <p:cTn id="8" presetID="22" presetClass="entr" presetSubtype="8" fill="hold" grpId="0" nodeType="withEffect">
-                                  <p:stCondLst>
-                                    <p:cond delay="0"/>
-                                  </p:stCondLst>
-                                  <p:childTnLst>
-                                    <p:set>
-                                      <p:cBhvr>
-                                        <p:cTn id="9" dur="1" fill="hold">
-                                          <p:stCondLst>
-                                            <p:cond delay="0"/>
-                                          </p:stCondLst>
-                                        </p:cTn>
-                                        <p:tgtEl>
-                                          <p:spTgt spid="4"/>
-                                        </p:tgtEl>
-                                        <p:attrNameLst>
-                                          <p:attrName>style.visibility</p:attrName>
-                                        </p:attrNameLst>
-                                      </p:cBhvr>
-                                      <p:to>
-                                        <p:strVal val="visible"/>
-                                      </p:to>
-                                    </p:set>
-                                    <p:animEffect transition="in" filter="wipe(left)">
-                                      <p:cBhvr>
-                                        <p:cTn id="10" dur="500"/>
-                                        <p:tgtEl>
-                                          <p:spTgt spid="4"/>
-                                        </p:tgtEl>
-                                      </p:cBhvr>
-                                    </p:animEffect>
-                                  </p:childTnLst>
-                                </p:cTn>
-                              </p:par>
-                            </p:childTnLst>
-                          </p:cTn>
-                        </p:par>
-                      </p:childTnLst>
-                    </p:cTn>
-                  </p:par>
-                  <p:par>
-                    <p:cTn id="11" fill="hold">
-                      <p:stCondLst>
-                        <p:cond delay="indefinite"/>
-                      </p:stCondLst>
-                      <p:childTnLst>
-                        <p:par>
-                          <p:cTn id="12" fill="hold">
-                            <p:stCondLst>
-                              <p:cond delay="0"/>
-                            </p:stCondLst>
-                            <p:childTnLst>
-                              <p:par>
-                                <p:cTn id="13" presetID="1" presetClass="entr" presetSubtype="0" fill="hold" grpId="0" nodeType="clickEffect">
-                                  <p:stCondLst>
-                                    <p:cond delay="0"/>
-                                  </p:stCondLst>
-                                  <p:childTnLst>
-                                    <p:set>
-                                      <p:cBhvr>
-                                        <p:cTn id="14" dur="1" fill="hold">
-                                          <p:stCondLst>
-                                            <p:cond delay="0"/>
-                                          </p:stCondLst>
-                                        </p:cTn>
-                                        <p:tgtEl>
-                                          <p:spTgt spid="6"/>
-                                        </p:tgtEl>
-                                        <p:attrNameLst>
-                                          <p:attrName>style.visibility</p:attrName>
-                                        </p:attrNameLst>
-                                      </p:cBhvr>
-                                      <p:to>
-                                        <p:strVal val="visible"/>
-                                      </p:to>
-                                    </p:set>
-                                  </p:childTnLst>
-                                </p:cTn>
-                              </p:par>
-                              <p:par>
-                                <p:cTn id="15" presetID="1" presetClass="entr" presetSubtype="0" fill="hold" grpId="0" nodeType="withEffect">
-                                  <p:stCondLst>
-                                    <p:cond delay="0"/>
-                                  </p:stCondLst>
-                                  <p:childTnLst>
-                                    <p:set>
-                                      <p:cBhvr>
-                                        <p:cTn id="16" dur="1" fill="hold">
-                                          <p:stCondLst>
-                                            <p:cond delay="0"/>
-                                          </p:stCondLst>
-                                        </p:cTn>
-                                        <p:tgtEl>
-                                          <p:spTgt spid="7"/>
-                                        </p:tgtEl>
-                                        <p:attrNameLst>
-                                          <p:attrName>style.visibility</p:attrName>
-                                        </p:attrNameLst>
-                                      </p:cBhvr>
-                                      <p:to>
-                                        <p:strVal val="visible"/>
-                                      </p:to>
-                                    </p:set>
-                                  </p:childTnLst>
-                                </p:cTn>
-                              </p:par>
-                            </p:childTnLst>
-                          </p:cTn>
-                        </p:par>
-                      </p:childTnLst>
-                    </p:cTn>
-                  </p:par>
-                </p:childTnLst>
-              </p:cTn>
-              <p:prevCondLst>
-                <p:cond evt="onPrev" delay="0">
-                  <p:tgtEl>
-                    <p:sldTgt/>
-                  </p:tgtEl>
-                </p:cond>
-              </p:prevCondLst>
-              <p:nextCondLst>
-                <p:cond evt="onNext" delay="0">
-                  <p:tgtEl>
-                    <p:sldTgt/>
-                  </p:tgtEl>
-                </p:cond>
-              </p:nextCondLst>
-            </p:seq>
-          </p:childTnLst>
-        </p:cTn>
-      </p:par>
-    </p:tnLst>
-    <p:bldLst>
-      <p:bldP spid="3" grpId="0" animBg="1"/>
-      <p:bldP spid="4" grpId="0"/>
-      <p:bldP spid="3" grpId="1" animBg="1"/>
-      <p:bldP spid="4" grpId="1"/>
-      <p:bldP spid="6" grpId="0" bldLvl="0" animBg="1"/>
-      <p:bldP spid="7" grpId="0"/>
-      <p:bldP spid="6" grpId="1" animBg="1"/>
-      <p:bldP spid="7" grpId="1"/>
-    </p:bldLst>
-  </p:timing>
-</p:sld>
-</file>
-
-<file path=ppt/slides/slide24.xml><?xml version="1.0" encoding="utf-8"?>
 <p:sld xmlns:a="http://schemas.openxmlformats.org/drawingml/2006/main" xmlns:r="http://schemas.openxmlformats.org/officeDocument/2006/relationships" xmlns:p="http://schemas.openxmlformats.org/presentationml/2006/main">
   <p:cSld>
     <p:spTree>

--- a/答辩ppt-李慧奇.pptx
+++ b/答辩ppt-李慧奇.pptx
@@ -25,14 +25,13 @@
     <p:sldId id="274" r:id="rId18"/>
     <p:sldId id="273" r:id="rId19"/>
     <p:sldId id="277" r:id="rId20"/>
-    <p:sldId id="279" r:id="rId21"/>
-    <p:sldId id="278" r:id="rId22"/>
-    <p:sldId id="280" r:id="rId23"/>
-    <p:sldId id="281" r:id="rId24"/>
-    <p:sldId id="282" r:id="rId25"/>
-    <p:sldId id="275" r:id="rId26"/>
-    <p:sldId id="283" r:id="rId27"/>
-    <p:sldId id="285" r:id="rId28"/>
+    <p:sldId id="278" r:id="rId21"/>
+    <p:sldId id="280" r:id="rId22"/>
+    <p:sldId id="281" r:id="rId23"/>
+    <p:sldId id="282" r:id="rId24"/>
+    <p:sldId id="275" r:id="rId25"/>
+    <p:sldId id="283" r:id="rId26"/>
+    <p:sldId id="285" r:id="rId27"/>
   </p:sldIdLst>
   <p:sldSz cx="12192000" cy="6858000"/>
   <p:notesSz cx="6858000" cy="9144000"/>
@@ -151,7 +150,6 @@
             <p14:sldId id="274"/>
             <p14:sldId id="273"/>
             <p14:sldId id="277"/>
-            <p14:sldId id="279"/>
             <p14:sldId id="278"/>
             <p14:sldId id="280"/>
             <p14:sldId id="281"/>
@@ -12086,6 +12084,105 @@
           </a:p>
         </p:txBody>
       </p:sp>
+      <p:pic>
+        <p:nvPicPr>
+          <p:cNvPr id="5" name="图片 4" descr="长按卡片动画实现思路"/>
+          <p:cNvPicPr>
+            <a:picLocks noChangeAspect="1"/>
+          </p:cNvPicPr>
+          <p:nvPr/>
+        </p:nvPicPr>
+        <p:blipFill>
+          <a:blip r:embed="rId1"/>
+          <a:stretch>
+            <a:fillRect/>
+          </a:stretch>
+        </p:blipFill>
+        <p:spPr>
+          <a:xfrm>
+            <a:off x="1771015" y="2372995"/>
+            <a:ext cx="8256905" cy="4033520"/>
+          </a:xfrm>
+          <a:prstGeom prst="rect">
+            <a:avLst/>
+          </a:prstGeom>
+        </p:spPr>
+      </p:pic>
+      <p:sp>
+        <p:nvSpPr>
+          <p:cNvPr id="8" name="圆角矩形 7"/>
+          <p:cNvSpPr/>
+          <p:nvPr/>
+        </p:nvSpPr>
+        <p:spPr>
+          <a:xfrm>
+            <a:off x="9654540" y="2781935"/>
+            <a:ext cx="2091055" cy="3215640"/>
+          </a:xfrm>
+          <a:prstGeom prst="roundRect">
+            <a:avLst/>
+          </a:prstGeom>
+        </p:spPr>
+        <p:style>
+          <a:lnRef idx="2">
+            <a:schemeClr val="accent6"/>
+          </a:lnRef>
+          <a:fillRef idx="1">
+            <a:schemeClr val="lt1"/>
+          </a:fillRef>
+          <a:effectRef idx="0">
+            <a:schemeClr val="accent6"/>
+          </a:effectRef>
+          <a:fontRef idx="minor">
+            <a:schemeClr val="dk1"/>
+          </a:fontRef>
+        </p:style>
+        <p:txBody>
+          <a:bodyPr rtlCol="0" anchor="ctr"/>
+          <a:p>
+            <a:pPr algn="ctr"/>
+            <a:endParaRPr lang="zh-CN" altLang="en-US"/>
+          </a:p>
+        </p:txBody>
+      </p:sp>
+      <p:sp>
+        <p:nvSpPr>
+          <p:cNvPr id="9" name="文本框 8"/>
+          <p:cNvSpPr txBox="1"/>
+          <p:nvPr/>
+        </p:nvSpPr>
+        <p:spPr>
+          <a:xfrm>
+            <a:off x="9770745" y="2889885"/>
+            <a:ext cx="1859280" cy="2999740"/>
+          </a:xfrm>
+          <a:prstGeom prst="rect">
+            <a:avLst/>
+          </a:prstGeom>
+          <a:noFill/>
+        </p:spPr>
+        <p:txBody>
+          <a:bodyPr wrap="square" rtlCol="0">
+            <a:spAutoFit/>
+          </a:bodyPr>
+          <a:p>
+            <a:pPr algn="ctr">
+              <a:lnSpc>
+                <a:spcPct val="150000"/>
+              </a:lnSpc>
+            </a:pPr>
+            <a:r>
+              <a:rPr lang="zh-CN" altLang="en-US"/>
+              <a:t>对于返回动画来说核心的动画代码的思路和进入大图模式的代码思路一致，需要注意点就是设置导航栏</a:t>
+            </a:r>
+            <a:r>
+              <a:rPr lang="zh-CN" altLang="en-US"/>
+              <a:t>可见</a:t>
+            </a:r>
+            <a:endParaRPr lang="zh-CN" altLang="en-US"/>
+          </a:p>
+        </p:txBody>
+      </p:sp>
     </p:spTree>
   </p:cSld>
   <p:clrMapOvr>
@@ -12259,6 +12356,169 @@
                       </p:childTnLst>
                     </p:cTn>
                   </p:par>
+                  <p:par>
+                    <p:cTn id="17" fill="hold">
+                      <p:stCondLst>
+                        <p:cond delay="indefinite"/>
+                      </p:stCondLst>
+                      <p:childTnLst>
+                        <p:par>
+                          <p:cTn id="18" fill="hold">
+                            <p:stCondLst>
+                              <p:cond delay="0"/>
+                            </p:stCondLst>
+                            <p:childTnLst>
+                              <p:par>
+                                <p:cTn id="19" presetID="2" presetClass="entr" presetSubtype="4" fill="hold" nodeType="clickEffect">
+                                  <p:stCondLst>
+                                    <p:cond delay="0"/>
+                                  </p:stCondLst>
+                                  <p:childTnLst>
+                                    <p:set>
+                                      <p:cBhvr>
+                                        <p:cTn id="20" dur="1" fill="hold">
+                                          <p:stCondLst>
+                                            <p:cond delay="0"/>
+                                          </p:stCondLst>
+                                        </p:cTn>
+                                        <p:tgtEl>
+                                          <p:spTgt spid="5"/>
+                                        </p:tgtEl>
+                                        <p:attrNameLst>
+                                          <p:attrName>style.visibility</p:attrName>
+                                        </p:attrNameLst>
+                                      </p:cBhvr>
+                                      <p:to>
+                                        <p:strVal val="visible"/>
+                                      </p:to>
+                                    </p:set>
+                                    <p:anim calcmode="lin" valueType="num">
+                                      <p:cBhvr additive="base">
+                                        <p:cTn id="21" dur="500" fill="hold"/>
+                                        <p:tgtEl>
+                                          <p:spTgt spid="5"/>
+                                        </p:tgtEl>
+                                        <p:attrNameLst>
+                                          <p:attrName>ppt_x</p:attrName>
+                                        </p:attrNameLst>
+                                      </p:cBhvr>
+                                      <p:tavLst>
+                                        <p:tav tm="0">
+                                          <p:val>
+                                            <p:strVal val="#ppt_x"/>
+                                          </p:val>
+                                        </p:tav>
+                                        <p:tav tm="100000">
+                                          <p:val>
+                                            <p:strVal val="#ppt_x"/>
+                                          </p:val>
+                                        </p:tav>
+                                      </p:tavLst>
+                                    </p:anim>
+                                    <p:anim calcmode="lin" valueType="num">
+                                      <p:cBhvr additive="base">
+                                        <p:cTn id="22" dur="500" fill="hold"/>
+                                        <p:tgtEl>
+                                          <p:spTgt spid="5"/>
+                                        </p:tgtEl>
+                                        <p:attrNameLst>
+                                          <p:attrName>ppt_y</p:attrName>
+                                        </p:attrNameLst>
+                                      </p:cBhvr>
+                                      <p:tavLst>
+                                        <p:tav tm="0">
+                                          <p:val>
+                                            <p:strVal val="1+#ppt_h/2"/>
+                                          </p:val>
+                                        </p:tav>
+                                        <p:tav tm="100000">
+                                          <p:val>
+                                            <p:strVal val="#ppt_y"/>
+                                          </p:val>
+                                        </p:tav>
+                                      </p:tavLst>
+                                    </p:anim>
+                                  </p:childTnLst>
+                                </p:cTn>
+                              </p:par>
+                            </p:childTnLst>
+                          </p:cTn>
+                        </p:par>
+                      </p:childTnLst>
+                    </p:cTn>
+                  </p:par>
+                  <p:par>
+                    <p:cTn id="23" fill="hold">
+                      <p:stCondLst>
+                        <p:cond delay="indefinite"/>
+                      </p:stCondLst>
+                      <p:childTnLst>
+                        <p:par>
+                          <p:cTn id="24" fill="hold">
+                            <p:stCondLst>
+                              <p:cond delay="0"/>
+                            </p:stCondLst>
+                            <p:childTnLst>
+                              <p:par>
+                                <p:cTn id="25" presetID="1" presetClass="entr" presetSubtype="0" fill="hold" grpId="0" nodeType="clickEffect">
+                                  <p:stCondLst>
+                                    <p:cond delay="0"/>
+                                  </p:stCondLst>
+                                  <p:childTnLst>
+                                    <p:set>
+                                      <p:cBhvr>
+                                        <p:cTn id="26" dur="1" fill="hold">
+                                          <p:stCondLst>
+                                            <p:cond delay="0"/>
+                                          </p:stCondLst>
+                                        </p:cTn>
+                                        <p:tgtEl>
+                                          <p:spTgt spid="8"/>
+                                        </p:tgtEl>
+                                        <p:attrNameLst>
+                                          <p:attrName>style.visibility</p:attrName>
+                                        </p:attrNameLst>
+                                      </p:cBhvr>
+                                      <p:to>
+                                        <p:strVal val="visible"/>
+                                      </p:to>
+                                    </p:set>
+                                  </p:childTnLst>
+                                </p:cTn>
+                              </p:par>
+                              <p:par>
+                                <p:cTn id="27" presetID="1" presetClass="entr" presetSubtype="0" fill="hold" grpId="0" nodeType="withEffect">
+                                  <p:stCondLst>
+                                    <p:cond delay="0"/>
+                                  </p:stCondLst>
+                                  <p:childTnLst>
+                                    <p:set>
+                                      <p:cBhvr>
+                                        <p:cTn id="28" dur="1" fill="hold">
+                                          <p:stCondLst>
+                                            <p:cond delay="0"/>
+                                          </p:stCondLst>
+                                        </p:cTn>
+                                        <p:tgtEl>
+                                          <p:spTgt spid="9"/>
+                                        </p:tgtEl>
+                                        <p:attrNameLst>
+                                          <p:attrName>style.visibility</p:attrName>
+                                        </p:attrNameLst>
+                                      </p:cBhvr>
+                                      <p:to>
+                                        <p:strVal val="visible"/>
+                                      </p:to>
+                                    </p:set>
+                                  </p:childTnLst>
+                                </p:cTn>
+                              </p:par>
+                            </p:childTnLst>
+                          </p:cTn>
+                        </p:par>
+                      </p:childTnLst>
+                    </p:cTn>
+                  </p:par>
                 </p:childTnLst>
               </p:cTn>
               <p:prevCondLst>
@@ -12289,6 +12549,10 @@
       <p:bldP spid="7" grpId="0"/>
       <p:bldP spid="6" grpId="1" animBg="1"/>
       <p:bldP spid="7" grpId="1"/>
+      <p:bldP spid="8" grpId="0" bldLvl="0" animBg="1"/>
+      <p:bldP spid="9" grpId="0"/>
+      <p:bldP spid="8" grpId="1" animBg="1"/>
+      <p:bldP spid="9" grpId="1"/>
     </p:bldLst>
   </p:timing>
 </p:sld>
@@ -13453,9 +13717,33 @@
           </a:p>
         </p:txBody>
       </p:sp>
+      <p:pic>
+        <p:nvPicPr>
+          <p:cNvPr id="5" name="图片 4" descr="点击卡片流程"/>
+          <p:cNvPicPr>
+            <a:picLocks noChangeAspect="1"/>
+          </p:cNvPicPr>
+          <p:nvPr/>
+        </p:nvPicPr>
+        <p:blipFill>
+          <a:blip r:embed="rId1"/>
+          <a:stretch>
+            <a:fillRect/>
+          </a:stretch>
+        </p:blipFill>
+        <p:spPr>
+          <a:xfrm>
+            <a:off x="3367405" y="1282065"/>
+            <a:ext cx="7349490" cy="5156200"/>
+          </a:xfrm>
+          <a:prstGeom prst="rect">
+            <a:avLst/>
+          </a:prstGeom>
+        </p:spPr>
+      </p:pic>
       <p:sp>
         <p:nvSpPr>
-          <p:cNvPr id="3" name="椭圆 2"/>
+          <p:cNvPr id="6" name="椭圆 5"/>
           <p:cNvSpPr/>
           <p:nvPr/>
         </p:nvSpPr>
@@ -13486,7 +13774,6 @@
         </p:style>
         <p:txBody>
           <a:bodyPr rtlCol="0" anchor="ctr"/>
-          <a:lstStyle/>
           <a:p>
             <a:pPr algn="ctr"/>
             <a:endParaRPr lang="zh-CN" altLang="en-US"/>
@@ -13495,7 +13782,7 @@
       </p:sp>
       <p:sp>
         <p:nvSpPr>
-          <p:cNvPr id="4" name="文本框 3"/>
+          <p:cNvPr id="7" name="文本框 6"/>
           <p:cNvSpPr txBox="1"/>
           <p:nvPr/>
         </p:nvSpPr>
@@ -13513,7 +13800,6 @@
           <a:bodyPr wrap="none" rtlCol="0">
             <a:spAutoFit/>
           </a:bodyPr>
-          <a:lstStyle/>
           <a:p>
             <a:r>
               <a:rPr lang="en-US" altLang="zh-CN" sz="2400" dirty="0" smtClean="0">
@@ -13538,13 +13824,13 @@
       </p:sp>
       <p:sp>
         <p:nvSpPr>
-          <p:cNvPr id="13" name="圆角矩形 12"/>
+          <p:cNvPr id="8" name="圆角矩形 7"/>
           <p:cNvSpPr/>
           <p:nvPr/>
         </p:nvSpPr>
         <p:spPr>
           <a:xfrm>
-            <a:off x="1046480" y="2724785"/>
+            <a:off x="483870" y="2636520"/>
             <a:ext cx="5257165" cy="2788285"/>
           </a:xfrm>
           <a:prstGeom prst="roundRect">
@@ -13575,13 +13861,13 @@
       </p:sp>
       <p:sp>
         <p:nvSpPr>
-          <p:cNvPr id="14" name="文本框 13"/>
+          <p:cNvPr id="9" name="文本框 8"/>
           <p:cNvSpPr txBox="1"/>
           <p:nvPr/>
         </p:nvSpPr>
         <p:spPr>
           <a:xfrm>
-            <a:off x="1134745" y="2769870"/>
+            <a:off x="572135" y="2681605"/>
             <a:ext cx="5106670" cy="2584450"/>
           </a:xfrm>
           <a:prstGeom prst="rect">
@@ -13673,7 +13959,7 @@
             </a:r>
             <a:r>
               <a:rPr lang="zh-CN" altLang="en-US"/>
-              <a:t>控制转场动画的</a:t>
+              <a:t>控制转场的</a:t>
             </a:r>
             <a:r>
               <a:rPr lang="zh-CN" altLang="en-US"/>
@@ -13722,7 +14008,7 @@
                                           </p:stCondLst>
                                         </p:cTn>
                                         <p:tgtEl>
-                                          <p:spTgt spid="3"/>
+                                          <p:spTgt spid="6"/>
                                         </p:tgtEl>
                                         <p:attrNameLst>
                                           <p:attrName>style.visibility</p:attrName>
@@ -13736,7 +14022,7 @@
                                       <p:cBhvr>
                                         <p:cTn id="7" dur="500"/>
                                         <p:tgtEl>
-                                          <p:spTgt spid="3"/>
+                                          <p:spTgt spid="6"/>
                                         </p:tgtEl>
                                       </p:cBhvr>
                                     </p:animEffect>
@@ -13757,7 +14043,7 @@
                                           </p:stCondLst>
                                         </p:cTn>
                                         <p:tgtEl>
-                                          <p:spTgt spid="4"/>
+                                          <p:spTgt spid="7"/>
                                         </p:tgtEl>
                                         <p:attrNameLst>
                                           <p:attrName>style.visibility</p:attrName>
@@ -13771,7 +14057,7 @@
                                       <p:cBhvr>
                                         <p:cTn id="10" dur="500"/>
                                         <p:tgtEl>
-                                          <p:spTgt spid="4"/>
+                                          <p:spTgt spid="7"/>
                                         </p:tgtEl>
                                       </p:cBhvr>
                                     </p:animEffect>
@@ -13797,7 +14083,7 @@
                             </p:stCondLst>
                             <p:childTnLst>
                               <p:par>
-                                <p:cTn id="13" presetID="2" presetClass="entr" presetSubtype="4" fill="hold" grpId="0" nodeType="clickEffect">
+                                <p:cTn id="13" presetID="22" presetClass="entr" presetSubtype="8" fill="hold" nodeType="clickEffect">
                                   <p:stCondLst>
                                     <p:cond delay="0"/>
                                   </p:stCondLst>
@@ -13810,7 +14096,60 @@
                                           </p:stCondLst>
                                         </p:cTn>
                                         <p:tgtEl>
-                                          <p:spTgt spid="13"/>
+                                          <p:spTgt spid="5"/>
+                                        </p:tgtEl>
+                                        <p:attrNameLst>
+                                          <p:attrName>style.visibility</p:attrName>
+                                        </p:attrNameLst>
+                                      </p:cBhvr>
+                                      <p:to>
+                                        <p:strVal val="visible"/>
+                                      </p:to>
+                                    </p:set>
+                                    <p:animEffect transition="in" filter="wipe(left)">
+                                      <p:cBhvr>
+                                        <p:cTn id="15" dur="500"/>
+                                        <p:tgtEl>
+                                          <p:spTgt spid="5"/>
+                                        </p:tgtEl>
+                                      </p:cBhvr>
+                                    </p:animEffect>
+                                  </p:childTnLst>
+                                </p:cTn>
+                              </p:par>
+                            </p:childTnLst>
+                          </p:cTn>
+                        </p:par>
+                      </p:childTnLst>
+                    </p:cTn>
+                  </p:par>
+                  <p:par>
+                    <p:cTn id="16" fill="hold">
+                      <p:stCondLst>
+                        <p:cond delay="indefinite"/>
+                      </p:stCondLst>
+                      <p:childTnLst>
+                        <p:par>
+                          <p:cTn id="17" fill="hold">
+                            <p:stCondLst>
+                              <p:cond delay="0"/>
+                            </p:stCondLst>
+                            <p:childTnLst>
+                              <p:par>
+                                <p:cTn id="18" presetID="2" presetClass="entr" presetSubtype="4" fill="hold" grpId="0" nodeType="clickEffect">
+                                  <p:stCondLst>
+                                    <p:cond delay="0"/>
+                                  </p:stCondLst>
+                                  <p:childTnLst>
+                                    <p:set>
+                                      <p:cBhvr>
+                                        <p:cTn id="19" dur="1" fill="hold">
+                                          <p:stCondLst>
+                                            <p:cond delay="0"/>
+                                          </p:stCondLst>
+                                        </p:cTn>
+                                        <p:tgtEl>
+                                          <p:spTgt spid="8"/>
                                         </p:tgtEl>
                                         <p:attrNameLst>
                                           <p:attrName>style.visibility</p:attrName>
@@ -13822,9 +14161,9 @@
                                     </p:set>
                                     <p:anim calcmode="lin" valueType="num">
                                       <p:cBhvr additive="base">
-                                        <p:cTn id="15" dur="500" fill="hold"/>
+                                        <p:cTn id="20" dur="500" fill="hold"/>
                                         <p:tgtEl>
-                                          <p:spTgt spid="13"/>
+                                          <p:spTgt spid="8"/>
                                         </p:tgtEl>
                                         <p:attrNameLst>
                                           <p:attrName>ppt_x</p:attrName>
@@ -13845,9 +14184,9 @@
                                     </p:anim>
                                     <p:anim calcmode="lin" valueType="num">
                                       <p:cBhvr additive="base">
-                                        <p:cTn id="16" dur="500" fill="hold"/>
+                                        <p:cTn id="21" dur="500" fill="hold"/>
                                         <p:tgtEl>
-                                          <p:spTgt spid="13"/>
+                                          <p:spTgt spid="8"/>
                                         </p:tgtEl>
                                         <p:attrNameLst>
                                           <p:attrName>ppt_y</p:attrName>
@@ -13870,20 +14209,20 @@
                                 </p:cTn>
                               </p:par>
                               <p:par>
-                                <p:cTn id="17" presetID="2" presetClass="entr" presetSubtype="4" fill="hold" grpId="0" nodeType="withEffect">
+                                <p:cTn id="22" presetID="2" presetClass="entr" presetSubtype="4" fill="hold" grpId="0" nodeType="withEffect">
                                   <p:stCondLst>
                                     <p:cond delay="0"/>
                                   </p:stCondLst>
                                   <p:childTnLst>
                                     <p:set>
                                       <p:cBhvr>
-                                        <p:cTn id="18" dur="1" fill="hold">
+                                        <p:cTn id="23" dur="1" fill="hold">
                                           <p:stCondLst>
                                             <p:cond delay="0"/>
                                           </p:stCondLst>
                                         </p:cTn>
                                         <p:tgtEl>
-                                          <p:spTgt spid="14"/>
+                                          <p:spTgt spid="9"/>
                                         </p:tgtEl>
                                         <p:attrNameLst>
                                           <p:attrName>style.visibility</p:attrName>
@@ -13895,9 +14234,9 @@
                                     </p:set>
                                     <p:anim calcmode="lin" valueType="num">
                                       <p:cBhvr additive="base">
-                                        <p:cTn id="19" dur="500" fill="hold"/>
+                                        <p:cTn id="24" dur="500" fill="hold"/>
                                         <p:tgtEl>
-                                          <p:spTgt spid="14"/>
+                                          <p:spTgt spid="9"/>
                                         </p:tgtEl>
                                         <p:attrNameLst>
                                           <p:attrName>ppt_x</p:attrName>
@@ -13918,9 +14257,9 @@
                                     </p:anim>
                                     <p:anim calcmode="lin" valueType="num">
                                       <p:cBhvr additive="base">
-                                        <p:cTn id="20" dur="500" fill="hold"/>
+                                        <p:cTn id="25" dur="500" fill="hold"/>
                                         <p:tgtEl>
-                                          <p:spTgt spid="14"/>
+                                          <p:spTgt spid="9"/>
                                         </p:tgtEl>
                                         <p:attrNameLst>
                                           <p:attrName>ppt_y</p:attrName>
@@ -13970,14 +14309,14 @@
       </p:par>
     </p:tnLst>
     <p:bldLst>
-      <p:bldP spid="3" grpId="0" bldLvl="0" animBg="1"/>
-      <p:bldP spid="4" grpId="0"/>
-      <p:bldP spid="3" grpId="1" animBg="1"/>
-      <p:bldP spid="4" grpId="1"/>
-      <p:bldP spid="13" grpId="0" bldLvl="0" animBg="1"/>
-      <p:bldP spid="14" grpId="0"/>
-      <p:bldP spid="13" grpId="1" animBg="1"/>
-      <p:bldP spid="14" grpId="1"/>
+      <p:bldP spid="6" grpId="0" bldLvl="0" animBg="1"/>
+      <p:bldP spid="7" grpId="0"/>
+      <p:bldP spid="6" grpId="1" animBg="1"/>
+      <p:bldP spid="7" grpId="1"/>
+      <p:bldP spid="8" grpId="0" bldLvl="0" animBg="1"/>
+      <p:bldP spid="9" grpId="0"/>
+      <p:bldP spid="8" grpId="1" animBg="1"/>
+      <p:bldP spid="9" grpId="1"/>
     </p:bldLst>
   </p:timing>
 </p:sld>
@@ -14975,9 +15314,34 @@
           </a:p>
         </p:txBody>
       </p:sp>
+      <p:pic>
+        <p:nvPicPr>
+          <p:cNvPr id="8" name="图片 7" descr="点击卡片动画实现思路"/>
+          <p:cNvPicPr>
+            <a:picLocks noChangeAspect="1"/>
+          </p:cNvPicPr>
+          <p:nvPr/>
+        </p:nvPicPr>
+        <p:blipFill>
+          <a:blip r:embed="rId1"/>
+          <a:srcRect b="11006"/>
+          <a:stretch>
+            <a:fillRect/>
+          </a:stretch>
+        </p:blipFill>
+        <p:spPr>
+          <a:xfrm>
+            <a:off x="1397000" y="1628140"/>
+            <a:ext cx="7602855" cy="4831715"/>
+          </a:xfrm>
+          <a:prstGeom prst="rect">
+            <a:avLst/>
+          </a:prstGeom>
+        </p:spPr>
+      </p:pic>
       <p:sp>
         <p:nvSpPr>
-          <p:cNvPr id="3" name="椭圆 2"/>
+          <p:cNvPr id="9" name="椭圆 8"/>
           <p:cNvSpPr/>
           <p:nvPr/>
         </p:nvSpPr>
@@ -15008,7 +15372,6 @@
         </p:style>
         <p:txBody>
           <a:bodyPr rtlCol="0" anchor="ctr"/>
-          <a:lstStyle/>
           <a:p>
             <a:pPr algn="ctr"/>
             <a:endParaRPr lang="zh-CN" altLang="en-US"/>
@@ -15017,7 +15380,7 @@
       </p:sp>
       <p:sp>
         <p:nvSpPr>
-          <p:cNvPr id="4" name="文本框 3"/>
+          <p:cNvPr id="10" name="文本框 9"/>
           <p:cNvSpPr txBox="1"/>
           <p:nvPr/>
         </p:nvSpPr>
@@ -15035,7 +15398,6 @@
           <a:bodyPr wrap="none" rtlCol="0">
             <a:spAutoFit/>
           </a:bodyPr>
-          <a:lstStyle/>
           <a:p>
             <a:r>
               <a:rPr lang="en-US" altLang="zh-CN" sz="2400" dirty="0" smtClean="0">
@@ -15060,13 +15422,13 @@
       </p:sp>
       <p:sp>
         <p:nvSpPr>
-          <p:cNvPr id="6" name="圆角矩形 5"/>
+          <p:cNvPr id="11" name="圆角矩形 10"/>
           <p:cNvSpPr/>
           <p:nvPr/>
         </p:nvSpPr>
         <p:spPr>
           <a:xfrm>
-            <a:off x="6000750" y="966470"/>
+            <a:off x="6217285" y="750570"/>
             <a:ext cx="2091055" cy="1109980"/>
           </a:xfrm>
           <a:prstGeom prst="roundRect">
@@ -15097,13 +15459,13 @@
       </p:sp>
       <p:sp>
         <p:nvSpPr>
-          <p:cNvPr id="7" name="文本框 6"/>
+          <p:cNvPr id="12" name="文本框 11"/>
           <p:cNvSpPr txBox="1"/>
           <p:nvPr/>
         </p:nvSpPr>
         <p:spPr>
           <a:xfrm>
-            <a:off x="6140450" y="1198880"/>
+            <a:off x="6356985" y="982980"/>
             <a:ext cx="1859280" cy="645160"/>
           </a:xfrm>
           <a:prstGeom prst="rect">
@@ -15131,14 +15493,51 @@
       </p:sp>
       <p:sp>
         <p:nvSpPr>
-          <p:cNvPr id="5" name="文本框 4"/>
+          <p:cNvPr id="13" name="圆角矩形 12"/>
+          <p:cNvSpPr/>
+          <p:nvPr/>
+        </p:nvSpPr>
+        <p:spPr>
+          <a:xfrm>
+            <a:off x="9424035" y="1388110"/>
+            <a:ext cx="2091055" cy="5310505"/>
+          </a:xfrm>
+          <a:prstGeom prst="roundRect">
+            <a:avLst/>
+          </a:prstGeom>
+        </p:spPr>
+        <p:style>
+          <a:lnRef idx="2">
+            <a:schemeClr val="accent6"/>
+          </a:lnRef>
+          <a:fillRef idx="1">
+            <a:schemeClr val="lt1"/>
+          </a:fillRef>
+          <a:effectRef idx="0">
+            <a:schemeClr val="accent6"/>
+          </a:effectRef>
+          <a:fontRef idx="minor">
+            <a:schemeClr val="dk1"/>
+          </a:fontRef>
+        </p:style>
+        <p:txBody>
+          <a:bodyPr rtlCol="0" anchor="ctr"/>
+          <a:p>
+            <a:pPr algn="ctr"/>
+            <a:endParaRPr lang="zh-CN" altLang="en-US"/>
+          </a:p>
+        </p:txBody>
+      </p:sp>
+      <p:sp>
+        <p:nvSpPr>
+          <p:cNvPr id="14" name="文本框 13"/>
           <p:cNvSpPr txBox="1"/>
           <p:nvPr/>
         </p:nvSpPr>
         <p:spPr>
           <a:xfrm>
-            <a:off x="4894580" y="3779520"/>
-            <a:ext cx="868680" cy="368300"/>
+            <a:off x="9540240" y="1504950"/>
+            <a:ext cx="1859280" cy="5077460"/>
           </a:xfrm>
           <a:prstGeom prst="rect">
             <a:avLst/>
@@ -15146,13 +15545,22 @@
           <a:noFill/>
         </p:spPr>
         <p:txBody>
-          <a:bodyPr wrap="none" rtlCol="0">
+          <a:bodyPr wrap="square" rtlCol="0">
             <a:spAutoFit/>
           </a:bodyPr>
           <a:p>
+            <a:pPr algn="just">
+              <a:lnSpc>
+                <a:spcPct val="150000"/>
+              </a:lnSpc>
+            </a:pPr>
             <a:r>
               <a:rPr lang="zh-CN" altLang="en-US"/>
-              <a:t>流程图</a:t>
+              <a:t>对于返回来说，具体实现思路与进入详情页的实现思路一致，做法也和页面入栈时候一致，但是，在返回时候下拉动作时候是有一个不透明度的变化的需求，这一部分对代码进行具体</a:t>
+            </a:r>
+            <a:r>
+              <a:rPr lang="zh-CN" altLang="en-US"/>
+              <a:t>的加工处理</a:t>
             </a:r>
             <a:endParaRPr lang="zh-CN" altLang="en-US"/>
           </a:p>
@@ -15197,7 +15605,7 @@
                                           </p:stCondLst>
                                         </p:cTn>
                                         <p:tgtEl>
-                                          <p:spTgt spid="3"/>
+                                          <p:spTgt spid="9"/>
                                         </p:tgtEl>
                                         <p:attrNameLst>
                                           <p:attrName>style.visibility</p:attrName>
@@ -15211,7 +15619,7 @@
                                       <p:cBhvr>
                                         <p:cTn id="7" dur="500"/>
                                         <p:tgtEl>
-                                          <p:spTgt spid="3"/>
+                                          <p:spTgt spid="9"/>
                                         </p:tgtEl>
                                       </p:cBhvr>
                                     </p:animEffect>
@@ -15232,7 +15640,7 @@
                                           </p:stCondLst>
                                         </p:cTn>
                                         <p:tgtEl>
-                                          <p:spTgt spid="4"/>
+                                          <p:spTgt spid="10"/>
                                         </p:tgtEl>
                                         <p:attrNameLst>
                                           <p:attrName>style.visibility</p:attrName>
@@ -15246,7 +15654,7 @@
                                       <p:cBhvr>
                                         <p:cTn id="10" dur="500"/>
                                         <p:tgtEl>
-                                          <p:spTgt spid="4"/>
+                                          <p:spTgt spid="10"/>
                                         </p:tgtEl>
                                       </p:cBhvr>
                                     </p:animEffect>
@@ -15285,7 +15693,7 @@
                                           </p:stCondLst>
                                         </p:cTn>
                                         <p:tgtEl>
-                                          <p:spTgt spid="6"/>
+                                          <p:spTgt spid="11"/>
                                         </p:tgtEl>
                                         <p:attrNameLst>
                                           <p:attrName>style.visibility</p:attrName>
@@ -15312,7 +15720,7 @@
                                           </p:stCondLst>
                                         </p:cTn>
                                         <p:tgtEl>
-                                          <p:spTgt spid="7"/>
+                                          <p:spTgt spid="12"/>
                                         </p:tgtEl>
                                         <p:attrNameLst>
                                           <p:attrName>style.visibility</p:attrName>
@@ -15322,6 +15730,223 @@
                                         <p:strVal val="visible"/>
                                       </p:to>
                                     </p:set>
+                                  </p:childTnLst>
+                                </p:cTn>
+                              </p:par>
+                            </p:childTnLst>
+                          </p:cTn>
+                        </p:par>
+                      </p:childTnLst>
+                    </p:cTn>
+                  </p:par>
+                  <p:par>
+                    <p:cTn id="17" fill="hold">
+                      <p:stCondLst>
+                        <p:cond delay="indefinite"/>
+                      </p:stCondLst>
+                      <p:childTnLst>
+                        <p:par>
+                          <p:cTn id="18" fill="hold">
+                            <p:stCondLst>
+                              <p:cond delay="0"/>
+                            </p:stCondLst>
+                            <p:childTnLst>
+                              <p:par>
+                                <p:cTn id="19" presetID="22" presetClass="entr" presetSubtype="8" fill="hold" nodeType="clickEffect">
+                                  <p:stCondLst>
+                                    <p:cond delay="0"/>
+                                  </p:stCondLst>
+                                  <p:childTnLst>
+                                    <p:set>
+                                      <p:cBhvr>
+                                        <p:cTn id="20" dur="1" fill="hold">
+                                          <p:stCondLst>
+                                            <p:cond delay="0"/>
+                                          </p:stCondLst>
+                                        </p:cTn>
+                                        <p:tgtEl>
+                                          <p:spTgt spid="8"/>
+                                        </p:tgtEl>
+                                        <p:attrNameLst>
+                                          <p:attrName>style.visibility</p:attrName>
+                                        </p:attrNameLst>
+                                      </p:cBhvr>
+                                      <p:to>
+                                        <p:strVal val="visible"/>
+                                      </p:to>
+                                    </p:set>
+                                    <p:animEffect transition="in" filter="wipe(left)">
+                                      <p:cBhvr>
+                                        <p:cTn id="21" dur="500"/>
+                                        <p:tgtEl>
+                                          <p:spTgt spid="8"/>
+                                        </p:tgtEl>
+                                      </p:cBhvr>
+                                    </p:animEffect>
+                                  </p:childTnLst>
+                                </p:cTn>
+                              </p:par>
+                            </p:childTnLst>
+                          </p:cTn>
+                        </p:par>
+                      </p:childTnLst>
+                    </p:cTn>
+                  </p:par>
+                  <p:par>
+                    <p:cTn id="22" fill="hold">
+                      <p:stCondLst>
+                        <p:cond delay="indefinite"/>
+                      </p:stCondLst>
+                      <p:childTnLst>
+                        <p:par>
+                          <p:cTn id="23" fill="hold">
+                            <p:stCondLst>
+                              <p:cond delay="0"/>
+                            </p:stCondLst>
+                            <p:childTnLst>
+                              <p:par>
+                                <p:cTn id="24" presetID="2" presetClass="entr" presetSubtype="4" fill="hold" grpId="0" nodeType="clickEffect">
+                                  <p:stCondLst>
+                                    <p:cond delay="0"/>
+                                  </p:stCondLst>
+                                  <p:childTnLst>
+                                    <p:set>
+                                      <p:cBhvr>
+                                        <p:cTn id="25" dur="1" fill="hold">
+                                          <p:stCondLst>
+                                            <p:cond delay="0"/>
+                                          </p:stCondLst>
+                                        </p:cTn>
+                                        <p:tgtEl>
+                                          <p:spTgt spid="13"/>
+                                        </p:tgtEl>
+                                        <p:attrNameLst>
+                                          <p:attrName>style.visibility</p:attrName>
+                                        </p:attrNameLst>
+                                      </p:cBhvr>
+                                      <p:to>
+                                        <p:strVal val="visible"/>
+                                      </p:to>
+                                    </p:set>
+                                    <p:anim calcmode="lin" valueType="num">
+                                      <p:cBhvr additive="base">
+                                        <p:cTn id="26" dur="500" fill="hold"/>
+                                        <p:tgtEl>
+                                          <p:spTgt spid="13"/>
+                                        </p:tgtEl>
+                                        <p:attrNameLst>
+                                          <p:attrName>ppt_x</p:attrName>
+                                        </p:attrNameLst>
+                                      </p:cBhvr>
+                                      <p:tavLst>
+                                        <p:tav tm="0">
+                                          <p:val>
+                                            <p:strVal val="#ppt_x"/>
+                                          </p:val>
+                                        </p:tav>
+                                        <p:tav tm="100000">
+                                          <p:val>
+                                            <p:strVal val="#ppt_x"/>
+                                          </p:val>
+                                        </p:tav>
+                                      </p:tavLst>
+                                    </p:anim>
+                                    <p:anim calcmode="lin" valueType="num">
+                                      <p:cBhvr additive="base">
+                                        <p:cTn id="27" dur="500" fill="hold"/>
+                                        <p:tgtEl>
+                                          <p:spTgt spid="13"/>
+                                        </p:tgtEl>
+                                        <p:attrNameLst>
+                                          <p:attrName>ppt_y</p:attrName>
+                                        </p:attrNameLst>
+                                      </p:cBhvr>
+                                      <p:tavLst>
+                                        <p:tav tm="0">
+                                          <p:val>
+                                            <p:strVal val="1+#ppt_h/2"/>
+                                          </p:val>
+                                        </p:tav>
+                                        <p:tav tm="100000">
+                                          <p:val>
+                                            <p:strVal val="#ppt_y"/>
+                                          </p:val>
+                                        </p:tav>
+                                      </p:tavLst>
+                                    </p:anim>
+                                  </p:childTnLst>
+                                </p:cTn>
+                              </p:par>
+                              <p:par>
+                                <p:cTn id="28" presetID="2" presetClass="entr" presetSubtype="4" fill="hold" grpId="0" nodeType="withEffect">
+                                  <p:stCondLst>
+                                    <p:cond delay="0"/>
+                                  </p:stCondLst>
+                                  <p:childTnLst>
+                                    <p:set>
+                                      <p:cBhvr>
+                                        <p:cTn id="29" dur="1" fill="hold">
+                                          <p:stCondLst>
+                                            <p:cond delay="0"/>
+                                          </p:stCondLst>
+                                        </p:cTn>
+                                        <p:tgtEl>
+                                          <p:spTgt spid="14"/>
+                                        </p:tgtEl>
+                                        <p:attrNameLst>
+                                          <p:attrName>style.visibility</p:attrName>
+                                        </p:attrNameLst>
+                                      </p:cBhvr>
+                                      <p:to>
+                                        <p:strVal val="visible"/>
+                                      </p:to>
+                                    </p:set>
+                                    <p:anim calcmode="lin" valueType="num">
+                                      <p:cBhvr additive="base">
+                                        <p:cTn id="30" dur="500" fill="hold"/>
+                                        <p:tgtEl>
+                                          <p:spTgt spid="14"/>
+                                        </p:tgtEl>
+                                        <p:attrNameLst>
+                                          <p:attrName>ppt_x</p:attrName>
+                                        </p:attrNameLst>
+                                      </p:cBhvr>
+                                      <p:tavLst>
+                                        <p:tav tm="0">
+                                          <p:val>
+                                            <p:strVal val="#ppt_x"/>
+                                          </p:val>
+                                        </p:tav>
+                                        <p:tav tm="100000">
+                                          <p:val>
+                                            <p:strVal val="#ppt_x"/>
+                                          </p:val>
+                                        </p:tav>
+                                      </p:tavLst>
+                                    </p:anim>
+                                    <p:anim calcmode="lin" valueType="num">
+                                      <p:cBhvr additive="base">
+                                        <p:cTn id="31" dur="500" fill="hold"/>
+                                        <p:tgtEl>
+                                          <p:spTgt spid="14"/>
+                                        </p:tgtEl>
+                                        <p:attrNameLst>
+                                          <p:attrName>ppt_y</p:attrName>
+                                        </p:attrNameLst>
+                                      </p:cBhvr>
+                                      <p:tavLst>
+                                        <p:tav tm="0">
+                                          <p:val>
+                                            <p:strVal val="1+#ppt_h/2"/>
+                                          </p:val>
+                                        </p:tav>
+                                        <p:tav tm="100000">
+                                          <p:val>
+                                            <p:strVal val="#ppt_y"/>
+                                          </p:val>
+                                        </p:tav>
+                                      </p:tavLst>
+                                    </p:anim>
                                   </p:childTnLst>
                                 </p:cTn>
                               </p:par>
@@ -15353,14 +15978,18 @@
       </p:par>
     </p:tnLst>
     <p:bldLst>
-      <p:bldP spid="3" grpId="0" bldLvl="0" animBg="1"/>
-      <p:bldP spid="4" grpId="0"/>
-      <p:bldP spid="3" grpId="1" animBg="1"/>
-      <p:bldP spid="4" grpId="1"/>
-      <p:bldP spid="6" grpId="0" bldLvl="0" animBg="1"/>
-      <p:bldP spid="7" grpId="0"/>
-      <p:bldP spid="6" grpId="1" animBg="1"/>
-      <p:bldP spid="7" grpId="1"/>
+      <p:bldP spid="9" grpId="0" bldLvl="0" animBg="1"/>
+      <p:bldP spid="10" grpId="0"/>
+      <p:bldP spid="9" grpId="1" animBg="1"/>
+      <p:bldP spid="10" grpId="1"/>
+      <p:bldP spid="11" grpId="0" bldLvl="0" animBg="1"/>
+      <p:bldP spid="12" grpId="0"/>
+      <p:bldP spid="11" grpId="1" animBg="1"/>
+      <p:bldP spid="12" grpId="1"/>
+      <p:bldP spid="13" grpId="0" bldLvl="0" animBg="1"/>
+      <p:bldP spid="14" grpId="0"/>
+      <p:bldP spid="13" grpId="1" animBg="1"/>
+      <p:bldP spid="14" grpId="1"/>
     </p:bldLst>
   </p:timing>
 </p:sld>
@@ -15539,7 +16168,7 @@
         <p:spPr>
           <a:xfrm>
             <a:off x="6140450" y="1198880"/>
-            <a:ext cx="1859280" cy="645160"/>
+            <a:ext cx="1859280" cy="368300"/>
           </a:xfrm>
           <a:prstGeom prst="rect">
             <a:avLst/>
@@ -15554,44 +16183,11 @@
             <a:pPr algn="ctr"/>
             <a:r>
               <a:rPr lang="zh-CN" altLang="en-US"/>
-              <a:t>点击卡片动画</a:t>
+              <a:t>最终效果</a:t>
             </a:r>
             <a:r>
               <a:rPr lang="zh-CN" altLang="en-US"/>
-              <a:t>实现思路</a:t>
-            </a:r>
-            <a:endParaRPr lang="zh-CN" altLang="en-US"/>
-          </a:p>
-        </p:txBody>
-      </p:sp>
-      <p:sp>
-        <p:nvSpPr>
-          <p:cNvPr id="5" name="文本框 4"/>
-          <p:cNvSpPr txBox="1"/>
-          <p:nvPr/>
-        </p:nvSpPr>
-        <p:spPr>
-          <a:xfrm>
-            <a:off x="4293870" y="3982720"/>
-            <a:ext cx="2011680" cy="368300"/>
-          </a:xfrm>
-          <a:prstGeom prst="rect">
-            <a:avLst/>
-          </a:prstGeom>
-          <a:noFill/>
-        </p:spPr>
-        <p:txBody>
-          <a:bodyPr wrap="none" rtlCol="0">
-            <a:spAutoFit/>
-          </a:bodyPr>
-          <a:p>
-            <a:r>
-              <a:rPr lang="zh-CN" altLang="en-US"/>
-              <a:t>类里面的</a:t>
-            </a:r>
-            <a:r>
-              <a:rPr lang="zh-CN" altLang="en-US"/>
-              <a:t>具体实现</a:t>
+              <a:t>对比</a:t>
             </a:r>
             <a:endParaRPr lang="zh-CN" altLang="en-US"/>
           </a:p>
@@ -15824,6 +16420,715 @@
       </p:grpSpPr>
       <p:sp>
         <p:nvSpPr>
+          <p:cNvPr id="18" name="任意多边形 17"/>
+          <p:cNvSpPr/>
+          <p:nvPr/>
+        </p:nvSpPr>
+        <p:spPr>
+          <a:xfrm>
+            <a:off x="0" y="1819050"/>
+            <a:ext cx="12192000" cy="5038950"/>
+          </a:xfrm>
+          <a:custGeom>
+            <a:avLst/>
+            <a:gdLst>
+              <a:gd name="connsiteX0" fmla="*/ 6096000 w 12192000"/>
+              <a:gd name="connsiteY0" fmla="*/ 0 h 5038950"/>
+              <a:gd name="connsiteX1" fmla="*/ 11962081 w 12192000"/>
+              <a:gd name="connsiteY1" fmla="*/ 2596344 h 5038950"/>
+              <a:gd name="connsiteX2" fmla="*/ 12192000 w 12192000"/>
+              <a:gd name="connsiteY2" fmla="*/ 2861771 h 5038950"/>
+              <a:gd name="connsiteX3" fmla="*/ 12192000 w 12192000"/>
+              <a:gd name="connsiteY3" fmla="*/ 5038950 h 5038950"/>
+              <a:gd name="connsiteX4" fmla="*/ 0 w 12192000"/>
+              <a:gd name="connsiteY4" fmla="*/ 5038950 h 5038950"/>
+              <a:gd name="connsiteX5" fmla="*/ 0 w 12192000"/>
+              <a:gd name="connsiteY5" fmla="*/ 2861772 h 5038950"/>
+              <a:gd name="connsiteX6" fmla="*/ 229920 w 12192000"/>
+              <a:gd name="connsiteY6" fmla="*/ 2596344 h 5038950"/>
+              <a:gd name="connsiteX7" fmla="*/ 6096000 w 12192000"/>
+              <a:gd name="connsiteY7" fmla="*/ 0 h 5038950"/>
+            </a:gdLst>
+            <a:ahLst/>
+            <a:cxnLst>
+              <a:cxn ang="0">
+                <a:pos x="connsiteX0" y="connsiteY0"/>
+              </a:cxn>
+              <a:cxn ang="0">
+                <a:pos x="connsiteX1" y="connsiteY1"/>
+              </a:cxn>
+              <a:cxn ang="0">
+                <a:pos x="connsiteX2" y="connsiteY2"/>
+              </a:cxn>
+              <a:cxn ang="0">
+                <a:pos x="connsiteX3" y="connsiteY3"/>
+              </a:cxn>
+              <a:cxn ang="0">
+                <a:pos x="connsiteX4" y="connsiteY4"/>
+              </a:cxn>
+              <a:cxn ang="0">
+                <a:pos x="connsiteX5" y="connsiteY5"/>
+              </a:cxn>
+              <a:cxn ang="0">
+                <a:pos x="connsiteX6" y="connsiteY6"/>
+              </a:cxn>
+              <a:cxn ang="0">
+                <a:pos x="connsiteX7" y="connsiteY7"/>
+              </a:cxn>
+            </a:cxnLst>
+            <a:rect l="l" t="t" r="r" b="b"/>
+            <a:pathLst>
+              <a:path w="12192000" h="5038950">
+                <a:moveTo>
+                  <a:pt x="6096000" y="0"/>
+                </a:moveTo>
+                <a:cubicBezTo>
+                  <a:pt x="8421146" y="0"/>
+                  <a:pt x="10512414" y="1001355"/>
+                  <a:pt x="11962081" y="2596344"/>
+                </a:cubicBezTo>
+                <a:lnTo>
+                  <a:pt x="12192000" y="2861771"/>
+                </a:lnTo>
+                <a:lnTo>
+                  <a:pt x="12192000" y="5038950"/>
+                </a:lnTo>
+                <a:lnTo>
+                  <a:pt x="0" y="5038950"/>
+                </a:lnTo>
+                <a:lnTo>
+                  <a:pt x="0" y="2861772"/>
+                </a:lnTo>
+                <a:lnTo>
+                  <a:pt x="229920" y="2596344"/>
+                </a:lnTo>
+                <a:cubicBezTo>
+                  <a:pt x="1679587" y="1001355"/>
+                  <a:pt x="3770854" y="0"/>
+                  <a:pt x="6096000" y="0"/>
+                </a:cubicBezTo>
+                <a:close/>
+              </a:path>
+            </a:pathLst>
+          </a:custGeom>
+          <a:gradFill>
+            <a:gsLst>
+              <a:gs pos="0">
+                <a:srgbClr val="0068B1">
+                  <a:alpha val="10000"/>
+                </a:srgbClr>
+              </a:gs>
+              <a:gs pos="100000">
+                <a:srgbClr val="4CB3FC">
+                  <a:alpha val="10000"/>
+                </a:srgbClr>
+              </a:gs>
+            </a:gsLst>
+            <a:lin ang="10200000" scaled="0"/>
+          </a:gradFill>
+          <a:ln>
+            <a:noFill/>
+          </a:ln>
+        </p:spPr>
+        <p:style>
+          <a:lnRef idx="2">
+            <a:schemeClr val="accent1">
+              <a:shade val="50000"/>
+            </a:schemeClr>
+          </a:lnRef>
+          <a:fillRef idx="1">
+            <a:schemeClr val="accent1"/>
+          </a:fillRef>
+          <a:effectRef idx="0">
+            <a:schemeClr val="accent1"/>
+          </a:effectRef>
+          <a:fontRef idx="minor">
+            <a:schemeClr val="lt1"/>
+          </a:fontRef>
+        </p:style>
+        <p:txBody>
+          <a:bodyPr rtlCol="0" anchor="ctr"/>
+          <a:lstStyle/>
+          <a:p>
+            <a:pPr algn="ctr"/>
+            <a:endParaRPr lang="zh-CN" altLang="en-US">
+              <a:solidFill>
+                <a:schemeClr val="tx1"/>
+              </a:solidFill>
+            </a:endParaRPr>
+          </a:p>
+        </p:txBody>
+      </p:sp>
+      <p:pic>
+        <p:nvPicPr>
+          <p:cNvPr id="5" name="图片 4"/>
+          <p:cNvPicPr>
+            <a:picLocks noChangeAspect="1"/>
+          </p:cNvPicPr>
+          <p:nvPr/>
+        </p:nvPicPr>
+        <p:blipFill>
+          <a:blip r:embed="rId1"/>
+          <a:stretch>
+            <a:fillRect/>
+          </a:stretch>
+        </p:blipFill>
+        <p:spPr>
+          <a:xfrm>
+            <a:off x="7138134" y="60968"/>
+            <a:ext cx="2238095" cy="600000"/>
+          </a:xfrm>
+          <a:prstGeom prst="rect">
+            <a:avLst/>
+          </a:prstGeom>
+        </p:spPr>
+      </p:pic>
+      <p:sp>
+        <p:nvSpPr>
+          <p:cNvPr id="15" name="任意多边形 14"/>
+          <p:cNvSpPr/>
+          <p:nvPr/>
+        </p:nvSpPr>
+        <p:spPr>
+          <a:xfrm>
+            <a:off x="0" y="0"/>
+            <a:ext cx="12192000" cy="2322286"/>
+          </a:xfrm>
+          <a:custGeom>
+            <a:avLst/>
+            <a:gdLst>
+              <a:gd name="connsiteX0" fmla="*/ 0 w 12192000"/>
+              <a:gd name="connsiteY0" fmla="*/ 0 h 2178994"/>
+              <a:gd name="connsiteX1" fmla="*/ 12192000 w 12192000"/>
+              <a:gd name="connsiteY1" fmla="*/ 0 h 2178994"/>
+              <a:gd name="connsiteX2" fmla="*/ 12192000 w 12192000"/>
+              <a:gd name="connsiteY2" fmla="*/ 259990 h 2178994"/>
+              <a:gd name="connsiteX3" fmla="*/ 11913299 w 12192000"/>
+              <a:gd name="connsiteY3" fmla="*/ 458843 h 2178994"/>
+              <a:gd name="connsiteX4" fmla="*/ 6096000 w 12192000"/>
+              <a:gd name="connsiteY4" fmla="*/ 2178994 h 2178994"/>
+              <a:gd name="connsiteX5" fmla="*/ 278702 w 12192000"/>
+              <a:gd name="connsiteY5" fmla="*/ 458843 h 2178994"/>
+              <a:gd name="connsiteX6" fmla="*/ 0 w 12192000"/>
+              <a:gd name="connsiteY6" fmla="*/ 259991 h 2178994"/>
+            </a:gdLst>
+            <a:ahLst/>
+            <a:cxnLst>
+              <a:cxn ang="0">
+                <a:pos x="connsiteX0" y="connsiteY0"/>
+              </a:cxn>
+              <a:cxn ang="0">
+                <a:pos x="connsiteX1" y="connsiteY1"/>
+              </a:cxn>
+              <a:cxn ang="0">
+                <a:pos x="connsiteX2" y="connsiteY2"/>
+              </a:cxn>
+              <a:cxn ang="0">
+                <a:pos x="connsiteX3" y="connsiteY3"/>
+              </a:cxn>
+              <a:cxn ang="0">
+                <a:pos x="connsiteX4" y="connsiteY4"/>
+              </a:cxn>
+              <a:cxn ang="0">
+                <a:pos x="connsiteX5" y="connsiteY5"/>
+              </a:cxn>
+              <a:cxn ang="0">
+                <a:pos x="connsiteX6" y="connsiteY6"/>
+              </a:cxn>
+            </a:cxnLst>
+            <a:rect l="l" t="t" r="r" b="b"/>
+            <a:pathLst>
+              <a:path w="12192000" h="2178994">
+                <a:moveTo>
+                  <a:pt x="0" y="0"/>
+                </a:moveTo>
+                <a:lnTo>
+                  <a:pt x="12192000" y="0"/>
+                </a:lnTo>
+                <a:lnTo>
+                  <a:pt x="12192000" y="259990"/>
+                </a:lnTo>
+                <a:lnTo>
+                  <a:pt x="11913299" y="458843"/>
+                </a:lnTo>
+                <a:cubicBezTo>
+                  <a:pt x="10332441" y="1533457"/>
+                  <a:pt x="8305744" y="2178994"/>
+                  <a:pt x="6096000" y="2178994"/>
+                </a:cubicBezTo>
+                <a:cubicBezTo>
+                  <a:pt x="3886256" y="2178994"/>
+                  <a:pt x="1859559" y="1533457"/>
+                  <a:pt x="278702" y="458843"/>
+                </a:cubicBezTo>
+                <a:lnTo>
+                  <a:pt x="0" y="259991"/>
+                </a:lnTo>
+                <a:close/>
+              </a:path>
+            </a:pathLst>
+          </a:custGeom>
+          <a:gradFill>
+            <a:gsLst>
+              <a:gs pos="0">
+                <a:srgbClr val="0068B1"/>
+              </a:gs>
+              <a:gs pos="100000">
+                <a:srgbClr val="4CB3FC"/>
+              </a:gs>
+            </a:gsLst>
+            <a:lin ang="5400000" scaled="0"/>
+          </a:gradFill>
+          <a:ln>
+            <a:noFill/>
+          </a:ln>
+        </p:spPr>
+        <p:style>
+          <a:lnRef idx="2">
+            <a:schemeClr val="accent1">
+              <a:shade val="50000"/>
+            </a:schemeClr>
+          </a:lnRef>
+          <a:fillRef idx="1">
+            <a:schemeClr val="accent1"/>
+          </a:fillRef>
+          <a:effectRef idx="0">
+            <a:schemeClr val="accent1"/>
+          </a:effectRef>
+          <a:fontRef idx="minor">
+            <a:schemeClr val="lt1"/>
+          </a:fontRef>
+        </p:style>
+        <p:txBody>
+          <a:bodyPr rtlCol="0" anchor="ctr"/>
+          <a:lstStyle/>
+          <a:p>
+            <a:pPr algn="ctr"/>
+            <a:endParaRPr lang="zh-CN" altLang="en-US">
+              <a:solidFill>
+                <a:schemeClr val="tx1"/>
+              </a:solidFill>
+            </a:endParaRPr>
+          </a:p>
+        </p:txBody>
+      </p:sp>
+      <p:sp>
+        <p:nvSpPr>
+          <p:cNvPr id="10" name="标题 9"/>
+          <p:cNvSpPr>
+            <a:spLocks noGrp="1"/>
+          </p:cNvSpPr>
+          <p:nvPr>
+            <p:ph type="title"/>
+          </p:nvPr>
+        </p:nvSpPr>
+        <p:spPr>
+          <a:xfrm>
+            <a:off x="4998357" y="535366"/>
+            <a:ext cx="2195286" cy="1148820"/>
+          </a:xfrm>
+        </p:spPr>
+        <p:txBody>
+          <a:bodyPr>
+            <a:normAutofit/>
+          </a:bodyPr>
+          <a:lstStyle/>
+          <a:p>
+            <a:pPr algn="ctr"/>
+            <a:r>
+              <a:rPr lang="zh-CN" altLang="en-US" sz="6000" b="1" spc="600" dirty="0" smtClean="0">
+                <a:solidFill>
+                  <a:schemeClr val="bg1"/>
+                </a:solidFill>
+                <a:latin typeface="微软雅黑" panose="020B0503020204020204" pitchFamily="34" charset="-122"/>
+                <a:ea typeface="微软雅黑" panose="020B0503020204020204" pitchFamily="34" charset="-122"/>
+              </a:rPr>
+              <a:t>目录</a:t>
+            </a:r>
+            <a:endParaRPr lang="zh-CN" altLang="en-US" sz="6000" b="1" spc="600" dirty="0">
+              <a:solidFill>
+                <a:schemeClr val="bg1"/>
+              </a:solidFill>
+              <a:latin typeface="微软雅黑" panose="020B0503020204020204" pitchFamily="34" charset="-122"/>
+              <a:ea typeface="微软雅黑" panose="020B0503020204020204" pitchFamily="34" charset="-122"/>
+            </a:endParaRPr>
+          </a:p>
+        </p:txBody>
+      </p:sp>
+      <p:sp>
+        <p:nvSpPr>
+          <p:cNvPr id="16" name="标题 9"/>
+          <p:cNvSpPr txBox="1"/>
+          <p:nvPr/>
+        </p:nvSpPr>
+        <p:spPr>
+          <a:xfrm>
+            <a:off x="4998357" y="1360755"/>
+            <a:ext cx="2195286" cy="1148820"/>
+          </a:xfrm>
+          <a:prstGeom prst="rect">
+            <a:avLst/>
+          </a:prstGeom>
+        </p:spPr>
+        <p:txBody>
+          <a:bodyPr vert="horz" lIns="91440" tIns="45720" rIns="91440" bIns="45720" rtlCol="0" anchor="ctr">
+            <a:normAutofit/>
+          </a:bodyPr>
+          <a:lstStyle>
+            <a:lvl1pPr algn="l" defTabSz="914400" rtl="0" eaLnBrk="1" latinLnBrk="0" hangingPunct="1">
+              <a:lnSpc>
+                <a:spcPct val="90000"/>
+              </a:lnSpc>
+              <a:spcBef>
+                <a:spcPct val="0"/>
+              </a:spcBef>
+              <a:buNone/>
+              <a:defRPr sz="4400" kern="1200">
+                <a:solidFill>
+                  <a:schemeClr val="tx1"/>
+                </a:solidFill>
+                <a:latin typeface="+mj-lt"/>
+                <a:ea typeface="+mj-ea"/>
+                <a:cs typeface="+mj-cs"/>
+              </a:defRPr>
+            </a:lvl1pPr>
+          </a:lstStyle>
+          <a:p>
+            <a:pPr algn="ctr"/>
+            <a:r>
+              <a:rPr lang="en-US" altLang="zh-CN" sz="2800" dirty="0" smtClean="0">
+                <a:solidFill>
+                  <a:schemeClr val="bg1"/>
+                </a:solidFill>
+                <a:latin typeface="微软雅黑" panose="020B0503020204020204" pitchFamily="34" charset="-122"/>
+                <a:ea typeface="微软雅黑" panose="020B0503020204020204" pitchFamily="34" charset="-122"/>
+              </a:rPr>
+              <a:t>CONTENT</a:t>
+            </a:r>
+            <a:endParaRPr lang="zh-CN" altLang="en-US" sz="2800" dirty="0">
+              <a:solidFill>
+                <a:schemeClr val="bg1"/>
+              </a:solidFill>
+              <a:latin typeface="微软雅黑" panose="020B0503020204020204" pitchFamily="34" charset="-122"/>
+              <a:ea typeface="微软雅黑" panose="020B0503020204020204" pitchFamily="34" charset="-122"/>
+            </a:endParaRPr>
+          </a:p>
+        </p:txBody>
+      </p:sp>
+      <p:sp>
+        <p:nvSpPr>
+          <p:cNvPr id="19" name="标题 1"/>
+          <p:cNvSpPr txBox="1"/>
+          <p:nvPr/>
+        </p:nvSpPr>
+        <p:spPr>
+          <a:xfrm>
+            <a:off x="4509842" y="2857652"/>
+            <a:ext cx="3657128" cy="756256"/>
+          </a:xfrm>
+          <a:prstGeom prst="rect">
+            <a:avLst/>
+          </a:prstGeom>
+        </p:spPr>
+        <p:txBody>
+          <a:bodyPr vert="horz" lIns="91440" tIns="45720" rIns="91440" bIns="45720" rtlCol="0" anchor="ctr">
+            <a:normAutofit fontScale="92500"/>
+          </a:bodyPr>
+          <a:lstStyle>
+            <a:lvl1pPr algn="l" defTabSz="914400" rtl="0" eaLnBrk="1" latinLnBrk="0" hangingPunct="1">
+              <a:lnSpc>
+                <a:spcPct val="90000"/>
+              </a:lnSpc>
+              <a:spcBef>
+                <a:spcPct val="0"/>
+              </a:spcBef>
+              <a:buNone/>
+              <a:defRPr sz="4400" kern="1200">
+                <a:solidFill>
+                  <a:schemeClr val="tx1"/>
+                </a:solidFill>
+                <a:latin typeface="+mj-lt"/>
+                <a:ea typeface="+mj-ea"/>
+                <a:cs typeface="+mj-cs"/>
+              </a:defRPr>
+            </a:lvl1pPr>
+          </a:lstStyle>
+          <a:p>
+            <a:r>
+              <a:rPr lang="en-US" altLang="zh-CN" sz="2800" b="1" dirty="0" smtClean="0">
+                <a:solidFill>
+                  <a:srgbClr val="0068B1"/>
+                </a:solidFill>
+                <a:latin typeface="微软雅黑" panose="020B0503020204020204" pitchFamily="34" charset="-122"/>
+                <a:ea typeface="微软雅黑" panose="020B0503020204020204" pitchFamily="34" charset="-122"/>
+              </a:rPr>
+              <a:t>2.1</a:t>
+            </a:r>
+            <a:r>
+              <a:rPr lang="en-US" altLang="zh-CN" sz="2800" b="1" dirty="0" smtClean="0">
+                <a:solidFill>
+                  <a:srgbClr val="0068B1"/>
+                </a:solidFill>
+                <a:latin typeface="微软雅黑" panose="020B0503020204020204" pitchFamily="34" charset="-122"/>
+                <a:ea typeface="微软雅黑" panose="020B0503020204020204" pitchFamily="34" charset="-122"/>
+              </a:rPr>
+              <a:t>  </a:t>
+            </a:r>
+            <a:r>
+              <a:rPr lang="zh-CN" altLang="en-US" sz="2800" b="1" dirty="0">
+                <a:solidFill>
+                  <a:srgbClr val="0068B1"/>
+                </a:solidFill>
+                <a:latin typeface="微软雅黑" panose="020B0503020204020204" pitchFamily="34" charset="-122"/>
+                <a:ea typeface="微软雅黑" panose="020B0503020204020204" pitchFamily="34" charset="-122"/>
+              </a:rPr>
+              <a:t>长</a:t>
+            </a:r>
+            <a:r>
+              <a:rPr lang="zh-CN" altLang="en-US" sz="2800" b="1" dirty="0" smtClean="0">
+                <a:solidFill>
+                  <a:srgbClr val="0068B1"/>
+                </a:solidFill>
+                <a:latin typeface="微软雅黑" panose="020B0503020204020204" pitchFamily="34" charset="-122"/>
+                <a:ea typeface="微软雅黑" panose="020B0503020204020204" pitchFamily="34" charset="-122"/>
+              </a:rPr>
+              <a:t>按卡片动画设计</a:t>
+            </a:r>
+            <a:endParaRPr lang="zh-CN" altLang="en-US" sz="2800" b="1" dirty="0">
+              <a:solidFill>
+                <a:srgbClr val="0068B1"/>
+              </a:solidFill>
+              <a:latin typeface="微软雅黑" panose="020B0503020204020204" pitchFamily="34" charset="-122"/>
+              <a:ea typeface="微软雅黑" panose="020B0503020204020204" pitchFamily="34" charset="-122"/>
+            </a:endParaRPr>
+          </a:p>
+        </p:txBody>
+      </p:sp>
+      <p:sp>
+        <p:nvSpPr>
+          <p:cNvPr id="21" name="标题 1"/>
+          <p:cNvSpPr txBox="1"/>
+          <p:nvPr/>
+        </p:nvSpPr>
+        <p:spPr>
+          <a:xfrm>
+            <a:off x="4509842" y="3833887"/>
+            <a:ext cx="3757336" cy="756256"/>
+          </a:xfrm>
+          <a:prstGeom prst="rect">
+            <a:avLst/>
+          </a:prstGeom>
+        </p:spPr>
+        <p:txBody>
+          <a:bodyPr vert="horz" lIns="91440" tIns="45720" rIns="91440" bIns="45720" rtlCol="0" anchor="ctr">
+            <a:normAutofit fontScale="92500"/>
+          </a:bodyPr>
+          <a:lstStyle>
+            <a:lvl1pPr algn="l" defTabSz="914400" rtl="0" eaLnBrk="1" latinLnBrk="0" hangingPunct="1">
+              <a:lnSpc>
+                <a:spcPct val="90000"/>
+              </a:lnSpc>
+              <a:spcBef>
+                <a:spcPct val="0"/>
+              </a:spcBef>
+              <a:buNone/>
+              <a:defRPr sz="4400" kern="1200">
+                <a:solidFill>
+                  <a:schemeClr val="tx1"/>
+                </a:solidFill>
+                <a:latin typeface="+mj-lt"/>
+                <a:ea typeface="+mj-ea"/>
+                <a:cs typeface="+mj-cs"/>
+              </a:defRPr>
+            </a:lvl1pPr>
+          </a:lstStyle>
+          <a:p>
+            <a:r>
+              <a:rPr lang="en-US" altLang="zh-CN" sz="2800" b="1" dirty="0" smtClean="0">
+                <a:solidFill>
+                  <a:srgbClr val="0068B1"/>
+                </a:solidFill>
+                <a:latin typeface="微软雅黑" panose="020B0503020204020204" pitchFamily="34" charset="-122"/>
+                <a:ea typeface="微软雅黑" panose="020B0503020204020204" pitchFamily="34" charset="-122"/>
+              </a:rPr>
+              <a:t>2.2</a:t>
+            </a:r>
+            <a:r>
+              <a:rPr lang="en-US" altLang="zh-CN" sz="2800" b="1" dirty="0" smtClean="0">
+                <a:solidFill>
+                  <a:srgbClr val="0068B1"/>
+                </a:solidFill>
+                <a:latin typeface="微软雅黑" panose="020B0503020204020204" pitchFamily="34" charset="-122"/>
+                <a:ea typeface="微软雅黑" panose="020B0503020204020204" pitchFamily="34" charset="-122"/>
+              </a:rPr>
+              <a:t>  </a:t>
+            </a:r>
+            <a:r>
+              <a:rPr lang="zh-CN" altLang="en-US" sz="2800" b="1" dirty="0" smtClean="0">
+                <a:solidFill>
+                  <a:srgbClr val="0068B1"/>
+                </a:solidFill>
+                <a:latin typeface="微软雅黑" panose="020B0503020204020204" pitchFamily="34" charset="-122"/>
+                <a:ea typeface="微软雅黑" panose="020B0503020204020204" pitchFamily="34" charset="-122"/>
+              </a:rPr>
+              <a:t>点击卡片动画设计</a:t>
+            </a:r>
+            <a:endParaRPr lang="zh-CN" altLang="en-US" sz="2800" b="1" dirty="0">
+              <a:solidFill>
+                <a:srgbClr val="0068B1"/>
+              </a:solidFill>
+              <a:latin typeface="微软雅黑" panose="020B0503020204020204" pitchFamily="34" charset="-122"/>
+              <a:ea typeface="微软雅黑" panose="020B0503020204020204" pitchFamily="34" charset="-122"/>
+            </a:endParaRPr>
+          </a:p>
+        </p:txBody>
+      </p:sp>
+      <p:sp>
+        <p:nvSpPr>
+          <p:cNvPr id="22" name="标题 1"/>
+          <p:cNvSpPr txBox="1"/>
+          <p:nvPr/>
+        </p:nvSpPr>
+        <p:spPr>
+          <a:xfrm>
+            <a:off x="4509842" y="4812238"/>
+            <a:ext cx="4258377" cy="756256"/>
+          </a:xfrm>
+          <a:prstGeom prst="rect">
+            <a:avLst/>
+          </a:prstGeom>
+        </p:spPr>
+        <p:txBody>
+          <a:bodyPr vert="horz" lIns="91440" tIns="45720" rIns="91440" bIns="45720" rtlCol="0" anchor="ctr">
+            <a:normAutofit fontScale="92500"/>
+          </a:bodyPr>
+          <a:lstStyle>
+            <a:lvl1pPr algn="l" defTabSz="914400" rtl="0" eaLnBrk="1" latinLnBrk="0" hangingPunct="1">
+              <a:lnSpc>
+                <a:spcPct val="90000"/>
+              </a:lnSpc>
+              <a:spcBef>
+                <a:spcPct val="0"/>
+              </a:spcBef>
+              <a:buNone/>
+              <a:defRPr sz="4400" kern="1200">
+                <a:solidFill>
+                  <a:schemeClr val="tx1"/>
+                </a:solidFill>
+                <a:latin typeface="+mj-lt"/>
+                <a:ea typeface="+mj-ea"/>
+                <a:cs typeface="+mj-cs"/>
+              </a:defRPr>
+            </a:lvl1pPr>
+          </a:lstStyle>
+          <a:p>
+            <a:r>
+              <a:rPr lang="en-US" altLang="zh-CN" sz="2800" b="1" dirty="0" smtClean="0">
+                <a:solidFill>
+                  <a:srgbClr val="0068B1"/>
+                </a:solidFill>
+                <a:latin typeface="微软雅黑" panose="020B0503020204020204" pitchFamily="34" charset="-122"/>
+                <a:ea typeface="微软雅黑" panose="020B0503020204020204" pitchFamily="34" charset="-122"/>
+              </a:rPr>
+              <a:t>2.3</a:t>
+            </a:r>
+            <a:r>
+              <a:rPr lang="en-US" altLang="zh-CN" sz="2800" b="1" dirty="0" smtClean="0">
+                <a:solidFill>
+                  <a:srgbClr val="0068B1"/>
+                </a:solidFill>
+                <a:latin typeface="微软雅黑" panose="020B0503020204020204" pitchFamily="34" charset="-122"/>
+                <a:ea typeface="微软雅黑" panose="020B0503020204020204" pitchFamily="34" charset="-122"/>
+              </a:rPr>
+              <a:t>  </a:t>
+            </a:r>
+            <a:r>
+              <a:rPr lang="zh-CN" altLang="en-US" sz="2800" b="1" dirty="0" smtClean="0">
+                <a:solidFill>
+                  <a:srgbClr val="0068B1"/>
+                </a:solidFill>
+                <a:latin typeface="微软雅黑" panose="020B0503020204020204" pitchFamily="34" charset="-122"/>
+                <a:ea typeface="微软雅黑" panose="020B0503020204020204" pitchFamily="34" charset="-122"/>
+              </a:rPr>
+              <a:t>改变相册布局动画设计</a:t>
+            </a:r>
+            <a:endParaRPr lang="zh-CN" altLang="en-US" sz="2800" b="1" dirty="0">
+              <a:solidFill>
+                <a:srgbClr val="0068B1"/>
+              </a:solidFill>
+              <a:latin typeface="微软雅黑" panose="020B0503020204020204" pitchFamily="34" charset="-122"/>
+              <a:ea typeface="微软雅黑" panose="020B0503020204020204" pitchFamily="34" charset="-122"/>
+            </a:endParaRPr>
+          </a:p>
+        </p:txBody>
+      </p:sp>
+      <p:cxnSp>
+        <p:nvCxnSpPr>
+          <p:cNvPr id="11" name="直接连接符 10"/>
+          <p:cNvCxnSpPr/>
+          <p:nvPr/>
+        </p:nvCxnSpPr>
+        <p:spPr>
+          <a:xfrm>
+            <a:off x="4593590" y="5476875"/>
+            <a:ext cx="4090670" cy="0"/>
+          </a:xfrm>
+          <a:prstGeom prst="line">
+            <a:avLst/>
+          </a:prstGeom>
+          <a:ln>
+            <a:prstDash val="dashDot"/>
+          </a:ln>
+        </p:spPr>
+        <p:style>
+          <a:lnRef idx="1">
+            <a:schemeClr val="accent1"/>
+          </a:lnRef>
+          <a:fillRef idx="0">
+            <a:schemeClr val="accent1"/>
+          </a:fillRef>
+          <a:effectRef idx="0">
+            <a:schemeClr val="accent1"/>
+          </a:effectRef>
+          <a:fontRef idx="minor">
+            <a:schemeClr val="tx1"/>
+          </a:fontRef>
+        </p:style>
+      </p:cxnSp>
+    </p:spTree>
+  </p:cSld>
+  <p:clrMapOvr>
+    <a:masterClrMapping/>
+  </p:clrMapOvr>
+  <p:timing>
+    <p:tnLst>
+      <p:par>
+        <p:cTn id="1" dur="indefinite" restart="never" nodeType="tmRoot"/>
+      </p:par>
+    </p:tnLst>
+  </p:timing>
+</p:sld>
+</file>
+
+<file path=ppt/slides/slide18.xml><?xml version="1.0" encoding="utf-8"?>
+<p:sld xmlns:a="http://schemas.openxmlformats.org/drawingml/2006/main" xmlns:r="http://schemas.openxmlformats.org/officeDocument/2006/relationships" xmlns:p="http://schemas.openxmlformats.org/presentationml/2006/main">
+  <p:cSld>
+    <p:spTree>
+      <p:nvGrpSpPr>
+        <p:cNvPr id="1" name=""/>
+        <p:cNvGrpSpPr/>
+        <p:nvPr/>
+      </p:nvGrpSpPr>
+      <p:grpSpPr>
+        <a:xfrm>
+          <a:off x="0" y="0"/>
+          <a:ext cx="0" cy="0"/>
+          <a:chOff x="0" y="0"/>
+          <a:chExt cx="0" cy="0"/>
+        </a:xfrm>
+      </p:grpSpPr>
+      <p:sp>
+        <p:nvSpPr>
           <p:cNvPr id="2" name="文本占位符 1"/>
           <p:cNvSpPr>
             <a:spLocks noGrp="1"/>
@@ -15857,8 +17162,8 @@
         </p:nvSpPr>
         <p:spPr>
           <a:xfrm>
-            <a:off x="483662" y="949018"/>
-            <a:ext cx="3812765" cy="1127343"/>
+            <a:off x="483870" y="949325"/>
+            <a:ext cx="4334510" cy="1127125"/>
           </a:xfrm>
           <a:prstGeom prst="ellipse">
             <a:avLst/>
@@ -15898,7 +17203,7 @@
         <p:spPr>
           <a:xfrm>
             <a:off x="802910" y="1281856"/>
-            <a:ext cx="3181350" cy="460375"/>
+            <a:ext cx="3790950" cy="460375"/>
           </a:xfrm>
           <a:prstGeom prst="rect">
             <a:avLst/>
@@ -15916,90 +17221,26 @@
                 <a:latin typeface="微软雅黑" panose="020B0503020204020204" pitchFamily="34" charset="-122"/>
                 <a:ea typeface="微软雅黑" panose="020B0503020204020204" pitchFamily="34" charset="-122"/>
               </a:rPr>
-              <a:t>2.2 </a:t>
+              <a:t>2.3 </a:t>
             </a:r>
             <a:r>
               <a:rPr lang="zh-CN" altLang="en-US" sz="2400" dirty="0" smtClean="0">
                 <a:latin typeface="微软雅黑" panose="020B0503020204020204" pitchFamily="34" charset="-122"/>
                 <a:ea typeface="微软雅黑" panose="020B0503020204020204" pitchFamily="34" charset="-122"/>
               </a:rPr>
-              <a:t>点击卡片动画设计</a:t>
-            </a:r>
-            <a:endParaRPr lang="zh-CN" altLang="en-US" sz="2400" dirty="0">
+              <a:t>改变相册布局动画</a:t>
+            </a:r>
+            <a:r>
+              <a:rPr lang="zh-CN" altLang="en-US" sz="2400" dirty="0" smtClean="0">
+                <a:latin typeface="微软雅黑" panose="020B0503020204020204" pitchFamily="34" charset="-122"/>
+                <a:ea typeface="微软雅黑" panose="020B0503020204020204" pitchFamily="34" charset="-122"/>
+              </a:rPr>
+              <a:t>设计</a:t>
+            </a:r>
+            <a:endParaRPr lang="zh-CN" altLang="en-US" sz="2400" dirty="0" smtClean="0">
               <a:latin typeface="微软雅黑" panose="020B0503020204020204" pitchFamily="34" charset="-122"/>
               <a:ea typeface="微软雅黑" panose="020B0503020204020204" pitchFamily="34" charset="-122"/>
             </a:endParaRPr>
-          </a:p>
-        </p:txBody>
-      </p:sp>
-      <p:sp>
-        <p:nvSpPr>
-          <p:cNvPr id="6" name="圆角矩形 5"/>
-          <p:cNvSpPr/>
-          <p:nvPr/>
-        </p:nvSpPr>
-        <p:spPr>
-          <a:xfrm>
-            <a:off x="6000750" y="966470"/>
-            <a:ext cx="2091055" cy="1109980"/>
-          </a:xfrm>
-          <a:prstGeom prst="roundRect">
-            <a:avLst/>
-          </a:prstGeom>
-        </p:spPr>
-        <p:style>
-          <a:lnRef idx="2">
-            <a:schemeClr val="accent6"/>
-          </a:lnRef>
-          <a:fillRef idx="1">
-            <a:schemeClr val="lt1"/>
-          </a:fillRef>
-          <a:effectRef idx="0">
-            <a:schemeClr val="accent6"/>
-          </a:effectRef>
-          <a:fontRef idx="minor">
-            <a:schemeClr val="dk1"/>
-          </a:fontRef>
-        </p:style>
-        <p:txBody>
-          <a:bodyPr rtlCol="0" anchor="ctr"/>
-          <a:p>
-            <a:pPr algn="ctr"/>
-            <a:endParaRPr lang="zh-CN" altLang="en-US"/>
-          </a:p>
-        </p:txBody>
-      </p:sp>
-      <p:sp>
-        <p:nvSpPr>
-          <p:cNvPr id="7" name="文本框 6"/>
-          <p:cNvSpPr txBox="1"/>
-          <p:nvPr/>
-        </p:nvSpPr>
-        <p:spPr>
-          <a:xfrm>
-            <a:off x="6140450" y="1198880"/>
-            <a:ext cx="1859280" cy="368300"/>
-          </a:xfrm>
-          <a:prstGeom prst="rect">
-            <a:avLst/>
-          </a:prstGeom>
-          <a:noFill/>
-        </p:spPr>
-        <p:txBody>
-          <a:bodyPr wrap="square" rtlCol="0">
-            <a:spAutoFit/>
-          </a:bodyPr>
-          <a:p>
-            <a:pPr algn="ctr"/>
-            <a:r>
-              <a:rPr lang="zh-CN" altLang="en-US"/>
-              <a:t>最终效果</a:t>
-            </a:r>
-            <a:r>
-              <a:rPr lang="zh-CN" altLang="en-US"/>
-              <a:t>对比</a:t>
-            </a:r>
-            <a:endParaRPr lang="zh-CN" altLang="en-US"/>
           </a:p>
         </p:txBody>
       </p:sp>
@@ -16104,78 +17345,6 @@
                       </p:childTnLst>
                     </p:cTn>
                   </p:par>
-                  <p:par>
-                    <p:cTn id="11" fill="hold">
-                      <p:stCondLst>
-                        <p:cond delay="indefinite"/>
-                      </p:stCondLst>
-                      <p:childTnLst>
-                        <p:par>
-                          <p:cTn id="12" fill="hold">
-                            <p:stCondLst>
-                              <p:cond delay="0"/>
-                            </p:stCondLst>
-                            <p:childTnLst>
-                              <p:par>
-                                <p:cTn id="13" presetID="1" presetClass="entr" presetSubtype="0" fill="hold" grpId="0" nodeType="clickEffect">
-                                  <p:stCondLst>
-                                    <p:cond delay="0"/>
-                                  </p:stCondLst>
-                                  <p:childTnLst>
-                                    <p:set>
-                                      <p:cBhvr>
-                                        <p:cTn id="14" dur="1" fill="hold">
-                                          <p:stCondLst>
-                                            <p:cond delay="0"/>
-                                          </p:stCondLst>
-                                        </p:cTn>
-                                        <p:tgtEl>
-                                          <p:spTgt spid="6"/>
-                                        </p:tgtEl>
-                                        <p:attrNameLst>
-                                          <p:attrName>style.visibility</p:attrName>
-                                        </p:attrNameLst>
-                                      </p:cBhvr>
-                                      <p:to>
-                                        <p:strVal val="visible"/>
-                                      </p:to>
-                                    </p:set>
-                                  </p:childTnLst>
-                                </p:cTn>
-                              </p:par>
-                              <p:par>
-                                <p:cTn id="15" presetID="1" presetClass="entr" presetSubtype="0" fill="hold" grpId="0" nodeType="withEffect">
-                                  <p:stCondLst>
-                                    <p:cond delay="0"/>
-                                  </p:stCondLst>
-                                  <p:childTnLst>
-                                    <p:set>
-                                      <p:cBhvr>
-                                        <p:cTn id="16" dur="1" fill="hold">
-                                          <p:stCondLst>
-                                            <p:cond delay="0"/>
-                                          </p:stCondLst>
-                                        </p:cTn>
-                                        <p:tgtEl>
-                                          <p:spTgt spid="7"/>
-                                        </p:tgtEl>
-                                        <p:attrNameLst>
-                                          <p:attrName>style.visibility</p:attrName>
-                                        </p:attrNameLst>
-                                      </p:cBhvr>
-                                      <p:to>
-                                        <p:strVal val="visible"/>
-                                      </p:to>
-                                    </p:set>
-                                  </p:childTnLst>
-                                </p:cTn>
-                              </p:par>
-                            </p:childTnLst>
-                          </p:cTn>
-                        </p:par>
-                      </p:childTnLst>
-                    </p:cTn>
-                  </p:par>
                 </p:childTnLst>
               </p:cTn>
               <p:prevCondLst>
@@ -16202,16 +17371,12 @@
       <p:bldP spid="4" grpId="0"/>
       <p:bldP spid="3" grpId="1" animBg="1"/>
       <p:bldP spid="4" grpId="1"/>
-      <p:bldP spid="6" grpId="0" bldLvl="0" animBg="1"/>
-      <p:bldP spid="7" grpId="0"/>
-      <p:bldP spid="6" grpId="1" animBg="1"/>
-      <p:bldP spid="7" grpId="1"/>
     </p:bldLst>
   </p:timing>
 </p:sld>
 </file>
 
-<file path=ppt/slides/slide18.xml><?xml version="1.0" encoding="utf-8"?>
+<file path=ppt/slides/slide19.xml><?xml version="1.0" encoding="utf-8"?>
 <p:sld xmlns:a="http://schemas.openxmlformats.org/drawingml/2006/main" xmlns:r="http://schemas.openxmlformats.org/officeDocument/2006/relationships" xmlns:p="http://schemas.openxmlformats.org/presentationml/2006/main">
   <p:cSld>
     <p:spTree>
@@ -16633,8 +17798,8 @@
         </p:nvSpPr>
         <p:spPr>
           <a:xfrm>
-            <a:off x="4509842" y="2857652"/>
-            <a:ext cx="3657128" cy="756256"/>
+            <a:off x="4885623" y="2859370"/>
+            <a:ext cx="3049815" cy="756256"/>
           </a:xfrm>
           <a:prstGeom prst="rect">
             <a:avLst/>
@@ -16642,7 +17807,7 @@
         </p:spPr>
         <p:txBody>
           <a:bodyPr vert="horz" lIns="91440" tIns="45720" rIns="91440" bIns="45720" rtlCol="0" anchor="ctr">
-            <a:normAutofit fontScale="92500"/>
+            <a:normAutofit/>
           </a:bodyPr>
           <a:lstStyle>
             <a:lvl1pPr algn="l" defTabSz="914400" rtl="0" eaLnBrk="1" latinLnBrk="0" hangingPunct="1">
@@ -16672,17 +17837,7 @@
                 <a:latin typeface="微软雅黑" panose="020B0503020204020204" pitchFamily="34" charset="-122"/>
                 <a:ea typeface="微软雅黑" panose="020B0503020204020204" pitchFamily="34" charset="-122"/>
               </a:rPr>
-              <a:t>2.1</a:t>
-            </a:r>
-            <a:r>
-              <a:rPr lang="en-US" altLang="zh-CN" sz="2800" b="1" dirty="0" smtClean="0">
-                <a:solidFill>
-                  <a:srgbClr val="0068B1"/>
-                </a:solidFill>
-                <a:latin typeface="微软雅黑" panose="020B0503020204020204" pitchFamily="34" charset="-122"/>
-                <a:ea typeface="微软雅黑" panose="020B0503020204020204" pitchFamily="34" charset="-122"/>
-              </a:rPr>
-              <a:t>  </a:t>
+              <a:t>01  </a:t>
             </a:r>
             <a:r>
               <a:rPr lang="zh-CN" altLang="en-US" sz="2800" b="1" dirty="0">
@@ -16692,17 +17847,7 @@
                 <a:latin typeface="微软雅黑" panose="020B0503020204020204" pitchFamily="34" charset="-122"/>
                 <a:ea typeface="微软雅黑" panose="020B0503020204020204" pitchFamily="34" charset="-122"/>
               </a:rPr>
-              <a:t>长</a:t>
-            </a:r>
-            <a:r>
-              <a:rPr lang="zh-CN" altLang="en-US" sz="2800" b="1" dirty="0" smtClean="0">
-                <a:solidFill>
-                  <a:srgbClr val="0068B1"/>
-                </a:solidFill>
-                <a:latin typeface="微软雅黑" panose="020B0503020204020204" pitchFamily="34" charset="-122"/>
-                <a:ea typeface="微软雅黑" panose="020B0503020204020204" pitchFamily="34" charset="-122"/>
-              </a:rPr>
-              <a:t>按卡片动画设计</a:t>
+              <a:t>课题背景</a:t>
             </a:r>
             <a:endParaRPr lang="zh-CN" altLang="en-US" sz="2800" b="1" dirty="0">
               <a:solidFill>
@@ -16722,8 +17867,8 @@
         </p:nvSpPr>
         <p:spPr>
           <a:xfrm>
-            <a:off x="4509842" y="3833887"/>
-            <a:ext cx="3757336" cy="756256"/>
+            <a:off x="4885623" y="3835605"/>
+            <a:ext cx="3049815" cy="756256"/>
           </a:xfrm>
           <a:prstGeom prst="rect">
             <a:avLst/>
@@ -16731,7 +17876,7 @@
         </p:spPr>
         <p:txBody>
           <a:bodyPr vert="horz" lIns="91440" tIns="45720" rIns="91440" bIns="45720" rtlCol="0" anchor="ctr">
-            <a:normAutofit fontScale="92500"/>
+            <a:normAutofit/>
           </a:bodyPr>
           <a:lstStyle>
             <a:lvl1pPr algn="l" defTabSz="914400" rtl="0" eaLnBrk="1" latinLnBrk="0" hangingPunct="1">
@@ -16761,27 +17906,17 @@
                 <a:latin typeface="微软雅黑" panose="020B0503020204020204" pitchFamily="34" charset="-122"/>
                 <a:ea typeface="微软雅黑" panose="020B0503020204020204" pitchFamily="34" charset="-122"/>
               </a:rPr>
-              <a:t>2.2</a:t>
-            </a:r>
-            <a:r>
-              <a:rPr lang="en-US" altLang="zh-CN" sz="2800" b="1" dirty="0" smtClean="0">
+              <a:t>02  </a:t>
+            </a:r>
+            <a:r>
+              <a:rPr lang="zh-CN" altLang="en-US" sz="2800" b="1" dirty="0">
                 <a:solidFill>
                   <a:srgbClr val="0068B1"/>
                 </a:solidFill>
                 <a:latin typeface="微软雅黑" panose="020B0503020204020204" pitchFamily="34" charset="-122"/>
                 <a:ea typeface="微软雅黑" panose="020B0503020204020204" pitchFamily="34" charset="-122"/>
               </a:rPr>
-              <a:t>  </a:t>
-            </a:r>
-            <a:r>
-              <a:rPr lang="zh-CN" altLang="en-US" sz="2800" b="1" dirty="0" smtClean="0">
-                <a:solidFill>
-                  <a:srgbClr val="0068B1"/>
-                </a:solidFill>
-                <a:latin typeface="微软雅黑" panose="020B0503020204020204" pitchFamily="34" charset="-122"/>
-                <a:ea typeface="微软雅黑" panose="020B0503020204020204" pitchFamily="34" charset="-122"/>
-              </a:rPr>
-              <a:t>点击卡片动画设计</a:t>
+              <a:t>主要工作</a:t>
             </a:r>
             <a:endParaRPr lang="zh-CN" altLang="en-US" sz="2800" b="1" dirty="0">
               <a:solidFill>
@@ -16801,8 +17936,8 @@
         </p:nvSpPr>
         <p:spPr>
           <a:xfrm>
-            <a:off x="4509842" y="4812238"/>
-            <a:ext cx="4258377" cy="756256"/>
+            <a:off x="4885623" y="4813956"/>
+            <a:ext cx="3049815" cy="756256"/>
           </a:xfrm>
           <a:prstGeom prst="rect">
             <a:avLst/>
@@ -16810,7 +17945,7 @@
         </p:spPr>
         <p:txBody>
           <a:bodyPr vert="horz" lIns="91440" tIns="45720" rIns="91440" bIns="45720" rtlCol="0" anchor="ctr">
-            <a:normAutofit fontScale="92500"/>
+            <a:normAutofit/>
           </a:bodyPr>
           <a:lstStyle>
             <a:lvl1pPr algn="l" defTabSz="914400" rtl="0" eaLnBrk="1" latinLnBrk="0" hangingPunct="1">
@@ -16840,27 +17975,17 @@
                 <a:latin typeface="微软雅黑" panose="020B0503020204020204" pitchFamily="34" charset="-122"/>
                 <a:ea typeface="微软雅黑" panose="020B0503020204020204" pitchFamily="34" charset="-122"/>
               </a:rPr>
-              <a:t>2.3</a:t>
-            </a:r>
-            <a:r>
-              <a:rPr lang="en-US" altLang="zh-CN" sz="2800" b="1" dirty="0" smtClean="0">
+              <a:t>03  </a:t>
+            </a:r>
+            <a:r>
+              <a:rPr lang="zh-CN" altLang="en-US" sz="2800" b="1" dirty="0">
                 <a:solidFill>
                   <a:srgbClr val="0068B1"/>
                 </a:solidFill>
                 <a:latin typeface="微软雅黑" panose="020B0503020204020204" pitchFamily="34" charset="-122"/>
                 <a:ea typeface="微软雅黑" panose="020B0503020204020204" pitchFamily="34" charset="-122"/>
               </a:rPr>
-              <a:t>  </a:t>
-            </a:r>
-            <a:r>
-              <a:rPr lang="zh-CN" altLang="en-US" sz="2800" b="1" dirty="0" smtClean="0">
-                <a:solidFill>
-                  <a:srgbClr val="0068B1"/>
-                </a:solidFill>
-                <a:latin typeface="微软雅黑" panose="020B0503020204020204" pitchFamily="34" charset="-122"/>
-                <a:ea typeface="微软雅黑" panose="020B0503020204020204" pitchFamily="34" charset="-122"/>
-              </a:rPr>
-              <a:t>改变相册布局动画设计</a:t>
+              <a:t>总结与反思</a:t>
             </a:r>
             <a:endParaRPr lang="zh-CN" altLang="en-US" sz="2800" b="1" dirty="0">
               <a:solidFill>
@@ -16880,8 +18005,8 @@
         </p:nvCxnSpPr>
         <p:spPr>
           <a:xfrm>
-            <a:off x="4593590" y="5476875"/>
-            <a:ext cx="4090670" cy="0"/>
+            <a:off x="4998085" y="5466715"/>
+            <a:ext cx="2512060" cy="0"/>
           </a:xfrm>
           <a:prstGeom prst="line">
             <a:avLst/>
@@ -16916,272 +18041,6 @@
         <p:cTn id="1" dur="indefinite" restart="never" nodeType="tmRoot"/>
       </p:par>
     </p:tnLst>
-  </p:timing>
-</p:sld>
-</file>
-
-<file path=ppt/slides/slide19.xml><?xml version="1.0" encoding="utf-8"?>
-<p:sld xmlns:a="http://schemas.openxmlformats.org/drawingml/2006/main" xmlns:r="http://schemas.openxmlformats.org/officeDocument/2006/relationships" xmlns:p="http://schemas.openxmlformats.org/presentationml/2006/main">
-  <p:cSld>
-    <p:spTree>
-      <p:nvGrpSpPr>
-        <p:cNvPr id="1" name=""/>
-        <p:cNvGrpSpPr/>
-        <p:nvPr/>
-      </p:nvGrpSpPr>
-      <p:grpSpPr>
-        <a:xfrm>
-          <a:off x="0" y="0"/>
-          <a:ext cx="0" cy="0"/>
-          <a:chOff x="0" y="0"/>
-          <a:chExt cx="0" cy="0"/>
-        </a:xfrm>
-      </p:grpSpPr>
-      <p:sp>
-        <p:nvSpPr>
-          <p:cNvPr id="2" name="文本占位符 1"/>
-          <p:cNvSpPr>
-            <a:spLocks noGrp="1"/>
-          </p:cNvSpPr>
-          <p:nvPr>
-            <p:ph type="body" sz="quarter" idx="13"/>
-          </p:nvPr>
-        </p:nvSpPr>
-        <p:spPr/>
-        <p:txBody>
-          <a:bodyPr/>
-          <a:lstStyle/>
-          <a:p>
-            <a:r>
-              <a:rPr lang="en-US" altLang="zh-CN" dirty="0" smtClean="0"/>
-              <a:t>02 </a:t>
-            </a:r>
-            <a:r>
-              <a:rPr lang="zh-CN" altLang="en-US" dirty="0" smtClean="0"/>
-              <a:t>主要工作</a:t>
-            </a:r>
-            <a:endParaRPr lang="zh-CN" altLang="en-US" dirty="0"/>
-          </a:p>
-        </p:txBody>
-      </p:sp>
-      <p:sp>
-        <p:nvSpPr>
-          <p:cNvPr id="3" name="椭圆 2"/>
-          <p:cNvSpPr/>
-          <p:nvPr/>
-        </p:nvSpPr>
-        <p:spPr>
-          <a:xfrm>
-            <a:off x="483870" y="949325"/>
-            <a:ext cx="4334510" cy="1127125"/>
-          </a:xfrm>
-          <a:prstGeom prst="ellipse">
-            <a:avLst/>
-          </a:prstGeom>
-        </p:spPr>
-        <p:style>
-          <a:lnRef idx="2">
-            <a:schemeClr val="accent1">
-              <a:shade val="50000"/>
-            </a:schemeClr>
-          </a:lnRef>
-          <a:fillRef idx="1">
-            <a:schemeClr val="accent1"/>
-          </a:fillRef>
-          <a:effectRef idx="0">
-            <a:schemeClr val="accent1"/>
-          </a:effectRef>
-          <a:fontRef idx="minor">
-            <a:schemeClr val="lt1"/>
-          </a:fontRef>
-        </p:style>
-        <p:txBody>
-          <a:bodyPr rtlCol="0" anchor="ctr"/>
-          <a:lstStyle/>
-          <a:p>
-            <a:pPr algn="ctr"/>
-            <a:endParaRPr lang="zh-CN" altLang="en-US"/>
-          </a:p>
-        </p:txBody>
-      </p:sp>
-      <p:sp>
-        <p:nvSpPr>
-          <p:cNvPr id="4" name="文本框 3"/>
-          <p:cNvSpPr txBox="1"/>
-          <p:nvPr/>
-        </p:nvSpPr>
-        <p:spPr>
-          <a:xfrm>
-            <a:off x="802910" y="1281856"/>
-            <a:ext cx="3790950" cy="460375"/>
-          </a:xfrm>
-          <a:prstGeom prst="rect">
-            <a:avLst/>
-          </a:prstGeom>
-          <a:noFill/>
-        </p:spPr>
-        <p:txBody>
-          <a:bodyPr wrap="none" rtlCol="0">
-            <a:spAutoFit/>
-          </a:bodyPr>
-          <a:lstStyle/>
-          <a:p>
-            <a:r>
-              <a:rPr lang="en-US" altLang="zh-CN" sz="2400" dirty="0" smtClean="0">
-                <a:latin typeface="微软雅黑" panose="020B0503020204020204" pitchFamily="34" charset="-122"/>
-                <a:ea typeface="微软雅黑" panose="020B0503020204020204" pitchFamily="34" charset="-122"/>
-              </a:rPr>
-              <a:t>2.3 </a:t>
-            </a:r>
-            <a:r>
-              <a:rPr lang="zh-CN" altLang="en-US" sz="2400" dirty="0" smtClean="0">
-                <a:latin typeface="微软雅黑" panose="020B0503020204020204" pitchFamily="34" charset="-122"/>
-                <a:ea typeface="微软雅黑" panose="020B0503020204020204" pitchFamily="34" charset="-122"/>
-              </a:rPr>
-              <a:t>改变相册布局动画</a:t>
-            </a:r>
-            <a:r>
-              <a:rPr lang="zh-CN" altLang="en-US" sz="2400" dirty="0" smtClean="0">
-                <a:latin typeface="微软雅黑" panose="020B0503020204020204" pitchFamily="34" charset="-122"/>
-                <a:ea typeface="微软雅黑" panose="020B0503020204020204" pitchFamily="34" charset="-122"/>
-              </a:rPr>
-              <a:t>设计</a:t>
-            </a:r>
-            <a:endParaRPr lang="zh-CN" altLang="en-US" sz="2400" dirty="0" smtClean="0">
-              <a:latin typeface="微软雅黑" panose="020B0503020204020204" pitchFamily="34" charset="-122"/>
-              <a:ea typeface="微软雅黑" panose="020B0503020204020204" pitchFamily="34" charset="-122"/>
-            </a:endParaRPr>
-          </a:p>
-        </p:txBody>
-      </p:sp>
-    </p:spTree>
-  </p:cSld>
-  <p:clrMapOvr>
-    <a:masterClrMapping/>
-  </p:clrMapOvr>
-  <p:timing>
-    <p:tnLst>
-      <p:par>
-        <p:cTn id="1" dur="indefinite" restart="never" nodeType="tmRoot">
-          <p:childTnLst>
-            <p:seq concurrent="1" nextAc="seek">
-              <p:cTn id="2" dur="indefinite" nodeType="mainSeq">
-                <p:childTnLst>
-                  <p:par>
-                    <p:cTn id="3" fill="hold">
-                      <p:stCondLst>
-                        <p:cond delay="indefinite"/>
-                      </p:stCondLst>
-                      <p:childTnLst>
-                        <p:par>
-                          <p:cTn id="4" fill="hold">
-                            <p:stCondLst>
-                              <p:cond delay="0"/>
-                            </p:stCondLst>
-                            <p:childTnLst>
-                              <p:par>
-                                <p:cTn id="5" presetID="22" presetClass="entr" presetSubtype="8" fill="hold" grpId="0" nodeType="clickEffect">
-                                  <p:stCondLst>
-                                    <p:cond delay="0"/>
-                                  </p:stCondLst>
-                                  <p:childTnLst>
-                                    <p:set>
-                                      <p:cBhvr>
-                                        <p:cTn id="6" dur="1" fill="hold">
-                                          <p:stCondLst>
-                                            <p:cond delay="0"/>
-                                          </p:stCondLst>
-                                        </p:cTn>
-                                        <p:tgtEl>
-                                          <p:spTgt spid="3"/>
-                                        </p:tgtEl>
-                                        <p:attrNameLst>
-                                          <p:attrName>style.visibility</p:attrName>
-                                        </p:attrNameLst>
-                                      </p:cBhvr>
-                                      <p:to>
-                                        <p:strVal val="visible"/>
-                                      </p:to>
-                                    </p:set>
-                                    <p:animEffect transition="in" filter="wipe(left)">
-                                      <p:cBhvr>
-                                        <p:cTn id="7" dur="500"/>
-                                        <p:tgtEl>
-                                          <p:spTgt spid="3"/>
-                                        </p:tgtEl>
-                                      </p:cBhvr>
-                                    </p:animEffect>
-                                  </p:childTnLst>
-                                </p:cTn>
-                              </p:par>
-                              <p:par>
-                                <p:cTn id="8" presetID="22" presetClass="entr" presetSubtype="8" fill="hold" grpId="0" nodeType="withEffect">
-                                  <p:stCondLst>
-                                    <p:cond delay="0"/>
-                                  </p:stCondLst>
-                                  <p:childTnLst>
-                                    <p:set>
-                                      <p:cBhvr>
-                                        <p:cTn id="9" dur="1" fill="hold">
-                                          <p:stCondLst>
-                                            <p:cond delay="0"/>
-                                          </p:stCondLst>
-                                        </p:cTn>
-                                        <p:tgtEl>
-                                          <p:spTgt spid="4"/>
-                                        </p:tgtEl>
-                                        <p:attrNameLst>
-                                          <p:attrName>style.visibility</p:attrName>
-                                        </p:attrNameLst>
-                                      </p:cBhvr>
-                                      <p:to>
-                                        <p:strVal val="visible"/>
-                                      </p:to>
-                                    </p:set>
-                                    <p:animEffect transition="in" filter="wipe(left)">
-                                      <p:cBhvr>
-                                        <p:cTn id="10" dur="500"/>
-                                        <p:tgtEl>
-                                          <p:spTgt spid="4"/>
-                                        </p:tgtEl>
-                                      </p:cBhvr>
-                                    </p:animEffect>
-                                  </p:childTnLst>
-                                </p:cTn>
-                              </p:par>
-                            </p:childTnLst>
-                          </p:cTn>
-                        </p:par>
-                      </p:childTnLst>
-                    </p:cTn>
-                  </p:par>
-                </p:childTnLst>
-              </p:cTn>
-              <p:prevCondLst>
-                <p:cond evt="onPrev" delay="0">
-                  <p:tgtEl>
-                    <p:sldTgt/>
-                  </p:tgtEl>
-                </p:cond>
-              </p:prevCondLst>
-              <p:nextCondLst>
-                <p:cond evt="onNext" delay="0">
-                  <p:tgtEl>
-                    <p:sldTgt/>
-                  </p:tgtEl>
-                </p:cond>
-              </p:nextCondLst>
-            </p:seq>
-          </p:childTnLst>
-        </p:cTn>
-      </p:par>
-    </p:tnLst>
-    <p:bldLst>
-      <p:bldP spid="3" grpId="0" bldLvl="0" animBg="1"/>
-      <p:bldP spid="4" grpId="0"/>
-      <p:bldP spid="3" grpId="1" animBg="1"/>
-      <p:bldP spid="4" grpId="1"/>
-    </p:bldLst>
   </p:timing>
 </p:sld>
 </file>
@@ -17875,675 +18734,6 @@
 </file>
 
 <file path=ppt/slides/slide20.xml><?xml version="1.0" encoding="utf-8"?>
-<p:sld xmlns:a="http://schemas.openxmlformats.org/drawingml/2006/main" xmlns:r="http://schemas.openxmlformats.org/officeDocument/2006/relationships" xmlns:p="http://schemas.openxmlformats.org/presentationml/2006/main">
-  <p:cSld>
-    <p:spTree>
-      <p:nvGrpSpPr>
-        <p:cNvPr id="1" name=""/>
-        <p:cNvGrpSpPr/>
-        <p:nvPr/>
-      </p:nvGrpSpPr>
-      <p:grpSpPr>
-        <a:xfrm>
-          <a:off x="0" y="0"/>
-          <a:ext cx="0" cy="0"/>
-          <a:chOff x="0" y="0"/>
-          <a:chExt cx="0" cy="0"/>
-        </a:xfrm>
-      </p:grpSpPr>
-      <p:sp>
-        <p:nvSpPr>
-          <p:cNvPr id="18" name="任意多边形 17"/>
-          <p:cNvSpPr/>
-          <p:nvPr/>
-        </p:nvSpPr>
-        <p:spPr>
-          <a:xfrm>
-            <a:off x="0" y="1819050"/>
-            <a:ext cx="12192000" cy="5038950"/>
-          </a:xfrm>
-          <a:custGeom>
-            <a:avLst/>
-            <a:gdLst>
-              <a:gd name="connsiteX0" fmla="*/ 6096000 w 12192000"/>
-              <a:gd name="connsiteY0" fmla="*/ 0 h 5038950"/>
-              <a:gd name="connsiteX1" fmla="*/ 11962081 w 12192000"/>
-              <a:gd name="connsiteY1" fmla="*/ 2596344 h 5038950"/>
-              <a:gd name="connsiteX2" fmla="*/ 12192000 w 12192000"/>
-              <a:gd name="connsiteY2" fmla="*/ 2861771 h 5038950"/>
-              <a:gd name="connsiteX3" fmla="*/ 12192000 w 12192000"/>
-              <a:gd name="connsiteY3" fmla="*/ 5038950 h 5038950"/>
-              <a:gd name="connsiteX4" fmla="*/ 0 w 12192000"/>
-              <a:gd name="connsiteY4" fmla="*/ 5038950 h 5038950"/>
-              <a:gd name="connsiteX5" fmla="*/ 0 w 12192000"/>
-              <a:gd name="connsiteY5" fmla="*/ 2861772 h 5038950"/>
-              <a:gd name="connsiteX6" fmla="*/ 229920 w 12192000"/>
-              <a:gd name="connsiteY6" fmla="*/ 2596344 h 5038950"/>
-              <a:gd name="connsiteX7" fmla="*/ 6096000 w 12192000"/>
-              <a:gd name="connsiteY7" fmla="*/ 0 h 5038950"/>
-            </a:gdLst>
-            <a:ahLst/>
-            <a:cxnLst>
-              <a:cxn ang="0">
-                <a:pos x="connsiteX0" y="connsiteY0"/>
-              </a:cxn>
-              <a:cxn ang="0">
-                <a:pos x="connsiteX1" y="connsiteY1"/>
-              </a:cxn>
-              <a:cxn ang="0">
-                <a:pos x="connsiteX2" y="connsiteY2"/>
-              </a:cxn>
-              <a:cxn ang="0">
-                <a:pos x="connsiteX3" y="connsiteY3"/>
-              </a:cxn>
-              <a:cxn ang="0">
-                <a:pos x="connsiteX4" y="connsiteY4"/>
-              </a:cxn>
-              <a:cxn ang="0">
-                <a:pos x="connsiteX5" y="connsiteY5"/>
-              </a:cxn>
-              <a:cxn ang="0">
-                <a:pos x="connsiteX6" y="connsiteY6"/>
-              </a:cxn>
-              <a:cxn ang="0">
-                <a:pos x="connsiteX7" y="connsiteY7"/>
-              </a:cxn>
-            </a:cxnLst>
-            <a:rect l="l" t="t" r="r" b="b"/>
-            <a:pathLst>
-              <a:path w="12192000" h="5038950">
-                <a:moveTo>
-                  <a:pt x="6096000" y="0"/>
-                </a:moveTo>
-                <a:cubicBezTo>
-                  <a:pt x="8421146" y="0"/>
-                  <a:pt x="10512414" y="1001355"/>
-                  <a:pt x="11962081" y="2596344"/>
-                </a:cubicBezTo>
-                <a:lnTo>
-                  <a:pt x="12192000" y="2861771"/>
-                </a:lnTo>
-                <a:lnTo>
-                  <a:pt x="12192000" y="5038950"/>
-                </a:lnTo>
-                <a:lnTo>
-                  <a:pt x="0" y="5038950"/>
-                </a:lnTo>
-                <a:lnTo>
-                  <a:pt x="0" y="2861772"/>
-                </a:lnTo>
-                <a:lnTo>
-                  <a:pt x="229920" y="2596344"/>
-                </a:lnTo>
-                <a:cubicBezTo>
-                  <a:pt x="1679587" y="1001355"/>
-                  <a:pt x="3770854" y="0"/>
-                  <a:pt x="6096000" y="0"/>
-                </a:cubicBezTo>
-                <a:close/>
-              </a:path>
-            </a:pathLst>
-          </a:custGeom>
-          <a:gradFill>
-            <a:gsLst>
-              <a:gs pos="0">
-                <a:srgbClr val="0068B1">
-                  <a:alpha val="10000"/>
-                </a:srgbClr>
-              </a:gs>
-              <a:gs pos="100000">
-                <a:srgbClr val="4CB3FC">
-                  <a:alpha val="10000"/>
-                </a:srgbClr>
-              </a:gs>
-            </a:gsLst>
-            <a:lin ang="10200000" scaled="0"/>
-          </a:gradFill>
-          <a:ln>
-            <a:noFill/>
-          </a:ln>
-        </p:spPr>
-        <p:style>
-          <a:lnRef idx="2">
-            <a:schemeClr val="accent1">
-              <a:shade val="50000"/>
-            </a:schemeClr>
-          </a:lnRef>
-          <a:fillRef idx="1">
-            <a:schemeClr val="accent1"/>
-          </a:fillRef>
-          <a:effectRef idx="0">
-            <a:schemeClr val="accent1"/>
-          </a:effectRef>
-          <a:fontRef idx="minor">
-            <a:schemeClr val="lt1"/>
-          </a:fontRef>
-        </p:style>
-        <p:txBody>
-          <a:bodyPr rtlCol="0" anchor="ctr"/>
-          <a:lstStyle/>
-          <a:p>
-            <a:pPr algn="ctr"/>
-            <a:endParaRPr lang="zh-CN" altLang="en-US">
-              <a:solidFill>
-                <a:schemeClr val="tx1"/>
-              </a:solidFill>
-            </a:endParaRPr>
-          </a:p>
-        </p:txBody>
-      </p:sp>
-      <p:pic>
-        <p:nvPicPr>
-          <p:cNvPr id="5" name="图片 4"/>
-          <p:cNvPicPr>
-            <a:picLocks noChangeAspect="1"/>
-          </p:cNvPicPr>
-          <p:nvPr/>
-        </p:nvPicPr>
-        <p:blipFill>
-          <a:blip r:embed="rId1"/>
-          <a:stretch>
-            <a:fillRect/>
-          </a:stretch>
-        </p:blipFill>
-        <p:spPr>
-          <a:xfrm>
-            <a:off x="7138134" y="60968"/>
-            <a:ext cx="2238095" cy="600000"/>
-          </a:xfrm>
-          <a:prstGeom prst="rect">
-            <a:avLst/>
-          </a:prstGeom>
-        </p:spPr>
-      </p:pic>
-      <p:sp>
-        <p:nvSpPr>
-          <p:cNvPr id="15" name="任意多边形 14"/>
-          <p:cNvSpPr/>
-          <p:nvPr/>
-        </p:nvSpPr>
-        <p:spPr>
-          <a:xfrm>
-            <a:off x="0" y="0"/>
-            <a:ext cx="12192000" cy="2322286"/>
-          </a:xfrm>
-          <a:custGeom>
-            <a:avLst/>
-            <a:gdLst>
-              <a:gd name="connsiteX0" fmla="*/ 0 w 12192000"/>
-              <a:gd name="connsiteY0" fmla="*/ 0 h 2178994"/>
-              <a:gd name="connsiteX1" fmla="*/ 12192000 w 12192000"/>
-              <a:gd name="connsiteY1" fmla="*/ 0 h 2178994"/>
-              <a:gd name="connsiteX2" fmla="*/ 12192000 w 12192000"/>
-              <a:gd name="connsiteY2" fmla="*/ 259990 h 2178994"/>
-              <a:gd name="connsiteX3" fmla="*/ 11913299 w 12192000"/>
-              <a:gd name="connsiteY3" fmla="*/ 458843 h 2178994"/>
-              <a:gd name="connsiteX4" fmla="*/ 6096000 w 12192000"/>
-              <a:gd name="connsiteY4" fmla="*/ 2178994 h 2178994"/>
-              <a:gd name="connsiteX5" fmla="*/ 278702 w 12192000"/>
-              <a:gd name="connsiteY5" fmla="*/ 458843 h 2178994"/>
-              <a:gd name="connsiteX6" fmla="*/ 0 w 12192000"/>
-              <a:gd name="connsiteY6" fmla="*/ 259991 h 2178994"/>
-            </a:gdLst>
-            <a:ahLst/>
-            <a:cxnLst>
-              <a:cxn ang="0">
-                <a:pos x="connsiteX0" y="connsiteY0"/>
-              </a:cxn>
-              <a:cxn ang="0">
-                <a:pos x="connsiteX1" y="connsiteY1"/>
-              </a:cxn>
-              <a:cxn ang="0">
-                <a:pos x="connsiteX2" y="connsiteY2"/>
-              </a:cxn>
-              <a:cxn ang="0">
-                <a:pos x="connsiteX3" y="connsiteY3"/>
-              </a:cxn>
-              <a:cxn ang="0">
-                <a:pos x="connsiteX4" y="connsiteY4"/>
-              </a:cxn>
-              <a:cxn ang="0">
-                <a:pos x="connsiteX5" y="connsiteY5"/>
-              </a:cxn>
-              <a:cxn ang="0">
-                <a:pos x="connsiteX6" y="connsiteY6"/>
-              </a:cxn>
-            </a:cxnLst>
-            <a:rect l="l" t="t" r="r" b="b"/>
-            <a:pathLst>
-              <a:path w="12192000" h="2178994">
-                <a:moveTo>
-                  <a:pt x="0" y="0"/>
-                </a:moveTo>
-                <a:lnTo>
-                  <a:pt x="12192000" y="0"/>
-                </a:lnTo>
-                <a:lnTo>
-                  <a:pt x="12192000" y="259990"/>
-                </a:lnTo>
-                <a:lnTo>
-                  <a:pt x="11913299" y="458843"/>
-                </a:lnTo>
-                <a:cubicBezTo>
-                  <a:pt x="10332441" y="1533457"/>
-                  <a:pt x="8305744" y="2178994"/>
-                  <a:pt x="6096000" y="2178994"/>
-                </a:cubicBezTo>
-                <a:cubicBezTo>
-                  <a:pt x="3886256" y="2178994"/>
-                  <a:pt x="1859559" y="1533457"/>
-                  <a:pt x="278702" y="458843"/>
-                </a:cubicBezTo>
-                <a:lnTo>
-                  <a:pt x="0" y="259991"/>
-                </a:lnTo>
-                <a:close/>
-              </a:path>
-            </a:pathLst>
-          </a:custGeom>
-          <a:gradFill>
-            <a:gsLst>
-              <a:gs pos="0">
-                <a:srgbClr val="0068B1"/>
-              </a:gs>
-              <a:gs pos="100000">
-                <a:srgbClr val="4CB3FC"/>
-              </a:gs>
-            </a:gsLst>
-            <a:lin ang="5400000" scaled="0"/>
-          </a:gradFill>
-          <a:ln>
-            <a:noFill/>
-          </a:ln>
-        </p:spPr>
-        <p:style>
-          <a:lnRef idx="2">
-            <a:schemeClr val="accent1">
-              <a:shade val="50000"/>
-            </a:schemeClr>
-          </a:lnRef>
-          <a:fillRef idx="1">
-            <a:schemeClr val="accent1"/>
-          </a:fillRef>
-          <a:effectRef idx="0">
-            <a:schemeClr val="accent1"/>
-          </a:effectRef>
-          <a:fontRef idx="minor">
-            <a:schemeClr val="lt1"/>
-          </a:fontRef>
-        </p:style>
-        <p:txBody>
-          <a:bodyPr rtlCol="0" anchor="ctr"/>
-          <a:lstStyle/>
-          <a:p>
-            <a:pPr algn="ctr"/>
-            <a:endParaRPr lang="zh-CN" altLang="en-US">
-              <a:solidFill>
-                <a:schemeClr val="tx1"/>
-              </a:solidFill>
-            </a:endParaRPr>
-          </a:p>
-        </p:txBody>
-      </p:sp>
-      <p:sp>
-        <p:nvSpPr>
-          <p:cNvPr id="10" name="标题 9"/>
-          <p:cNvSpPr>
-            <a:spLocks noGrp="1"/>
-          </p:cNvSpPr>
-          <p:nvPr>
-            <p:ph type="title"/>
-          </p:nvPr>
-        </p:nvSpPr>
-        <p:spPr>
-          <a:xfrm>
-            <a:off x="4998357" y="535366"/>
-            <a:ext cx="2195286" cy="1148820"/>
-          </a:xfrm>
-        </p:spPr>
-        <p:txBody>
-          <a:bodyPr>
-            <a:normAutofit/>
-          </a:bodyPr>
-          <a:lstStyle/>
-          <a:p>
-            <a:pPr algn="ctr"/>
-            <a:r>
-              <a:rPr lang="zh-CN" altLang="en-US" sz="6000" b="1" spc="600" dirty="0" smtClean="0">
-                <a:solidFill>
-                  <a:schemeClr val="bg1"/>
-                </a:solidFill>
-                <a:latin typeface="微软雅黑" panose="020B0503020204020204" pitchFamily="34" charset="-122"/>
-                <a:ea typeface="微软雅黑" panose="020B0503020204020204" pitchFamily="34" charset="-122"/>
-              </a:rPr>
-              <a:t>目录</a:t>
-            </a:r>
-            <a:endParaRPr lang="zh-CN" altLang="en-US" sz="6000" b="1" spc="600" dirty="0">
-              <a:solidFill>
-                <a:schemeClr val="bg1"/>
-              </a:solidFill>
-              <a:latin typeface="微软雅黑" panose="020B0503020204020204" pitchFamily="34" charset="-122"/>
-              <a:ea typeface="微软雅黑" panose="020B0503020204020204" pitchFamily="34" charset="-122"/>
-            </a:endParaRPr>
-          </a:p>
-        </p:txBody>
-      </p:sp>
-      <p:sp>
-        <p:nvSpPr>
-          <p:cNvPr id="16" name="标题 9"/>
-          <p:cNvSpPr txBox="1"/>
-          <p:nvPr/>
-        </p:nvSpPr>
-        <p:spPr>
-          <a:xfrm>
-            <a:off x="4998357" y="1360755"/>
-            <a:ext cx="2195286" cy="1148820"/>
-          </a:xfrm>
-          <a:prstGeom prst="rect">
-            <a:avLst/>
-          </a:prstGeom>
-        </p:spPr>
-        <p:txBody>
-          <a:bodyPr vert="horz" lIns="91440" tIns="45720" rIns="91440" bIns="45720" rtlCol="0" anchor="ctr">
-            <a:normAutofit/>
-          </a:bodyPr>
-          <a:lstStyle>
-            <a:lvl1pPr algn="l" defTabSz="914400" rtl="0" eaLnBrk="1" latinLnBrk="0" hangingPunct="1">
-              <a:lnSpc>
-                <a:spcPct val="90000"/>
-              </a:lnSpc>
-              <a:spcBef>
-                <a:spcPct val="0"/>
-              </a:spcBef>
-              <a:buNone/>
-              <a:defRPr sz="4400" kern="1200">
-                <a:solidFill>
-                  <a:schemeClr val="tx1"/>
-                </a:solidFill>
-                <a:latin typeface="+mj-lt"/>
-                <a:ea typeface="+mj-ea"/>
-                <a:cs typeface="+mj-cs"/>
-              </a:defRPr>
-            </a:lvl1pPr>
-          </a:lstStyle>
-          <a:p>
-            <a:pPr algn="ctr"/>
-            <a:r>
-              <a:rPr lang="en-US" altLang="zh-CN" sz="2800" dirty="0" smtClean="0">
-                <a:solidFill>
-                  <a:schemeClr val="bg1"/>
-                </a:solidFill>
-                <a:latin typeface="微软雅黑" panose="020B0503020204020204" pitchFamily="34" charset="-122"/>
-                <a:ea typeface="微软雅黑" panose="020B0503020204020204" pitchFamily="34" charset="-122"/>
-              </a:rPr>
-              <a:t>CONTENT</a:t>
-            </a:r>
-            <a:endParaRPr lang="zh-CN" altLang="en-US" sz="2800" dirty="0">
-              <a:solidFill>
-                <a:schemeClr val="bg1"/>
-              </a:solidFill>
-              <a:latin typeface="微软雅黑" panose="020B0503020204020204" pitchFamily="34" charset="-122"/>
-              <a:ea typeface="微软雅黑" panose="020B0503020204020204" pitchFamily="34" charset="-122"/>
-            </a:endParaRPr>
-          </a:p>
-        </p:txBody>
-      </p:sp>
-      <p:sp>
-        <p:nvSpPr>
-          <p:cNvPr id="19" name="标题 1"/>
-          <p:cNvSpPr txBox="1"/>
-          <p:nvPr/>
-        </p:nvSpPr>
-        <p:spPr>
-          <a:xfrm>
-            <a:off x="4885623" y="2859370"/>
-            <a:ext cx="3049815" cy="756256"/>
-          </a:xfrm>
-          <a:prstGeom prst="rect">
-            <a:avLst/>
-          </a:prstGeom>
-        </p:spPr>
-        <p:txBody>
-          <a:bodyPr vert="horz" lIns="91440" tIns="45720" rIns="91440" bIns="45720" rtlCol="0" anchor="ctr">
-            <a:normAutofit/>
-          </a:bodyPr>
-          <a:lstStyle>
-            <a:lvl1pPr algn="l" defTabSz="914400" rtl="0" eaLnBrk="1" latinLnBrk="0" hangingPunct="1">
-              <a:lnSpc>
-                <a:spcPct val="90000"/>
-              </a:lnSpc>
-              <a:spcBef>
-                <a:spcPct val="0"/>
-              </a:spcBef>
-              <a:buNone/>
-              <a:defRPr sz="4400" kern="1200">
-                <a:solidFill>
-                  <a:schemeClr val="tx1"/>
-                </a:solidFill>
-                <a:latin typeface="+mj-lt"/>
-                <a:ea typeface="+mj-ea"/>
-                <a:cs typeface="+mj-cs"/>
-              </a:defRPr>
-            </a:lvl1pPr>
-          </a:lstStyle>
-          <a:p>
-            <a:r>
-              <a:rPr lang="en-US" altLang="zh-CN" sz="2800" b="1" dirty="0" smtClean="0">
-                <a:solidFill>
-                  <a:srgbClr val="0068B1"/>
-                </a:solidFill>
-                <a:latin typeface="微软雅黑" panose="020B0503020204020204" pitchFamily="34" charset="-122"/>
-                <a:ea typeface="微软雅黑" panose="020B0503020204020204" pitchFamily="34" charset="-122"/>
-              </a:rPr>
-              <a:t>01  </a:t>
-            </a:r>
-            <a:r>
-              <a:rPr lang="zh-CN" altLang="en-US" sz="2800" b="1" dirty="0">
-                <a:solidFill>
-                  <a:srgbClr val="0068B1"/>
-                </a:solidFill>
-                <a:latin typeface="微软雅黑" panose="020B0503020204020204" pitchFamily="34" charset="-122"/>
-                <a:ea typeface="微软雅黑" panose="020B0503020204020204" pitchFamily="34" charset="-122"/>
-              </a:rPr>
-              <a:t>课题背景</a:t>
-            </a:r>
-            <a:endParaRPr lang="zh-CN" altLang="en-US" sz="2800" b="1" dirty="0">
-              <a:solidFill>
-                <a:srgbClr val="0068B1"/>
-              </a:solidFill>
-              <a:latin typeface="微软雅黑" panose="020B0503020204020204" pitchFamily="34" charset="-122"/>
-              <a:ea typeface="微软雅黑" panose="020B0503020204020204" pitchFamily="34" charset="-122"/>
-            </a:endParaRPr>
-          </a:p>
-        </p:txBody>
-      </p:sp>
-      <p:sp>
-        <p:nvSpPr>
-          <p:cNvPr id="21" name="标题 1"/>
-          <p:cNvSpPr txBox="1"/>
-          <p:nvPr/>
-        </p:nvSpPr>
-        <p:spPr>
-          <a:xfrm>
-            <a:off x="4885623" y="3835605"/>
-            <a:ext cx="3049815" cy="756256"/>
-          </a:xfrm>
-          <a:prstGeom prst="rect">
-            <a:avLst/>
-          </a:prstGeom>
-        </p:spPr>
-        <p:txBody>
-          <a:bodyPr vert="horz" lIns="91440" tIns="45720" rIns="91440" bIns="45720" rtlCol="0" anchor="ctr">
-            <a:normAutofit/>
-          </a:bodyPr>
-          <a:lstStyle>
-            <a:lvl1pPr algn="l" defTabSz="914400" rtl="0" eaLnBrk="1" latinLnBrk="0" hangingPunct="1">
-              <a:lnSpc>
-                <a:spcPct val="90000"/>
-              </a:lnSpc>
-              <a:spcBef>
-                <a:spcPct val="0"/>
-              </a:spcBef>
-              <a:buNone/>
-              <a:defRPr sz="4400" kern="1200">
-                <a:solidFill>
-                  <a:schemeClr val="tx1"/>
-                </a:solidFill>
-                <a:latin typeface="+mj-lt"/>
-                <a:ea typeface="+mj-ea"/>
-                <a:cs typeface="+mj-cs"/>
-              </a:defRPr>
-            </a:lvl1pPr>
-          </a:lstStyle>
-          <a:p>
-            <a:r>
-              <a:rPr lang="en-US" altLang="zh-CN" sz="2800" b="1" dirty="0" smtClean="0">
-                <a:solidFill>
-                  <a:srgbClr val="0068B1"/>
-                </a:solidFill>
-                <a:latin typeface="微软雅黑" panose="020B0503020204020204" pitchFamily="34" charset="-122"/>
-                <a:ea typeface="微软雅黑" panose="020B0503020204020204" pitchFamily="34" charset="-122"/>
-              </a:rPr>
-              <a:t>02  </a:t>
-            </a:r>
-            <a:r>
-              <a:rPr lang="zh-CN" altLang="en-US" sz="2800" b="1" dirty="0">
-                <a:solidFill>
-                  <a:srgbClr val="0068B1"/>
-                </a:solidFill>
-                <a:latin typeface="微软雅黑" panose="020B0503020204020204" pitchFamily="34" charset="-122"/>
-                <a:ea typeface="微软雅黑" panose="020B0503020204020204" pitchFamily="34" charset="-122"/>
-              </a:rPr>
-              <a:t>主要工作</a:t>
-            </a:r>
-            <a:endParaRPr lang="zh-CN" altLang="en-US" sz="2800" b="1" dirty="0">
-              <a:solidFill>
-                <a:srgbClr val="0068B1"/>
-              </a:solidFill>
-              <a:latin typeface="微软雅黑" panose="020B0503020204020204" pitchFamily="34" charset="-122"/>
-              <a:ea typeface="微软雅黑" panose="020B0503020204020204" pitchFamily="34" charset="-122"/>
-            </a:endParaRPr>
-          </a:p>
-        </p:txBody>
-      </p:sp>
-      <p:sp>
-        <p:nvSpPr>
-          <p:cNvPr id="22" name="标题 1"/>
-          <p:cNvSpPr txBox="1"/>
-          <p:nvPr/>
-        </p:nvSpPr>
-        <p:spPr>
-          <a:xfrm>
-            <a:off x="4885623" y="4813956"/>
-            <a:ext cx="3049815" cy="756256"/>
-          </a:xfrm>
-          <a:prstGeom prst="rect">
-            <a:avLst/>
-          </a:prstGeom>
-        </p:spPr>
-        <p:txBody>
-          <a:bodyPr vert="horz" lIns="91440" tIns="45720" rIns="91440" bIns="45720" rtlCol="0" anchor="ctr">
-            <a:normAutofit/>
-          </a:bodyPr>
-          <a:lstStyle>
-            <a:lvl1pPr algn="l" defTabSz="914400" rtl="0" eaLnBrk="1" latinLnBrk="0" hangingPunct="1">
-              <a:lnSpc>
-                <a:spcPct val="90000"/>
-              </a:lnSpc>
-              <a:spcBef>
-                <a:spcPct val="0"/>
-              </a:spcBef>
-              <a:buNone/>
-              <a:defRPr sz="4400" kern="1200">
-                <a:solidFill>
-                  <a:schemeClr val="tx1"/>
-                </a:solidFill>
-                <a:latin typeface="+mj-lt"/>
-                <a:ea typeface="+mj-ea"/>
-                <a:cs typeface="+mj-cs"/>
-              </a:defRPr>
-            </a:lvl1pPr>
-          </a:lstStyle>
-          <a:p>
-            <a:r>
-              <a:rPr lang="en-US" altLang="zh-CN" sz="2800" b="1" dirty="0" smtClean="0">
-                <a:solidFill>
-                  <a:srgbClr val="0068B1"/>
-                </a:solidFill>
-                <a:latin typeface="微软雅黑" panose="020B0503020204020204" pitchFamily="34" charset="-122"/>
-                <a:ea typeface="微软雅黑" panose="020B0503020204020204" pitchFamily="34" charset="-122"/>
-              </a:rPr>
-              <a:t>03  </a:t>
-            </a:r>
-            <a:r>
-              <a:rPr lang="zh-CN" altLang="en-US" sz="2800" b="1" dirty="0">
-                <a:solidFill>
-                  <a:srgbClr val="0068B1"/>
-                </a:solidFill>
-                <a:latin typeface="微软雅黑" panose="020B0503020204020204" pitchFamily="34" charset="-122"/>
-                <a:ea typeface="微软雅黑" panose="020B0503020204020204" pitchFamily="34" charset="-122"/>
-              </a:rPr>
-              <a:t>总结与反思</a:t>
-            </a:r>
-            <a:endParaRPr lang="zh-CN" altLang="en-US" sz="2800" b="1" dirty="0">
-              <a:solidFill>
-                <a:srgbClr val="0068B1"/>
-              </a:solidFill>
-              <a:latin typeface="微软雅黑" panose="020B0503020204020204" pitchFamily="34" charset="-122"/>
-              <a:ea typeface="微软雅黑" panose="020B0503020204020204" pitchFamily="34" charset="-122"/>
-            </a:endParaRPr>
-          </a:p>
-        </p:txBody>
-      </p:sp>
-      <p:cxnSp>
-        <p:nvCxnSpPr>
-          <p:cNvPr id="11" name="直接连接符 10"/>
-          <p:cNvCxnSpPr/>
-          <p:nvPr/>
-        </p:nvCxnSpPr>
-        <p:spPr>
-          <a:xfrm>
-            <a:off x="4998085" y="5466715"/>
-            <a:ext cx="2512060" cy="0"/>
-          </a:xfrm>
-          <a:prstGeom prst="line">
-            <a:avLst/>
-          </a:prstGeom>
-          <a:ln>
-            <a:prstDash val="dashDot"/>
-          </a:ln>
-        </p:spPr>
-        <p:style>
-          <a:lnRef idx="1">
-            <a:schemeClr val="accent1"/>
-          </a:lnRef>
-          <a:fillRef idx="0">
-            <a:schemeClr val="accent1"/>
-          </a:fillRef>
-          <a:effectRef idx="0">
-            <a:schemeClr val="accent1"/>
-          </a:effectRef>
-          <a:fontRef idx="minor">
-            <a:schemeClr val="tx1"/>
-          </a:fontRef>
-        </p:style>
-      </p:cxnSp>
-    </p:spTree>
-  </p:cSld>
-  <p:clrMapOvr>
-    <a:masterClrMapping/>
-  </p:clrMapOvr>
-  <p:timing>
-    <p:tnLst>
-      <p:par>
-        <p:cTn id="1" dur="indefinite" restart="never" nodeType="tmRoot"/>
-      </p:par>
-    </p:tnLst>
-  </p:timing>
-</p:sld>
-</file>
-
-<file path=ppt/slides/slide21.xml><?xml version="1.0" encoding="utf-8"?>
 <p:sld xmlns:a="http://schemas.openxmlformats.org/drawingml/2006/main" xmlns:r="http://schemas.openxmlformats.org/officeDocument/2006/relationships" xmlns:p="http://schemas.openxmlformats.org/presentationml/2006/main">
   <p:cSld>
     <p:spTree>
@@ -19366,7 +19556,7 @@
 </p:sld>
 </file>
 
-<file path=ppt/slides/slide22.xml><?xml version="1.0" encoding="utf-8"?>
+<file path=ppt/slides/slide21.xml><?xml version="1.0" encoding="utf-8"?>
 <p:sld xmlns:a="http://schemas.openxmlformats.org/drawingml/2006/main" xmlns:r="http://schemas.openxmlformats.org/officeDocument/2006/relationships" xmlns:p="http://schemas.openxmlformats.org/presentationml/2006/main">
   <p:cSld>
     <p:spTree>
@@ -19868,7 +20058,7 @@
 </p:sld>
 </file>
 
-<file path=ppt/slides/slide23.xml><?xml version="1.0" encoding="utf-8"?>
+<file path=ppt/slides/slide22.xml><?xml version="1.0" encoding="utf-8"?>
 <p:sld xmlns:a="http://schemas.openxmlformats.org/drawingml/2006/main" xmlns:r="http://schemas.openxmlformats.org/officeDocument/2006/relationships" xmlns:p="http://schemas.openxmlformats.org/presentationml/2006/main">
   <p:cSld>
     <p:spTree>
